--- a/annales/2015/2015.pptx
+++ b/annales/2015/2015.pptx
@@ -2,12 +2,13 @@
 <file path=ppt/presentation.xml><?xml version="1.0" encoding="utf-8"?>
 <p:presentation xmlns:a="http://schemas.openxmlformats.org/drawingml/2006/main" xmlns:r="http://schemas.openxmlformats.org/officeDocument/2006/relationships" xmlns:p="http://schemas.openxmlformats.org/presentationml/2006/main" saveSubsetFonts="1">
   <p:sldMasterIdLst>
-    <p:sldMasterId id="2147483768" r:id="rId1"/>
+    <p:sldMasterId id="2147483780" r:id="rId1"/>
   </p:sldMasterIdLst>
   <p:sldIdLst>
-    <p:sldId id="261" r:id="rId2"/>
+    <p:sldId id="262" r:id="rId2"/>
+    <p:sldId id="261" r:id="rId3"/>
   </p:sldIdLst>
-  <p:sldSz cx="38531800" cy="21674138"/>
+  <p:sldSz cx="9906000" cy="6858000" type="A4"/>
   <p:notesSz cx="6858000" cy="9144000"/>
   <p:defaultTextStyle>
     <a:defPPr>
@@ -141,15 +142,15 @@
         </p:nvSpPr>
         <p:spPr>
           <a:xfrm>
-            <a:off x="4816475" y="3547136"/>
-            <a:ext cx="28898851" cy="7545811"/>
+            <a:off x="742950" y="1122363"/>
+            <a:ext cx="8420100" cy="2387600"/>
           </a:xfrm>
         </p:spPr>
         <p:txBody>
           <a:bodyPr anchor="b"/>
           <a:lstStyle>
             <a:lvl1pPr algn="ctr">
-              <a:defRPr sz="18962"/>
+              <a:defRPr sz="6000"/>
             </a:lvl1pPr>
           </a:lstStyle>
           <a:p>
@@ -173,8 +174,8 @@
         </p:nvSpPr>
         <p:spPr>
           <a:xfrm>
-            <a:off x="4816475" y="11383941"/>
-            <a:ext cx="28898851" cy="5232898"/>
+            <a:off x="1238250" y="3602038"/>
+            <a:ext cx="7429500" cy="1655762"/>
           </a:xfrm>
         </p:spPr>
         <p:txBody>
@@ -182,39 +183,39 @@
           <a:lstStyle>
             <a:lvl1pPr marL="0" indent="0" algn="ctr">
               <a:buNone/>
-              <a:defRPr sz="7585"/>
+              <a:defRPr sz="2400"/>
             </a:lvl1pPr>
-            <a:lvl2pPr marL="1444935" indent="0" algn="ctr">
+            <a:lvl2pPr marL="457200" indent="0" algn="ctr">
               <a:buNone/>
-              <a:defRPr sz="6321"/>
+              <a:defRPr sz="2000"/>
             </a:lvl2pPr>
-            <a:lvl3pPr marL="2889870" indent="0" algn="ctr">
+            <a:lvl3pPr marL="914400" indent="0" algn="ctr">
               <a:buNone/>
-              <a:defRPr sz="5689"/>
+              <a:defRPr sz="1800"/>
             </a:lvl3pPr>
-            <a:lvl4pPr marL="4334805" indent="0" algn="ctr">
+            <a:lvl4pPr marL="1371600" indent="0" algn="ctr">
               <a:buNone/>
-              <a:defRPr sz="5057"/>
+              <a:defRPr sz="1600"/>
             </a:lvl4pPr>
-            <a:lvl5pPr marL="5779740" indent="0" algn="ctr">
+            <a:lvl5pPr marL="1828800" indent="0" algn="ctr">
               <a:buNone/>
-              <a:defRPr sz="5057"/>
+              <a:defRPr sz="1600"/>
             </a:lvl5pPr>
-            <a:lvl6pPr marL="7224674" indent="0" algn="ctr">
+            <a:lvl6pPr marL="2286000" indent="0" algn="ctr">
               <a:buNone/>
-              <a:defRPr sz="5057"/>
+              <a:defRPr sz="1600"/>
             </a:lvl6pPr>
-            <a:lvl7pPr marL="8669609" indent="0" algn="ctr">
+            <a:lvl7pPr marL="2743200" indent="0" algn="ctr">
               <a:buNone/>
-              <a:defRPr sz="5057"/>
+              <a:defRPr sz="1600"/>
             </a:lvl7pPr>
-            <a:lvl8pPr marL="10114544" indent="0" algn="ctr">
+            <a:lvl8pPr marL="3200400" indent="0" algn="ctr">
               <a:buNone/>
-              <a:defRPr sz="5057"/>
+              <a:defRPr sz="1600"/>
             </a:lvl8pPr>
-            <a:lvl9pPr marL="11559479" indent="0" algn="ctr">
+            <a:lvl9pPr marL="3657600" indent="0" algn="ctr">
               <a:buNone/>
-              <a:defRPr sz="5057"/>
+              <a:defRPr sz="1600"/>
             </a:lvl9pPr>
           </a:lstStyle>
           <a:p>
@@ -243,7 +244,7 @@
           <a:p>
             <a:fld id="{CCF29353-4D7E-4B5E-B724-88265EDC824A}" type="datetimeFigureOut">
               <a:rPr lang="fr-FR" smtClean="0"/>
-              <a:t>08/04/2023</a:t>
+              <a:t>11/04/2023</a:t>
             </a:fld>
             <a:endParaRPr lang="fr-FR"/>
           </a:p>
@@ -294,7 +295,7 @@
     </p:spTree>
     <p:extLst>
       <p:ext uri="{BB962C8B-B14F-4D97-AF65-F5344CB8AC3E}">
-        <p14:creationId xmlns:p14="http://schemas.microsoft.com/office/powerpoint/2010/main" val="3880807230"/>
+        <p14:creationId xmlns:p14="http://schemas.microsoft.com/office/powerpoint/2010/main" val="460891213"/>
       </p:ext>
     </p:extLst>
   </p:cSld>
@@ -413,7 +414,7 @@
           <a:p>
             <a:fld id="{CCF29353-4D7E-4B5E-B724-88265EDC824A}" type="datetimeFigureOut">
               <a:rPr lang="fr-FR" smtClean="0"/>
-              <a:t>08/04/2023</a:t>
+              <a:t>11/04/2023</a:t>
             </a:fld>
             <a:endParaRPr lang="fr-FR"/>
           </a:p>
@@ -464,7 +465,7 @@
     </p:spTree>
     <p:extLst>
       <p:ext uri="{BB962C8B-B14F-4D97-AF65-F5344CB8AC3E}">
-        <p14:creationId xmlns:p14="http://schemas.microsoft.com/office/powerpoint/2010/main" val="2793865609"/>
+        <p14:creationId xmlns:p14="http://schemas.microsoft.com/office/powerpoint/2010/main" val="1765247265"/>
       </p:ext>
     </p:extLst>
   </p:cSld>
@@ -503,8 +504,8 @@
         </p:nvSpPr>
         <p:spPr>
           <a:xfrm>
-            <a:off x="27574321" y="1153947"/>
-            <a:ext cx="8308419" cy="18367830"/>
+            <a:off x="7088982" y="365125"/>
+            <a:ext cx="2135981" cy="5811838"/>
           </a:xfrm>
         </p:spPr>
         <p:txBody>
@@ -531,8 +532,8 @@
         </p:nvSpPr>
         <p:spPr>
           <a:xfrm>
-            <a:off x="2649061" y="1153947"/>
-            <a:ext cx="24443611" cy="18367830"/>
+            <a:off x="681038" y="365125"/>
+            <a:ext cx="6284119" cy="5811838"/>
           </a:xfrm>
         </p:spPr>
         <p:txBody>
@@ -593,7 +594,7 @@
           <a:p>
             <a:fld id="{CCF29353-4D7E-4B5E-B724-88265EDC824A}" type="datetimeFigureOut">
               <a:rPr lang="fr-FR" smtClean="0"/>
-              <a:t>08/04/2023</a:t>
+              <a:t>11/04/2023</a:t>
             </a:fld>
             <a:endParaRPr lang="fr-FR"/>
           </a:p>
@@ -644,7 +645,7 @@
     </p:spTree>
     <p:extLst>
       <p:ext uri="{BB962C8B-B14F-4D97-AF65-F5344CB8AC3E}">
-        <p14:creationId xmlns:p14="http://schemas.microsoft.com/office/powerpoint/2010/main" val="2518230840"/>
+        <p14:creationId xmlns:p14="http://schemas.microsoft.com/office/powerpoint/2010/main" val="1628190534"/>
       </p:ext>
     </p:extLst>
   </p:cSld>
@@ -763,7 +764,7 @@
           <a:p>
             <a:fld id="{CCF29353-4D7E-4B5E-B724-88265EDC824A}" type="datetimeFigureOut">
               <a:rPr lang="fr-FR" smtClean="0"/>
-              <a:t>08/04/2023</a:t>
+              <a:t>11/04/2023</a:t>
             </a:fld>
             <a:endParaRPr lang="fr-FR"/>
           </a:p>
@@ -814,7 +815,7 @@
     </p:spTree>
     <p:extLst>
       <p:ext uri="{BB962C8B-B14F-4D97-AF65-F5344CB8AC3E}">
-        <p14:creationId xmlns:p14="http://schemas.microsoft.com/office/powerpoint/2010/main" val="3032927432"/>
+        <p14:creationId xmlns:p14="http://schemas.microsoft.com/office/powerpoint/2010/main" val="270411213"/>
       </p:ext>
     </p:extLst>
   </p:cSld>
@@ -853,15 +854,15 @@
         </p:nvSpPr>
         <p:spPr>
           <a:xfrm>
-            <a:off x="2628993" y="5403486"/>
-            <a:ext cx="33233679" cy="9015838"/>
+            <a:off x="675879" y="1709740"/>
+            <a:ext cx="8543925" cy="2852737"/>
           </a:xfrm>
         </p:spPr>
         <p:txBody>
           <a:bodyPr anchor="b"/>
           <a:lstStyle>
             <a:lvl1pPr>
-              <a:defRPr sz="18962"/>
+              <a:defRPr sz="6000"/>
             </a:lvl1pPr>
           </a:lstStyle>
           <a:p>
@@ -885,8 +886,8 @@
         </p:nvSpPr>
         <p:spPr>
           <a:xfrm>
-            <a:off x="2628993" y="14504617"/>
-            <a:ext cx="33233679" cy="4741216"/>
+            <a:off x="675879" y="4589465"/>
+            <a:ext cx="8543925" cy="1500187"/>
           </a:xfrm>
         </p:spPr>
         <p:txBody>
@@ -894,17 +895,15 @@
           <a:lstStyle>
             <a:lvl1pPr marL="0" indent="0">
               <a:buNone/>
-              <a:defRPr sz="7585">
+              <a:defRPr sz="2400">
                 <a:solidFill>
-                  <a:schemeClr val="tx1">
-                    <a:tint val="75000"/>
-                  </a:schemeClr>
+                  <a:schemeClr val="tx1"/>
                 </a:solidFill>
               </a:defRPr>
             </a:lvl1pPr>
-            <a:lvl2pPr marL="1444935" indent="0">
+            <a:lvl2pPr marL="457200" indent="0">
               <a:buNone/>
-              <a:defRPr sz="6321">
+              <a:defRPr sz="2000">
                 <a:solidFill>
                   <a:schemeClr val="tx1">
                     <a:tint val="75000"/>
@@ -912,9 +911,9 @@
                 </a:solidFill>
               </a:defRPr>
             </a:lvl2pPr>
-            <a:lvl3pPr marL="2889870" indent="0">
+            <a:lvl3pPr marL="914400" indent="0">
               <a:buNone/>
-              <a:defRPr sz="5689">
+              <a:defRPr sz="1800">
                 <a:solidFill>
                   <a:schemeClr val="tx1">
                     <a:tint val="75000"/>
@@ -922,9 +921,9 @@
                 </a:solidFill>
               </a:defRPr>
             </a:lvl3pPr>
-            <a:lvl4pPr marL="4334805" indent="0">
+            <a:lvl4pPr marL="1371600" indent="0">
               <a:buNone/>
-              <a:defRPr sz="5057">
+              <a:defRPr sz="1600">
                 <a:solidFill>
                   <a:schemeClr val="tx1">
                     <a:tint val="75000"/>
@@ -932,9 +931,9 @@
                 </a:solidFill>
               </a:defRPr>
             </a:lvl4pPr>
-            <a:lvl5pPr marL="5779740" indent="0">
+            <a:lvl5pPr marL="1828800" indent="0">
               <a:buNone/>
-              <a:defRPr sz="5057">
+              <a:defRPr sz="1600">
                 <a:solidFill>
                   <a:schemeClr val="tx1">
                     <a:tint val="75000"/>
@@ -942,9 +941,9 @@
                 </a:solidFill>
               </a:defRPr>
             </a:lvl5pPr>
-            <a:lvl6pPr marL="7224674" indent="0">
+            <a:lvl6pPr marL="2286000" indent="0">
               <a:buNone/>
-              <a:defRPr sz="5057">
+              <a:defRPr sz="1600">
                 <a:solidFill>
                   <a:schemeClr val="tx1">
                     <a:tint val="75000"/>
@@ -952,9 +951,9 @@
                 </a:solidFill>
               </a:defRPr>
             </a:lvl6pPr>
-            <a:lvl7pPr marL="8669609" indent="0">
+            <a:lvl7pPr marL="2743200" indent="0">
               <a:buNone/>
-              <a:defRPr sz="5057">
+              <a:defRPr sz="1600">
                 <a:solidFill>
                   <a:schemeClr val="tx1">
                     <a:tint val="75000"/>
@@ -962,9 +961,9 @@
                 </a:solidFill>
               </a:defRPr>
             </a:lvl7pPr>
-            <a:lvl8pPr marL="10114544" indent="0">
+            <a:lvl8pPr marL="3200400" indent="0">
               <a:buNone/>
-              <a:defRPr sz="5057">
+              <a:defRPr sz="1600">
                 <a:solidFill>
                   <a:schemeClr val="tx1">
                     <a:tint val="75000"/>
@@ -972,9 +971,9 @@
                 </a:solidFill>
               </a:defRPr>
             </a:lvl8pPr>
-            <a:lvl9pPr marL="11559479" indent="0">
+            <a:lvl9pPr marL="3657600" indent="0">
               <a:buNone/>
-              <a:defRPr sz="5057">
+              <a:defRPr sz="1600">
                 <a:solidFill>
                   <a:schemeClr val="tx1">
                     <a:tint val="75000"/>
@@ -1009,7 +1008,7 @@
           <a:p>
             <a:fld id="{CCF29353-4D7E-4B5E-B724-88265EDC824A}" type="datetimeFigureOut">
               <a:rPr lang="fr-FR" smtClean="0"/>
-              <a:t>08/04/2023</a:t>
+              <a:t>11/04/2023</a:t>
             </a:fld>
             <a:endParaRPr lang="fr-FR"/>
           </a:p>
@@ -1060,7 +1059,7 @@
     </p:spTree>
     <p:extLst>
       <p:ext uri="{BB962C8B-B14F-4D97-AF65-F5344CB8AC3E}">
-        <p14:creationId xmlns:p14="http://schemas.microsoft.com/office/powerpoint/2010/main" val="3635411352"/>
+        <p14:creationId xmlns:p14="http://schemas.microsoft.com/office/powerpoint/2010/main" val="4084101672"/>
       </p:ext>
     </p:extLst>
   </p:cSld>
@@ -1122,8 +1121,8 @@
         </p:nvSpPr>
         <p:spPr>
           <a:xfrm>
-            <a:off x="2649062" y="5769738"/>
-            <a:ext cx="16376015" cy="13752041"/>
+            <a:off x="681038" y="1825625"/>
+            <a:ext cx="4210050" cy="4351338"/>
           </a:xfrm>
         </p:spPr>
         <p:txBody>
@@ -1179,8 +1178,8 @@
         </p:nvSpPr>
         <p:spPr>
           <a:xfrm>
-            <a:off x="19506726" y="5769738"/>
-            <a:ext cx="16376015" cy="13752041"/>
+            <a:off x="5014913" y="1825625"/>
+            <a:ext cx="4210050" cy="4351338"/>
           </a:xfrm>
         </p:spPr>
         <p:txBody>
@@ -1241,7 +1240,7 @@
           <a:p>
             <a:fld id="{CCF29353-4D7E-4B5E-B724-88265EDC824A}" type="datetimeFigureOut">
               <a:rPr lang="fr-FR" smtClean="0"/>
-              <a:t>08/04/2023</a:t>
+              <a:t>11/04/2023</a:t>
             </a:fld>
             <a:endParaRPr lang="fr-FR"/>
           </a:p>
@@ -1292,7 +1291,7 @@
     </p:spTree>
     <p:extLst>
       <p:ext uri="{BB962C8B-B14F-4D97-AF65-F5344CB8AC3E}">
-        <p14:creationId xmlns:p14="http://schemas.microsoft.com/office/powerpoint/2010/main" val="2562473292"/>
+        <p14:creationId xmlns:p14="http://schemas.microsoft.com/office/powerpoint/2010/main" val="2582418409"/>
       </p:ext>
     </p:extLst>
   </p:cSld>
@@ -1331,8 +1330,8 @@
         </p:nvSpPr>
         <p:spPr>
           <a:xfrm>
-            <a:off x="2654081" y="1153951"/>
-            <a:ext cx="33233679" cy="4189331"/>
+            <a:off x="682328" y="365127"/>
+            <a:ext cx="8543925" cy="1325563"/>
           </a:xfrm>
         </p:spPr>
         <p:txBody>
@@ -1359,8 +1358,8 @@
         </p:nvSpPr>
         <p:spPr>
           <a:xfrm>
-            <a:off x="2654082" y="5313178"/>
-            <a:ext cx="16300756" cy="2603905"/>
+            <a:off x="682329" y="1681163"/>
+            <a:ext cx="4190702" cy="823912"/>
           </a:xfrm>
         </p:spPr>
         <p:txBody>
@@ -1368,39 +1367,39 @@
           <a:lstStyle>
             <a:lvl1pPr marL="0" indent="0">
               <a:buNone/>
-              <a:defRPr sz="7585" b="1"/>
+              <a:defRPr sz="2400" b="1"/>
             </a:lvl1pPr>
-            <a:lvl2pPr marL="1444935" indent="0">
+            <a:lvl2pPr marL="457200" indent="0">
               <a:buNone/>
-              <a:defRPr sz="6321" b="1"/>
+              <a:defRPr sz="2000" b="1"/>
             </a:lvl2pPr>
-            <a:lvl3pPr marL="2889870" indent="0">
+            <a:lvl3pPr marL="914400" indent="0">
               <a:buNone/>
-              <a:defRPr sz="5689" b="1"/>
+              <a:defRPr sz="1800" b="1"/>
             </a:lvl3pPr>
-            <a:lvl4pPr marL="4334805" indent="0">
+            <a:lvl4pPr marL="1371600" indent="0">
               <a:buNone/>
-              <a:defRPr sz="5057" b="1"/>
+              <a:defRPr sz="1600" b="1"/>
             </a:lvl4pPr>
-            <a:lvl5pPr marL="5779740" indent="0">
+            <a:lvl5pPr marL="1828800" indent="0">
               <a:buNone/>
-              <a:defRPr sz="5057" b="1"/>
+              <a:defRPr sz="1600" b="1"/>
             </a:lvl5pPr>
-            <a:lvl6pPr marL="7224674" indent="0">
+            <a:lvl6pPr marL="2286000" indent="0">
               <a:buNone/>
-              <a:defRPr sz="5057" b="1"/>
+              <a:defRPr sz="1600" b="1"/>
             </a:lvl6pPr>
-            <a:lvl7pPr marL="8669609" indent="0">
+            <a:lvl7pPr marL="2743200" indent="0">
               <a:buNone/>
-              <a:defRPr sz="5057" b="1"/>
+              <a:defRPr sz="1600" b="1"/>
             </a:lvl7pPr>
-            <a:lvl8pPr marL="10114544" indent="0">
+            <a:lvl8pPr marL="3200400" indent="0">
               <a:buNone/>
-              <a:defRPr sz="5057" b="1"/>
+              <a:defRPr sz="1600" b="1"/>
             </a:lvl8pPr>
-            <a:lvl9pPr marL="11559479" indent="0">
+            <a:lvl9pPr marL="3657600" indent="0">
               <a:buNone/>
-              <a:defRPr sz="5057" b="1"/>
+              <a:defRPr sz="1600" b="1"/>
             </a:lvl9pPr>
           </a:lstStyle>
           <a:p>
@@ -1424,8 +1423,8 @@
         </p:nvSpPr>
         <p:spPr>
           <a:xfrm>
-            <a:off x="2654082" y="7917081"/>
-            <a:ext cx="16300756" cy="11644834"/>
+            <a:off x="682329" y="2505075"/>
+            <a:ext cx="4190702" cy="3684588"/>
           </a:xfrm>
         </p:spPr>
         <p:txBody>
@@ -1481,8 +1480,8 @@
         </p:nvSpPr>
         <p:spPr>
           <a:xfrm>
-            <a:off x="19506724" y="5313178"/>
-            <a:ext cx="16381035" cy="2603905"/>
+            <a:off x="5014913" y="1681163"/>
+            <a:ext cx="4211340" cy="823912"/>
           </a:xfrm>
         </p:spPr>
         <p:txBody>
@@ -1490,39 +1489,39 @@
           <a:lstStyle>
             <a:lvl1pPr marL="0" indent="0">
               <a:buNone/>
-              <a:defRPr sz="7585" b="1"/>
+              <a:defRPr sz="2400" b="1"/>
             </a:lvl1pPr>
-            <a:lvl2pPr marL="1444935" indent="0">
+            <a:lvl2pPr marL="457200" indent="0">
               <a:buNone/>
-              <a:defRPr sz="6321" b="1"/>
+              <a:defRPr sz="2000" b="1"/>
             </a:lvl2pPr>
-            <a:lvl3pPr marL="2889870" indent="0">
+            <a:lvl3pPr marL="914400" indent="0">
               <a:buNone/>
-              <a:defRPr sz="5689" b="1"/>
+              <a:defRPr sz="1800" b="1"/>
             </a:lvl3pPr>
-            <a:lvl4pPr marL="4334805" indent="0">
+            <a:lvl4pPr marL="1371600" indent="0">
               <a:buNone/>
-              <a:defRPr sz="5057" b="1"/>
+              <a:defRPr sz="1600" b="1"/>
             </a:lvl4pPr>
-            <a:lvl5pPr marL="5779740" indent="0">
+            <a:lvl5pPr marL="1828800" indent="0">
               <a:buNone/>
-              <a:defRPr sz="5057" b="1"/>
+              <a:defRPr sz="1600" b="1"/>
             </a:lvl5pPr>
-            <a:lvl6pPr marL="7224674" indent="0">
+            <a:lvl6pPr marL="2286000" indent="0">
               <a:buNone/>
-              <a:defRPr sz="5057" b="1"/>
+              <a:defRPr sz="1600" b="1"/>
             </a:lvl6pPr>
-            <a:lvl7pPr marL="8669609" indent="0">
+            <a:lvl7pPr marL="2743200" indent="0">
               <a:buNone/>
-              <a:defRPr sz="5057" b="1"/>
+              <a:defRPr sz="1600" b="1"/>
             </a:lvl7pPr>
-            <a:lvl8pPr marL="10114544" indent="0">
+            <a:lvl8pPr marL="3200400" indent="0">
               <a:buNone/>
-              <a:defRPr sz="5057" b="1"/>
+              <a:defRPr sz="1600" b="1"/>
             </a:lvl8pPr>
-            <a:lvl9pPr marL="11559479" indent="0">
+            <a:lvl9pPr marL="3657600" indent="0">
               <a:buNone/>
-              <a:defRPr sz="5057" b="1"/>
+              <a:defRPr sz="1600" b="1"/>
             </a:lvl9pPr>
           </a:lstStyle>
           <a:p>
@@ -1546,8 +1545,8 @@
         </p:nvSpPr>
         <p:spPr>
           <a:xfrm>
-            <a:off x="19506724" y="7917081"/>
-            <a:ext cx="16381035" cy="11644834"/>
+            <a:off x="5014913" y="2505075"/>
+            <a:ext cx="4211340" cy="3684588"/>
           </a:xfrm>
         </p:spPr>
         <p:txBody>
@@ -1608,7 +1607,7 @@
           <a:p>
             <a:fld id="{CCF29353-4D7E-4B5E-B724-88265EDC824A}" type="datetimeFigureOut">
               <a:rPr lang="fr-FR" smtClean="0"/>
-              <a:t>08/04/2023</a:t>
+              <a:t>11/04/2023</a:t>
             </a:fld>
             <a:endParaRPr lang="fr-FR"/>
           </a:p>
@@ -1659,7 +1658,7 @@
     </p:spTree>
     <p:extLst>
       <p:ext uri="{BB962C8B-B14F-4D97-AF65-F5344CB8AC3E}">
-        <p14:creationId xmlns:p14="http://schemas.microsoft.com/office/powerpoint/2010/main" val="3470727663"/>
+        <p14:creationId xmlns:p14="http://schemas.microsoft.com/office/powerpoint/2010/main" val="4036119453"/>
       </p:ext>
     </p:extLst>
   </p:cSld>
@@ -1726,7 +1725,7 @@
           <a:p>
             <a:fld id="{CCF29353-4D7E-4B5E-B724-88265EDC824A}" type="datetimeFigureOut">
               <a:rPr lang="fr-FR" smtClean="0"/>
-              <a:t>08/04/2023</a:t>
+              <a:t>11/04/2023</a:t>
             </a:fld>
             <a:endParaRPr lang="fr-FR"/>
           </a:p>
@@ -1777,7 +1776,7 @@
     </p:spTree>
     <p:extLst>
       <p:ext uri="{BB962C8B-B14F-4D97-AF65-F5344CB8AC3E}">
-        <p14:creationId xmlns:p14="http://schemas.microsoft.com/office/powerpoint/2010/main" val="1109123242"/>
+        <p14:creationId xmlns:p14="http://schemas.microsoft.com/office/powerpoint/2010/main" val="4294022669"/>
       </p:ext>
     </p:extLst>
   </p:cSld>
@@ -1821,7 +1820,7 @@
           <a:p>
             <a:fld id="{CCF29353-4D7E-4B5E-B724-88265EDC824A}" type="datetimeFigureOut">
               <a:rPr lang="fr-FR" smtClean="0"/>
-              <a:t>08/04/2023</a:t>
+              <a:t>11/04/2023</a:t>
             </a:fld>
             <a:endParaRPr lang="fr-FR"/>
           </a:p>
@@ -1872,7 +1871,7 @@
     </p:spTree>
     <p:extLst>
       <p:ext uri="{BB962C8B-B14F-4D97-AF65-F5344CB8AC3E}">
-        <p14:creationId xmlns:p14="http://schemas.microsoft.com/office/powerpoint/2010/main" val="306145592"/>
+        <p14:creationId xmlns:p14="http://schemas.microsoft.com/office/powerpoint/2010/main" val="3602002901"/>
       </p:ext>
     </p:extLst>
   </p:cSld>
@@ -1911,15 +1910,15 @@
         </p:nvSpPr>
         <p:spPr>
           <a:xfrm>
-            <a:off x="2654083" y="1444943"/>
-            <a:ext cx="12427507" cy="5057299"/>
+            <a:off x="682328" y="457200"/>
+            <a:ext cx="3194943" cy="1600200"/>
           </a:xfrm>
         </p:spPr>
         <p:txBody>
           <a:bodyPr anchor="b"/>
           <a:lstStyle>
             <a:lvl1pPr>
-              <a:defRPr sz="10113"/>
+              <a:defRPr sz="3200"/>
             </a:lvl1pPr>
           </a:lstStyle>
           <a:p>
@@ -1943,39 +1942,39 @@
         </p:nvSpPr>
         <p:spPr>
           <a:xfrm>
-            <a:off x="16381035" y="3120676"/>
-            <a:ext cx="19506724" cy="15402686"/>
+            <a:off x="4211340" y="987427"/>
+            <a:ext cx="5014913" cy="4873625"/>
           </a:xfrm>
         </p:spPr>
         <p:txBody>
           <a:bodyPr/>
           <a:lstStyle>
             <a:lvl1pPr>
-              <a:defRPr sz="10113"/>
+              <a:defRPr sz="3200"/>
             </a:lvl1pPr>
             <a:lvl2pPr>
-              <a:defRPr sz="8849"/>
+              <a:defRPr sz="2800"/>
             </a:lvl2pPr>
             <a:lvl3pPr>
-              <a:defRPr sz="7585"/>
+              <a:defRPr sz="2400"/>
             </a:lvl3pPr>
             <a:lvl4pPr>
-              <a:defRPr sz="6321"/>
+              <a:defRPr sz="2000"/>
             </a:lvl4pPr>
             <a:lvl5pPr>
-              <a:defRPr sz="6321"/>
+              <a:defRPr sz="2000"/>
             </a:lvl5pPr>
             <a:lvl6pPr>
-              <a:defRPr sz="6321"/>
+              <a:defRPr sz="2000"/>
             </a:lvl6pPr>
             <a:lvl7pPr>
-              <a:defRPr sz="6321"/>
+              <a:defRPr sz="2000"/>
             </a:lvl7pPr>
             <a:lvl8pPr>
-              <a:defRPr sz="6321"/>
+              <a:defRPr sz="2000"/>
             </a:lvl8pPr>
             <a:lvl9pPr>
-              <a:defRPr sz="6321"/>
+              <a:defRPr sz="2000"/>
             </a:lvl9pPr>
           </a:lstStyle>
           <a:p>
@@ -2028,8 +2027,8 @@
         </p:nvSpPr>
         <p:spPr>
           <a:xfrm>
-            <a:off x="2654083" y="6502243"/>
-            <a:ext cx="12427507" cy="12046207"/>
+            <a:off x="682328" y="2057400"/>
+            <a:ext cx="3194943" cy="3811588"/>
           </a:xfrm>
         </p:spPr>
         <p:txBody>
@@ -2037,39 +2036,39 @@
           <a:lstStyle>
             <a:lvl1pPr marL="0" indent="0">
               <a:buNone/>
-              <a:defRPr sz="5057"/>
+              <a:defRPr sz="1600"/>
             </a:lvl1pPr>
-            <a:lvl2pPr marL="1444935" indent="0">
+            <a:lvl2pPr marL="457200" indent="0">
               <a:buNone/>
-              <a:defRPr sz="4425"/>
+              <a:defRPr sz="1400"/>
             </a:lvl2pPr>
-            <a:lvl3pPr marL="2889870" indent="0">
+            <a:lvl3pPr marL="914400" indent="0">
               <a:buNone/>
-              <a:defRPr sz="3792"/>
+              <a:defRPr sz="1200"/>
             </a:lvl3pPr>
-            <a:lvl4pPr marL="4334805" indent="0">
+            <a:lvl4pPr marL="1371600" indent="0">
               <a:buNone/>
-              <a:defRPr sz="3160"/>
+              <a:defRPr sz="1000"/>
             </a:lvl4pPr>
-            <a:lvl5pPr marL="5779740" indent="0">
+            <a:lvl5pPr marL="1828800" indent="0">
               <a:buNone/>
-              <a:defRPr sz="3160"/>
+              <a:defRPr sz="1000"/>
             </a:lvl5pPr>
-            <a:lvl6pPr marL="7224674" indent="0">
+            <a:lvl6pPr marL="2286000" indent="0">
               <a:buNone/>
-              <a:defRPr sz="3160"/>
+              <a:defRPr sz="1000"/>
             </a:lvl6pPr>
-            <a:lvl7pPr marL="8669609" indent="0">
+            <a:lvl7pPr marL="2743200" indent="0">
               <a:buNone/>
-              <a:defRPr sz="3160"/>
+              <a:defRPr sz="1000"/>
             </a:lvl7pPr>
-            <a:lvl8pPr marL="10114544" indent="0">
+            <a:lvl8pPr marL="3200400" indent="0">
               <a:buNone/>
-              <a:defRPr sz="3160"/>
+              <a:defRPr sz="1000"/>
             </a:lvl8pPr>
-            <a:lvl9pPr marL="11559479" indent="0">
+            <a:lvl9pPr marL="3657600" indent="0">
               <a:buNone/>
-              <a:defRPr sz="3160"/>
+              <a:defRPr sz="1000"/>
             </a:lvl9pPr>
           </a:lstStyle>
           <a:p>
@@ -2098,7 +2097,7 @@
           <a:p>
             <a:fld id="{CCF29353-4D7E-4B5E-B724-88265EDC824A}" type="datetimeFigureOut">
               <a:rPr lang="fr-FR" smtClean="0"/>
-              <a:t>08/04/2023</a:t>
+              <a:t>11/04/2023</a:t>
             </a:fld>
             <a:endParaRPr lang="fr-FR"/>
           </a:p>
@@ -2149,7 +2148,7 @@
     </p:spTree>
     <p:extLst>
       <p:ext uri="{BB962C8B-B14F-4D97-AF65-F5344CB8AC3E}">
-        <p14:creationId xmlns:p14="http://schemas.microsoft.com/office/powerpoint/2010/main" val="2226701981"/>
+        <p14:creationId xmlns:p14="http://schemas.microsoft.com/office/powerpoint/2010/main" val="243889608"/>
       </p:ext>
     </p:extLst>
   </p:cSld>
@@ -2188,15 +2187,15 @@
         </p:nvSpPr>
         <p:spPr>
           <a:xfrm>
-            <a:off x="2654083" y="1444943"/>
-            <a:ext cx="12427507" cy="5057299"/>
+            <a:off x="682328" y="457200"/>
+            <a:ext cx="3194943" cy="1600200"/>
           </a:xfrm>
         </p:spPr>
         <p:txBody>
           <a:bodyPr anchor="b"/>
           <a:lstStyle>
             <a:lvl1pPr>
-              <a:defRPr sz="10113"/>
+              <a:defRPr sz="3200"/>
             </a:lvl1pPr>
           </a:lstStyle>
           <a:p>
@@ -2220,8 +2219,8 @@
         </p:nvSpPr>
         <p:spPr>
           <a:xfrm>
-            <a:off x="16381035" y="3120676"/>
-            <a:ext cx="19506724" cy="15402686"/>
+            <a:off x="4211340" y="987427"/>
+            <a:ext cx="5014913" cy="4873625"/>
           </a:xfrm>
         </p:spPr>
         <p:txBody>
@@ -2229,39 +2228,39 @@
           <a:lstStyle>
             <a:lvl1pPr marL="0" indent="0">
               <a:buNone/>
-              <a:defRPr sz="10113"/>
+              <a:defRPr sz="3200"/>
             </a:lvl1pPr>
-            <a:lvl2pPr marL="1444935" indent="0">
+            <a:lvl2pPr marL="457200" indent="0">
               <a:buNone/>
-              <a:defRPr sz="8849"/>
+              <a:defRPr sz="2800"/>
             </a:lvl2pPr>
-            <a:lvl3pPr marL="2889870" indent="0">
+            <a:lvl3pPr marL="914400" indent="0">
               <a:buNone/>
-              <a:defRPr sz="7585"/>
+              <a:defRPr sz="2400"/>
             </a:lvl3pPr>
-            <a:lvl4pPr marL="4334805" indent="0">
+            <a:lvl4pPr marL="1371600" indent="0">
               <a:buNone/>
-              <a:defRPr sz="6321"/>
+              <a:defRPr sz="2000"/>
             </a:lvl4pPr>
-            <a:lvl5pPr marL="5779740" indent="0">
+            <a:lvl5pPr marL="1828800" indent="0">
               <a:buNone/>
-              <a:defRPr sz="6321"/>
+              <a:defRPr sz="2000"/>
             </a:lvl5pPr>
-            <a:lvl6pPr marL="7224674" indent="0">
+            <a:lvl6pPr marL="2286000" indent="0">
               <a:buNone/>
-              <a:defRPr sz="6321"/>
+              <a:defRPr sz="2000"/>
             </a:lvl6pPr>
-            <a:lvl7pPr marL="8669609" indent="0">
+            <a:lvl7pPr marL="2743200" indent="0">
               <a:buNone/>
-              <a:defRPr sz="6321"/>
+              <a:defRPr sz="2000"/>
             </a:lvl7pPr>
-            <a:lvl8pPr marL="10114544" indent="0">
+            <a:lvl8pPr marL="3200400" indent="0">
               <a:buNone/>
-              <a:defRPr sz="6321"/>
+              <a:defRPr sz="2000"/>
             </a:lvl8pPr>
-            <a:lvl9pPr marL="11559479" indent="0">
+            <a:lvl9pPr marL="3657600" indent="0">
               <a:buNone/>
-              <a:defRPr sz="6321"/>
+              <a:defRPr sz="2000"/>
             </a:lvl9pPr>
           </a:lstStyle>
           <a:p>
@@ -2285,8 +2284,8 @@
         </p:nvSpPr>
         <p:spPr>
           <a:xfrm>
-            <a:off x="2654083" y="6502243"/>
-            <a:ext cx="12427507" cy="12046207"/>
+            <a:off x="682328" y="2057400"/>
+            <a:ext cx="3194943" cy="3811588"/>
           </a:xfrm>
         </p:spPr>
         <p:txBody>
@@ -2294,39 +2293,39 @@
           <a:lstStyle>
             <a:lvl1pPr marL="0" indent="0">
               <a:buNone/>
-              <a:defRPr sz="5057"/>
+              <a:defRPr sz="1600"/>
             </a:lvl1pPr>
-            <a:lvl2pPr marL="1444935" indent="0">
+            <a:lvl2pPr marL="457200" indent="0">
               <a:buNone/>
-              <a:defRPr sz="4425"/>
+              <a:defRPr sz="1400"/>
             </a:lvl2pPr>
-            <a:lvl3pPr marL="2889870" indent="0">
+            <a:lvl3pPr marL="914400" indent="0">
               <a:buNone/>
-              <a:defRPr sz="3792"/>
+              <a:defRPr sz="1200"/>
             </a:lvl3pPr>
-            <a:lvl4pPr marL="4334805" indent="0">
+            <a:lvl4pPr marL="1371600" indent="0">
               <a:buNone/>
-              <a:defRPr sz="3160"/>
+              <a:defRPr sz="1000"/>
             </a:lvl4pPr>
-            <a:lvl5pPr marL="5779740" indent="0">
+            <a:lvl5pPr marL="1828800" indent="0">
               <a:buNone/>
-              <a:defRPr sz="3160"/>
+              <a:defRPr sz="1000"/>
             </a:lvl5pPr>
-            <a:lvl6pPr marL="7224674" indent="0">
+            <a:lvl6pPr marL="2286000" indent="0">
               <a:buNone/>
-              <a:defRPr sz="3160"/>
+              <a:defRPr sz="1000"/>
             </a:lvl6pPr>
-            <a:lvl7pPr marL="8669609" indent="0">
+            <a:lvl7pPr marL="2743200" indent="0">
               <a:buNone/>
-              <a:defRPr sz="3160"/>
+              <a:defRPr sz="1000"/>
             </a:lvl7pPr>
-            <a:lvl8pPr marL="10114544" indent="0">
+            <a:lvl8pPr marL="3200400" indent="0">
               <a:buNone/>
-              <a:defRPr sz="3160"/>
+              <a:defRPr sz="1000"/>
             </a:lvl8pPr>
-            <a:lvl9pPr marL="11559479" indent="0">
+            <a:lvl9pPr marL="3657600" indent="0">
               <a:buNone/>
-              <a:defRPr sz="3160"/>
+              <a:defRPr sz="1000"/>
             </a:lvl9pPr>
           </a:lstStyle>
           <a:p>
@@ -2355,7 +2354,7 @@
           <a:p>
             <a:fld id="{CCF29353-4D7E-4B5E-B724-88265EDC824A}" type="datetimeFigureOut">
               <a:rPr lang="fr-FR" smtClean="0"/>
-              <a:t>08/04/2023</a:t>
+              <a:t>11/04/2023</a:t>
             </a:fld>
             <a:endParaRPr lang="fr-FR"/>
           </a:p>
@@ -2406,7 +2405,7 @@
     </p:spTree>
     <p:extLst>
       <p:ext uri="{BB962C8B-B14F-4D97-AF65-F5344CB8AC3E}">
-        <p14:creationId xmlns:p14="http://schemas.microsoft.com/office/powerpoint/2010/main" val="362288916"/>
+        <p14:creationId xmlns:p14="http://schemas.microsoft.com/office/powerpoint/2010/main" val="601372653"/>
       </p:ext>
     </p:extLst>
   </p:cSld>
@@ -2450,8 +2449,8 @@
         </p:nvSpPr>
         <p:spPr>
           <a:xfrm>
-            <a:off x="2649062" y="1153951"/>
-            <a:ext cx="33233679" cy="4189331"/>
+            <a:off x="681038" y="365127"/>
+            <a:ext cx="8543925" cy="1325563"/>
           </a:xfrm>
           <a:prstGeom prst="rect">
             <a:avLst/>
@@ -2483,8 +2482,8 @@
         </p:nvSpPr>
         <p:spPr>
           <a:xfrm>
-            <a:off x="2649062" y="5769738"/>
-            <a:ext cx="33233679" cy="13752041"/>
+            <a:off x="681038" y="1825625"/>
+            <a:ext cx="8543925" cy="4351338"/>
           </a:xfrm>
           <a:prstGeom prst="rect">
             <a:avLst/>
@@ -2545,8 +2544,8 @@
         </p:nvSpPr>
         <p:spPr>
           <a:xfrm>
-            <a:off x="2649062" y="20088719"/>
-            <a:ext cx="8669655" cy="1153947"/>
+            <a:off x="681038" y="6356352"/>
+            <a:ext cx="2228850" cy="365125"/>
           </a:xfrm>
           <a:prstGeom prst="rect">
             <a:avLst/>
@@ -2556,7 +2555,7 @@
           <a:bodyPr vert="horz" lIns="91440" tIns="45720" rIns="91440" bIns="45720" rtlCol="0" anchor="ctr"/>
           <a:lstStyle>
             <a:lvl1pPr algn="l">
-              <a:defRPr sz="3792">
+              <a:defRPr sz="1200">
                 <a:solidFill>
                   <a:schemeClr val="tx1">
                     <a:tint val="75000"/>
@@ -2568,7 +2567,7 @@
           <a:p>
             <a:fld id="{CCF29353-4D7E-4B5E-B724-88265EDC824A}" type="datetimeFigureOut">
               <a:rPr lang="fr-FR" smtClean="0"/>
-              <a:t>08/04/2023</a:t>
+              <a:t>11/04/2023</a:t>
             </a:fld>
             <a:endParaRPr lang="fr-FR"/>
           </a:p>
@@ -2586,8 +2585,8 @@
         </p:nvSpPr>
         <p:spPr>
           <a:xfrm>
-            <a:off x="12763660" y="20088719"/>
-            <a:ext cx="13004483" cy="1153947"/>
+            <a:off x="3281363" y="6356352"/>
+            <a:ext cx="3343275" cy="365125"/>
           </a:xfrm>
           <a:prstGeom prst="rect">
             <a:avLst/>
@@ -2597,7 +2596,7 @@
           <a:bodyPr vert="horz" lIns="91440" tIns="45720" rIns="91440" bIns="45720" rtlCol="0" anchor="ctr"/>
           <a:lstStyle>
             <a:lvl1pPr algn="ctr">
-              <a:defRPr sz="3792">
+              <a:defRPr sz="1200">
                 <a:solidFill>
                   <a:schemeClr val="tx1">
                     <a:tint val="75000"/>
@@ -2623,8 +2622,8 @@
         </p:nvSpPr>
         <p:spPr>
           <a:xfrm>
-            <a:off x="27213086" y="20088719"/>
-            <a:ext cx="8669655" cy="1153947"/>
+            <a:off x="6996113" y="6356352"/>
+            <a:ext cx="2228850" cy="365125"/>
           </a:xfrm>
           <a:prstGeom prst="rect">
             <a:avLst/>
@@ -2634,7 +2633,7 @@
           <a:bodyPr vert="horz" lIns="91440" tIns="45720" rIns="91440" bIns="45720" rtlCol="0" anchor="ctr"/>
           <a:lstStyle>
             <a:lvl1pPr algn="r">
-              <a:defRPr sz="3792">
+              <a:defRPr sz="1200">
                 <a:solidFill>
                   <a:schemeClr val="tx1">
                     <a:tint val="75000"/>
@@ -2655,27 +2654,27 @@
     </p:spTree>
     <p:extLst>
       <p:ext uri="{BB962C8B-B14F-4D97-AF65-F5344CB8AC3E}">
-        <p14:creationId xmlns:p14="http://schemas.microsoft.com/office/powerpoint/2010/main" val="2387111939"/>
+        <p14:creationId xmlns:p14="http://schemas.microsoft.com/office/powerpoint/2010/main" val="1445641028"/>
       </p:ext>
     </p:extLst>
   </p:cSld>
   <p:clrMap bg1="lt1" tx1="dk1" bg2="lt2" tx2="dk2" accent1="accent1" accent2="accent2" accent3="accent3" accent4="accent4" accent5="accent5" accent6="accent6" hlink="hlink" folHlink="folHlink"/>
   <p:sldLayoutIdLst>
-    <p:sldLayoutId id="2147483769" r:id="rId1"/>
-    <p:sldLayoutId id="2147483770" r:id="rId2"/>
-    <p:sldLayoutId id="2147483771" r:id="rId3"/>
-    <p:sldLayoutId id="2147483772" r:id="rId4"/>
-    <p:sldLayoutId id="2147483773" r:id="rId5"/>
-    <p:sldLayoutId id="2147483774" r:id="rId6"/>
-    <p:sldLayoutId id="2147483775" r:id="rId7"/>
-    <p:sldLayoutId id="2147483776" r:id="rId8"/>
-    <p:sldLayoutId id="2147483777" r:id="rId9"/>
-    <p:sldLayoutId id="2147483778" r:id="rId10"/>
-    <p:sldLayoutId id="2147483779" r:id="rId11"/>
+    <p:sldLayoutId id="2147483781" r:id="rId1"/>
+    <p:sldLayoutId id="2147483782" r:id="rId2"/>
+    <p:sldLayoutId id="2147483783" r:id="rId3"/>
+    <p:sldLayoutId id="2147483784" r:id="rId4"/>
+    <p:sldLayoutId id="2147483785" r:id="rId5"/>
+    <p:sldLayoutId id="2147483786" r:id="rId6"/>
+    <p:sldLayoutId id="2147483787" r:id="rId7"/>
+    <p:sldLayoutId id="2147483788" r:id="rId8"/>
+    <p:sldLayoutId id="2147483789" r:id="rId9"/>
+    <p:sldLayoutId id="2147483790" r:id="rId10"/>
+    <p:sldLayoutId id="2147483791" r:id="rId11"/>
   </p:sldLayoutIdLst>
   <p:txStyles>
     <p:titleStyle>
-      <a:lvl1pPr algn="l" defTabSz="2889870" rtl="0" eaLnBrk="1" latinLnBrk="0" hangingPunct="1">
+      <a:lvl1pPr algn="l" defTabSz="914400" rtl="0" eaLnBrk="1" latinLnBrk="0" hangingPunct="1">
         <a:lnSpc>
           <a:spcPct val="90000"/>
         </a:lnSpc>
@@ -2683,7 +2682,7 @@
           <a:spcPct val="0"/>
         </a:spcBef>
         <a:buNone/>
-        <a:defRPr sz="13906" kern="1200">
+        <a:defRPr sz="4400" kern="1200">
           <a:solidFill>
             <a:schemeClr val="tx1"/>
           </a:solidFill>
@@ -2694,16 +2693,16 @@
       </a:lvl1pPr>
     </p:titleStyle>
     <p:bodyStyle>
-      <a:lvl1pPr marL="722467" indent="-722467" algn="l" defTabSz="2889870" rtl="0" eaLnBrk="1" latinLnBrk="0" hangingPunct="1">
+      <a:lvl1pPr marL="228600" indent="-228600" algn="l" defTabSz="914400" rtl="0" eaLnBrk="1" latinLnBrk="0" hangingPunct="1">
         <a:lnSpc>
           <a:spcPct val="90000"/>
         </a:lnSpc>
         <a:spcBef>
-          <a:spcPts val="3160"/>
+          <a:spcPts val="1000"/>
         </a:spcBef>
         <a:buFont typeface="Arial" panose="020B0604020202020204" pitchFamily="34" charset="0"/>
         <a:buChar char="•"/>
-        <a:defRPr sz="8849" kern="1200">
+        <a:defRPr sz="2800" kern="1200">
           <a:solidFill>
             <a:schemeClr val="tx1"/>
           </a:solidFill>
@@ -2712,16 +2711,16 @@
           <a:cs typeface="+mn-cs"/>
         </a:defRPr>
       </a:lvl1pPr>
-      <a:lvl2pPr marL="2167402" indent="-722467" algn="l" defTabSz="2889870" rtl="0" eaLnBrk="1" latinLnBrk="0" hangingPunct="1">
+      <a:lvl2pPr marL="685800" indent="-228600" algn="l" defTabSz="914400" rtl="0" eaLnBrk="1" latinLnBrk="0" hangingPunct="1">
         <a:lnSpc>
           <a:spcPct val="90000"/>
         </a:lnSpc>
         <a:spcBef>
-          <a:spcPts val="1580"/>
+          <a:spcPts val="500"/>
         </a:spcBef>
         <a:buFont typeface="Arial" panose="020B0604020202020204" pitchFamily="34" charset="0"/>
         <a:buChar char="•"/>
-        <a:defRPr sz="7585" kern="1200">
+        <a:defRPr sz="2400" kern="1200">
           <a:solidFill>
             <a:schemeClr val="tx1"/>
           </a:solidFill>
@@ -2730,16 +2729,16 @@
           <a:cs typeface="+mn-cs"/>
         </a:defRPr>
       </a:lvl2pPr>
-      <a:lvl3pPr marL="3612337" indent="-722467" algn="l" defTabSz="2889870" rtl="0" eaLnBrk="1" latinLnBrk="0" hangingPunct="1">
+      <a:lvl3pPr marL="1143000" indent="-228600" algn="l" defTabSz="914400" rtl="0" eaLnBrk="1" latinLnBrk="0" hangingPunct="1">
         <a:lnSpc>
           <a:spcPct val="90000"/>
         </a:lnSpc>
         <a:spcBef>
-          <a:spcPts val="1580"/>
+          <a:spcPts val="500"/>
         </a:spcBef>
         <a:buFont typeface="Arial" panose="020B0604020202020204" pitchFamily="34" charset="0"/>
         <a:buChar char="•"/>
-        <a:defRPr sz="6321" kern="1200">
+        <a:defRPr sz="2000" kern="1200">
           <a:solidFill>
             <a:schemeClr val="tx1"/>
           </a:solidFill>
@@ -2748,16 +2747,16 @@
           <a:cs typeface="+mn-cs"/>
         </a:defRPr>
       </a:lvl3pPr>
-      <a:lvl4pPr marL="5057272" indent="-722467" algn="l" defTabSz="2889870" rtl="0" eaLnBrk="1" latinLnBrk="0" hangingPunct="1">
+      <a:lvl4pPr marL="1600200" indent="-228600" algn="l" defTabSz="914400" rtl="0" eaLnBrk="1" latinLnBrk="0" hangingPunct="1">
         <a:lnSpc>
           <a:spcPct val="90000"/>
         </a:lnSpc>
         <a:spcBef>
-          <a:spcPts val="1580"/>
+          <a:spcPts val="500"/>
         </a:spcBef>
         <a:buFont typeface="Arial" panose="020B0604020202020204" pitchFamily="34" charset="0"/>
         <a:buChar char="•"/>
-        <a:defRPr sz="5689" kern="1200">
+        <a:defRPr sz="1800" kern="1200">
           <a:solidFill>
             <a:schemeClr val="tx1"/>
           </a:solidFill>
@@ -2766,16 +2765,16 @@
           <a:cs typeface="+mn-cs"/>
         </a:defRPr>
       </a:lvl4pPr>
-      <a:lvl5pPr marL="6502207" indent="-722467" algn="l" defTabSz="2889870" rtl="0" eaLnBrk="1" latinLnBrk="0" hangingPunct="1">
+      <a:lvl5pPr marL="2057400" indent="-228600" algn="l" defTabSz="914400" rtl="0" eaLnBrk="1" latinLnBrk="0" hangingPunct="1">
         <a:lnSpc>
           <a:spcPct val="90000"/>
         </a:lnSpc>
         <a:spcBef>
-          <a:spcPts val="1580"/>
+          <a:spcPts val="500"/>
         </a:spcBef>
         <a:buFont typeface="Arial" panose="020B0604020202020204" pitchFamily="34" charset="0"/>
         <a:buChar char="•"/>
-        <a:defRPr sz="5689" kern="1200">
+        <a:defRPr sz="1800" kern="1200">
           <a:solidFill>
             <a:schemeClr val="tx1"/>
           </a:solidFill>
@@ -2784,16 +2783,16 @@
           <a:cs typeface="+mn-cs"/>
         </a:defRPr>
       </a:lvl5pPr>
-      <a:lvl6pPr marL="7947142" indent="-722467" algn="l" defTabSz="2889870" rtl="0" eaLnBrk="1" latinLnBrk="0" hangingPunct="1">
+      <a:lvl6pPr marL="2514600" indent="-228600" algn="l" defTabSz="914400" rtl="0" eaLnBrk="1" latinLnBrk="0" hangingPunct="1">
         <a:lnSpc>
           <a:spcPct val="90000"/>
         </a:lnSpc>
         <a:spcBef>
-          <a:spcPts val="1580"/>
+          <a:spcPts val="500"/>
         </a:spcBef>
         <a:buFont typeface="Arial" panose="020B0604020202020204" pitchFamily="34" charset="0"/>
         <a:buChar char="•"/>
-        <a:defRPr sz="5689" kern="1200">
+        <a:defRPr sz="1800" kern="1200">
           <a:solidFill>
             <a:schemeClr val="tx1"/>
           </a:solidFill>
@@ -2802,16 +2801,16 @@
           <a:cs typeface="+mn-cs"/>
         </a:defRPr>
       </a:lvl6pPr>
-      <a:lvl7pPr marL="9392077" indent="-722467" algn="l" defTabSz="2889870" rtl="0" eaLnBrk="1" latinLnBrk="0" hangingPunct="1">
+      <a:lvl7pPr marL="2971800" indent="-228600" algn="l" defTabSz="914400" rtl="0" eaLnBrk="1" latinLnBrk="0" hangingPunct="1">
         <a:lnSpc>
           <a:spcPct val="90000"/>
         </a:lnSpc>
         <a:spcBef>
-          <a:spcPts val="1580"/>
+          <a:spcPts val="500"/>
         </a:spcBef>
         <a:buFont typeface="Arial" panose="020B0604020202020204" pitchFamily="34" charset="0"/>
         <a:buChar char="•"/>
-        <a:defRPr sz="5689" kern="1200">
+        <a:defRPr sz="1800" kern="1200">
           <a:solidFill>
             <a:schemeClr val="tx1"/>
           </a:solidFill>
@@ -2820,16 +2819,16 @@
           <a:cs typeface="+mn-cs"/>
         </a:defRPr>
       </a:lvl7pPr>
-      <a:lvl8pPr marL="10837012" indent="-722467" algn="l" defTabSz="2889870" rtl="0" eaLnBrk="1" latinLnBrk="0" hangingPunct="1">
+      <a:lvl8pPr marL="3429000" indent="-228600" algn="l" defTabSz="914400" rtl="0" eaLnBrk="1" latinLnBrk="0" hangingPunct="1">
         <a:lnSpc>
           <a:spcPct val="90000"/>
         </a:lnSpc>
         <a:spcBef>
-          <a:spcPts val="1580"/>
+          <a:spcPts val="500"/>
         </a:spcBef>
         <a:buFont typeface="Arial" panose="020B0604020202020204" pitchFamily="34" charset="0"/>
         <a:buChar char="•"/>
-        <a:defRPr sz="5689" kern="1200">
+        <a:defRPr sz="1800" kern="1200">
           <a:solidFill>
             <a:schemeClr val="tx1"/>
           </a:solidFill>
@@ -2838,16 +2837,16 @@
           <a:cs typeface="+mn-cs"/>
         </a:defRPr>
       </a:lvl8pPr>
-      <a:lvl9pPr marL="12281946" indent="-722467" algn="l" defTabSz="2889870" rtl="0" eaLnBrk="1" latinLnBrk="0" hangingPunct="1">
+      <a:lvl9pPr marL="3886200" indent="-228600" algn="l" defTabSz="914400" rtl="0" eaLnBrk="1" latinLnBrk="0" hangingPunct="1">
         <a:lnSpc>
           <a:spcPct val="90000"/>
         </a:lnSpc>
         <a:spcBef>
-          <a:spcPts val="1580"/>
+          <a:spcPts val="500"/>
         </a:spcBef>
         <a:buFont typeface="Arial" panose="020B0604020202020204" pitchFamily="34" charset="0"/>
         <a:buChar char="•"/>
-        <a:defRPr sz="5689" kern="1200">
+        <a:defRPr sz="1800" kern="1200">
           <a:solidFill>
             <a:schemeClr val="tx1"/>
           </a:solidFill>
@@ -2861,8 +2860,8 @@
       <a:defPPr>
         <a:defRPr lang="en-US"/>
       </a:defPPr>
-      <a:lvl1pPr marL="0" algn="l" defTabSz="2889870" rtl="0" eaLnBrk="1" latinLnBrk="0" hangingPunct="1">
-        <a:defRPr sz="5689" kern="1200">
+      <a:lvl1pPr marL="0" algn="l" defTabSz="914400" rtl="0" eaLnBrk="1" latinLnBrk="0" hangingPunct="1">
+        <a:defRPr sz="1800" kern="1200">
           <a:solidFill>
             <a:schemeClr val="tx1"/>
           </a:solidFill>
@@ -2871,8 +2870,8 @@
           <a:cs typeface="+mn-cs"/>
         </a:defRPr>
       </a:lvl1pPr>
-      <a:lvl2pPr marL="1444935" algn="l" defTabSz="2889870" rtl="0" eaLnBrk="1" latinLnBrk="0" hangingPunct="1">
-        <a:defRPr sz="5689" kern="1200">
+      <a:lvl2pPr marL="457200" algn="l" defTabSz="914400" rtl="0" eaLnBrk="1" latinLnBrk="0" hangingPunct="1">
+        <a:defRPr sz="1800" kern="1200">
           <a:solidFill>
             <a:schemeClr val="tx1"/>
           </a:solidFill>
@@ -2881,8 +2880,8 @@
           <a:cs typeface="+mn-cs"/>
         </a:defRPr>
       </a:lvl2pPr>
-      <a:lvl3pPr marL="2889870" algn="l" defTabSz="2889870" rtl="0" eaLnBrk="1" latinLnBrk="0" hangingPunct="1">
-        <a:defRPr sz="5689" kern="1200">
+      <a:lvl3pPr marL="914400" algn="l" defTabSz="914400" rtl="0" eaLnBrk="1" latinLnBrk="0" hangingPunct="1">
+        <a:defRPr sz="1800" kern="1200">
           <a:solidFill>
             <a:schemeClr val="tx1"/>
           </a:solidFill>
@@ -2891,8 +2890,8 @@
           <a:cs typeface="+mn-cs"/>
         </a:defRPr>
       </a:lvl3pPr>
-      <a:lvl4pPr marL="4334805" algn="l" defTabSz="2889870" rtl="0" eaLnBrk="1" latinLnBrk="0" hangingPunct="1">
-        <a:defRPr sz="5689" kern="1200">
+      <a:lvl4pPr marL="1371600" algn="l" defTabSz="914400" rtl="0" eaLnBrk="1" latinLnBrk="0" hangingPunct="1">
+        <a:defRPr sz="1800" kern="1200">
           <a:solidFill>
             <a:schemeClr val="tx1"/>
           </a:solidFill>
@@ -2901,8 +2900,8 @@
           <a:cs typeface="+mn-cs"/>
         </a:defRPr>
       </a:lvl4pPr>
-      <a:lvl5pPr marL="5779740" algn="l" defTabSz="2889870" rtl="0" eaLnBrk="1" latinLnBrk="0" hangingPunct="1">
-        <a:defRPr sz="5689" kern="1200">
+      <a:lvl5pPr marL="1828800" algn="l" defTabSz="914400" rtl="0" eaLnBrk="1" latinLnBrk="0" hangingPunct="1">
+        <a:defRPr sz="1800" kern="1200">
           <a:solidFill>
             <a:schemeClr val="tx1"/>
           </a:solidFill>
@@ -2911,8 +2910,8 @@
           <a:cs typeface="+mn-cs"/>
         </a:defRPr>
       </a:lvl5pPr>
-      <a:lvl6pPr marL="7224674" algn="l" defTabSz="2889870" rtl="0" eaLnBrk="1" latinLnBrk="0" hangingPunct="1">
-        <a:defRPr sz="5689" kern="1200">
+      <a:lvl6pPr marL="2286000" algn="l" defTabSz="914400" rtl="0" eaLnBrk="1" latinLnBrk="0" hangingPunct="1">
+        <a:defRPr sz="1800" kern="1200">
           <a:solidFill>
             <a:schemeClr val="tx1"/>
           </a:solidFill>
@@ -2921,8 +2920,8 @@
           <a:cs typeface="+mn-cs"/>
         </a:defRPr>
       </a:lvl6pPr>
-      <a:lvl7pPr marL="8669609" algn="l" defTabSz="2889870" rtl="0" eaLnBrk="1" latinLnBrk="0" hangingPunct="1">
-        <a:defRPr sz="5689" kern="1200">
+      <a:lvl7pPr marL="2743200" algn="l" defTabSz="914400" rtl="0" eaLnBrk="1" latinLnBrk="0" hangingPunct="1">
+        <a:defRPr sz="1800" kern="1200">
           <a:solidFill>
             <a:schemeClr val="tx1"/>
           </a:solidFill>
@@ -2931,8 +2930,8 @@
           <a:cs typeface="+mn-cs"/>
         </a:defRPr>
       </a:lvl7pPr>
-      <a:lvl8pPr marL="10114544" algn="l" defTabSz="2889870" rtl="0" eaLnBrk="1" latinLnBrk="0" hangingPunct="1">
-        <a:defRPr sz="5689" kern="1200">
+      <a:lvl8pPr marL="3200400" algn="l" defTabSz="914400" rtl="0" eaLnBrk="1" latinLnBrk="0" hangingPunct="1">
+        <a:defRPr sz="1800" kern="1200">
           <a:solidFill>
             <a:schemeClr val="tx1"/>
           </a:solidFill>
@@ -2941,8 +2940,8 @@
           <a:cs typeface="+mn-cs"/>
         </a:defRPr>
       </a:lvl8pPr>
-      <a:lvl9pPr marL="11559479" algn="l" defTabSz="2889870" rtl="0" eaLnBrk="1" latinLnBrk="0" hangingPunct="1">
-        <a:defRPr sz="5689" kern="1200">
+      <a:lvl9pPr marL="3657600" algn="l" defTabSz="914400" rtl="0" eaLnBrk="1" latinLnBrk="0" hangingPunct="1">
+        <a:defRPr sz="1800" kern="1200">
           <a:solidFill>
             <a:schemeClr val="tx1"/>
           </a:solidFill>
@@ -2987,8 +2986,8 @@
         </p:nvSpPr>
         <p:spPr>
           <a:xfrm>
-            <a:off x="10619389" y="16550285"/>
-            <a:ext cx="320000" cy="320000"/>
+            <a:off x="2730100" y="4897790"/>
+            <a:ext cx="82268" cy="82268"/>
           </a:xfrm>
           <a:prstGeom prst="ellipse">
             <a:avLst/>
@@ -3021,7 +3020,7 @@
           <a:lstStyle/>
           <a:p>
             <a:pPr algn="ctr"/>
-            <a:endParaRPr lang="fr-FR" sz="5400"/>
+            <a:endParaRPr lang="fr-FR" sz="1600"/>
           </a:p>
         </p:txBody>
       </p:sp>
@@ -3039,8 +3038,8 @@
         </p:nvSpPr>
         <p:spPr>
           <a:xfrm>
-            <a:off x="28666447" y="5550065"/>
-            <a:ext cx="320000" cy="320000"/>
+            <a:off x="7369752" y="2069783"/>
+            <a:ext cx="82268" cy="82268"/>
           </a:xfrm>
           <a:prstGeom prst="ellipse">
             <a:avLst/>
@@ -3073,7 +3072,7 @@
           <a:lstStyle/>
           <a:p>
             <a:pPr algn="ctr"/>
-            <a:endParaRPr lang="fr-FR" sz="5400"/>
+            <a:endParaRPr lang="fr-FR" sz="1600"/>
           </a:p>
         </p:txBody>
       </p:sp>
@@ -3091,8 +3090,8 @@
         </p:nvSpPr>
         <p:spPr>
           <a:xfrm>
-            <a:off x="5405504" y="3629398"/>
-            <a:ext cx="320000" cy="320000"/>
+            <a:off x="1389681" y="1576006"/>
+            <a:ext cx="82268" cy="82268"/>
           </a:xfrm>
           <a:prstGeom prst="ellipse">
             <a:avLst/>
@@ -3125,7 +3124,7 @@
           <a:lstStyle/>
           <a:p>
             <a:pPr algn="ctr"/>
-            <a:endParaRPr lang="fr-FR" sz="5400"/>
+            <a:endParaRPr lang="fr-FR" sz="1600"/>
           </a:p>
         </p:txBody>
       </p:sp>
@@ -3143,8 +3142,8 @@
         </p:nvSpPr>
         <p:spPr>
           <a:xfrm>
-            <a:off x="10227307" y="3671630"/>
-            <a:ext cx="320000" cy="320000"/>
+            <a:off x="2629301" y="1586863"/>
+            <a:ext cx="82268" cy="82268"/>
           </a:xfrm>
           <a:prstGeom prst="ellipse">
             <a:avLst/>
@@ -3177,7 +3176,7 @@
           <a:lstStyle/>
           <a:p>
             <a:pPr algn="ctr"/>
-            <a:endParaRPr lang="fr-FR" sz="5400"/>
+            <a:endParaRPr lang="fr-FR" sz="1600"/>
           </a:p>
         </p:txBody>
       </p:sp>
@@ -3195,8 +3194,8 @@
         </p:nvSpPr>
         <p:spPr>
           <a:xfrm>
-            <a:off x="13310684" y="12588422"/>
-            <a:ext cx="320000" cy="320000"/>
+            <a:off x="3516881" y="3879249"/>
+            <a:ext cx="82268" cy="82268"/>
           </a:xfrm>
           <a:prstGeom prst="ellipse">
             <a:avLst/>
@@ -3229,7 +3228,7 @@
           <a:lstStyle/>
           <a:p>
             <a:pPr algn="ctr"/>
-            <a:endParaRPr lang="fr-FR" sz="5400"/>
+            <a:endParaRPr lang="fr-FR" sz="1600"/>
           </a:p>
         </p:txBody>
       </p:sp>
@@ -3247,8 +3246,8 @@
         </p:nvSpPr>
         <p:spPr>
           <a:xfrm>
-            <a:off x="17031505" y="14517745"/>
-            <a:ext cx="320000" cy="320000"/>
+            <a:off x="4378567" y="4375251"/>
+            <a:ext cx="82268" cy="82268"/>
           </a:xfrm>
           <a:prstGeom prst="ellipse">
             <a:avLst/>
@@ -3281,7 +3280,7 @@
           <a:lstStyle/>
           <a:p>
             <a:pPr algn="ctr"/>
-            <a:endParaRPr lang="fr-FR" sz="5400"/>
+            <a:endParaRPr lang="fr-FR" sz="1600"/>
           </a:p>
         </p:txBody>
       </p:sp>
@@ -3299,8 +3298,8 @@
         </p:nvSpPr>
         <p:spPr>
           <a:xfrm>
-            <a:off x="17060049" y="11852921"/>
-            <a:ext cx="320000" cy="320000"/>
+            <a:off x="4385906" y="3690162"/>
+            <a:ext cx="82268" cy="82268"/>
           </a:xfrm>
           <a:prstGeom prst="ellipse">
             <a:avLst/>
@@ -3333,7 +3332,7 @@
           <a:lstStyle/>
           <a:p>
             <a:pPr algn="ctr"/>
-            <a:endParaRPr lang="fr-FR" sz="5400"/>
+            <a:endParaRPr lang="fr-FR" sz="1600"/>
           </a:p>
         </p:txBody>
       </p:sp>
@@ -3351,8 +3350,8 @@
         </p:nvSpPr>
         <p:spPr>
           <a:xfrm>
-            <a:off x="24274761" y="15385705"/>
-            <a:ext cx="320000" cy="320000"/>
+            <a:off x="6240710" y="4598392"/>
+            <a:ext cx="82268" cy="82268"/>
           </a:xfrm>
           <a:prstGeom prst="ellipse">
             <a:avLst/>
@@ -3385,7 +3384,7 @@
           <a:lstStyle/>
           <a:p>
             <a:pPr algn="ctr"/>
-            <a:endParaRPr lang="fr-FR" sz="5400"/>
+            <a:endParaRPr lang="fr-FR" sz="1600"/>
           </a:p>
         </p:txBody>
       </p:sp>
@@ -3403,8 +3402,8 @@
         </p:nvSpPr>
         <p:spPr>
           <a:xfrm>
-            <a:off x="27003853" y="15995318"/>
-            <a:ext cx="320000" cy="320000"/>
+            <a:off x="7011330" y="4755115"/>
+            <a:ext cx="82268" cy="82268"/>
           </a:xfrm>
           <a:prstGeom prst="ellipse">
             <a:avLst/>
@@ -3437,7 +3436,7 @@
           <a:lstStyle/>
           <a:p>
             <a:pPr algn="ctr"/>
-            <a:endParaRPr lang="fr-FR" sz="5400"/>
+            <a:endParaRPr lang="fr-FR" sz="1600"/>
           </a:p>
         </p:txBody>
       </p:sp>
@@ -3455,8 +3454,8 @@
         </p:nvSpPr>
         <p:spPr>
           <a:xfrm>
-            <a:off x="34504848" y="11838929"/>
-            <a:ext cx="320000" cy="320000"/>
+            <a:off x="8982863" y="3712442"/>
+            <a:ext cx="82268" cy="82268"/>
           </a:xfrm>
           <a:prstGeom prst="ellipse">
             <a:avLst/>
@@ -3489,7 +3488,7 @@
           <a:lstStyle/>
           <a:p>
             <a:pPr algn="ctr"/>
-            <a:endParaRPr lang="fr-FR" sz="5400"/>
+            <a:endParaRPr lang="fr-FR" sz="1600"/>
           </a:p>
         </p:txBody>
       </p:sp>
@@ -3507,8 +3506,8 @@
         </p:nvSpPr>
         <p:spPr>
           <a:xfrm>
-            <a:off x="34405126" y="6953373"/>
-            <a:ext cx="320000" cy="320000"/>
+            <a:off x="9000360" y="2473685"/>
+            <a:ext cx="82268" cy="82268"/>
           </a:xfrm>
           <a:prstGeom prst="ellipse">
             <a:avLst/>
@@ -3541,7 +3540,7 @@
           <a:lstStyle/>
           <a:p>
             <a:pPr algn="ctr"/>
-            <a:endParaRPr lang="fr-FR" sz="5400"/>
+            <a:endParaRPr lang="fr-FR" sz="1600"/>
           </a:p>
         </p:txBody>
       </p:sp>
@@ -3559,8 +3558,8 @@
         </p:nvSpPr>
         <p:spPr>
           <a:xfrm>
-            <a:off x="6246644" y="8235794"/>
-            <a:ext cx="320000" cy="320000"/>
+            <a:off x="1605927" y="2760248"/>
+            <a:ext cx="82268" cy="82268"/>
           </a:xfrm>
           <a:prstGeom prst="ellipse">
             <a:avLst/>
@@ -3593,7 +3592,7 @@
           <a:lstStyle/>
           <a:p>
             <a:pPr algn="ctr"/>
-            <a:endParaRPr lang="fr-FR" sz="5400"/>
+            <a:endParaRPr lang="fr-FR" sz="1600"/>
           </a:p>
         </p:txBody>
       </p:sp>
@@ -3611,8 +3610,8 @@
         </p:nvSpPr>
         <p:spPr>
           <a:xfrm>
-            <a:off x="8996462" y="8306930"/>
-            <a:ext cx="320000" cy="320000"/>
+            <a:off x="2312867" y="2778536"/>
+            <a:ext cx="82268" cy="82268"/>
           </a:xfrm>
           <a:prstGeom prst="ellipse">
             <a:avLst/>
@@ -3645,7 +3644,7 @@
           <a:lstStyle/>
           <a:p>
             <a:pPr algn="ctr"/>
-            <a:endParaRPr lang="fr-FR" sz="5400"/>
+            <a:endParaRPr lang="fr-FR" sz="1600"/>
           </a:p>
         </p:txBody>
       </p:sp>
@@ -3663,8 +3662,8 @@
         </p:nvSpPr>
         <p:spPr>
           <a:xfrm>
-            <a:off x="20694226" y="2735132"/>
-            <a:ext cx="320000" cy="320000"/>
+            <a:off x="5397837" y="1346102"/>
+            <a:ext cx="82268" cy="82268"/>
           </a:xfrm>
           <a:prstGeom prst="ellipse">
             <a:avLst/>
@@ -3697,7 +3696,7 @@
           <a:lstStyle/>
           <a:p>
             <a:pPr algn="ctr"/>
-            <a:endParaRPr lang="fr-FR" sz="5400"/>
+            <a:endParaRPr lang="fr-FR" sz="1600"/>
           </a:p>
         </p:txBody>
       </p:sp>
@@ -3715,8 +3714,8 @@
         </p:nvSpPr>
         <p:spPr>
           <a:xfrm>
-            <a:off x="5443681" y="12950959"/>
-            <a:ext cx="320000" cy="320000"/>
+            <a:off x="1399496" y="3972452"/>
+            <a:ext cx="82268" cy="82268"/>
           </a:xfrm>
           <a:prstGeom prst="ellipse">
             <a:avLst/>
@@ -3749,7 +3748,7 @@
           <a:lstStyle/>
           <a:p>
             <a:pPr algn="ctr"/>
-            <a:endParaRPr lang="fr-FR" sz="5400"/>
+            <a:endParaRPr lang="fr-FR" sz="1600"/>
           </a:p>
         </p:txBody>
       </p:sp>
@@ -3767,8 +3766,8 @@
         </p:nvSpPr>
         <p:spPr>
           <a:xfrm>
-            <a:off x="25425008" y="4990435"/>
-            <a:ext cx="320000" cy="320000"/>
+            <a:off x="6536422" y="1925910"/>
+            <a:ext cx="82268" cy="82268"/>
           </a:xfrm>
           <a:prstGeom prst="ellipse">
             <a:avLst/>
@@ -3801,7 +3800,7 @@
           <a:lstStyle/>
           <a:p>
             <a:pPr algn="ctr"/>
-            <a:endParaRPr lang="fr-FR" sz="5400"/>
+            <a:endParaRPr lang="fr-FR" sz="1600"/>
           </a:p>
         </p:txBody>
       </p:sp>
@@ -3819,8 +3818,8 @@
         </p:nvSpPr>
         <p:spPr>
           <a:xfrm>
-            <a:off x="17728037" y="2655132"/>
-            <a:ext cx="320000" cy="320000"/>
+            <a:off x="4557636" y="1325535"/>
+            <a:ext cx="82268" cy="82268"/>
           </a:xfrm>
           <a:prstGeom prst="ellipse">
             <a:avLst/>
@@ -3853,7 +3852,7 @@
           <a:lstStyle/>
           <a:p>
             <a:pPr algn="ctr"/>
-            <a:endParaRPr lang="fr-FR" sz="5400"/>
+            <a:endParaRPr lang="fr-FR" sz="1600"/>
           </a:p>
         </p:txBody>
       </p:sp>
@@ -3871,8 +3870,8 @@
         </p:nvSpPr>
         <p:spPr>
           <a:xfrm>
-            <a:off x="10606588" y="12483838"/>
-            <a:ext cx="320000" cy="320000"/>
+            <a:off x="2726809" y="3852362"/>
+            <a:ext cx="82268" cy="82268"/>
           </a:xfrm>
           <a:prstGeom prst="ellipse">
             <a:avLst/>
@@ -3905,7 +3904,7 @@
           <a:lstStyle/>
           <a:p>
             <a:pPr algn="ctr"/>
-            <a:endParaRPr lang="fr-FR" sz="5400"/>
+            <a:endParaRPr lang="fr-FR" sz="1600"/>
           </a:p>
         </p:txBody>
       </p:sp>
@@ -3923,8 +3922,8 @@
         </p:nvSpPr>
         <p:spPr>
           <a:xfrm>
-            <a:off x="31524682" y="7160596"/>
-            <a:ext cx="320000" cy="320000"/>
+            <a:off x="8104565" y="2483829"/>
+            <a:ext cx="82268" cy="82268"/>
           </a:xfrm>
           <a:prstGeom prst="ellipse">
             <a:avLst/>
@@ -3957,7 +3956,7 @@
           <a:lstStyle/>
           <a:p>
             <a:pPr algn="ctr"/>
-            <a:endParaRPr lang="fr-FR" sz="5400"/>
+            <a:endParaRPr lang="fr-FR" sz="1600"/>
           </a:p>
         </p:txBody>
       </p:sp>
@@ -3976,14 +3975,14 @@
           <p:nvPr>
             <p:extLst>
               <p:ext uri="{D42A27DB-BD31-4B8C-83A1-F6EECF244321}">
-                <p14:modId xmlns:p14="http://schemas.microsoft.com/office/powerpoint/2010/main" val="2633035177"/>
+                <p14:modId xmlns:p14="http://schemas.microsoft.com/office/powerpoint/2010/main" val="2445399151"/>
               </p:ext>
             </p:extLst>
           </p:nvPr>
         </p:nvGraphicFramePr>
         <p:xfrm>
-          <a:off x="6341224" y="7407065"/>
-          <a:ext cx="2955639" cy="3317816"/>
+          <a:off x="1630243" y="2547193"/>
+          <a:ext cx="759854" cy="872152"/>
         </p:xfrm>
         <a:graphic>
           <a:graphicData uri="http://schemas.openxmlformats.org/drawingml/2006/table">
@@ -3992,7 +3991,7 @@
                 <a:tableStyleId>{5C22544A-7EE6-4342-B048-85BDC9FD1C3A}</a:tableStyleId>
               </a:tblPr>
               <a:tblGrid>
-                <a:gridCol w="2955639">
+                <a:gridCol w="759854">
                   <a:extLst>
                     <a:ext uri="{9D8B030D-6E8A-4147-A177-3AD203B41FA5}">
                       <a16:colId xmlns:a16="http://schemas.microsoft.com/office/drawing/2014/main" val="1106292335"/>
@@ -4000,19 +3999,19 @@
                   </a:extLst>
                 </a:gridCol>
               </a:tblGrid>
-              <a:tr h="680724">
-                <a:tc>
-                  <a:txBody>
-                    <a:bodyPr/>
-                    <a:lstStyle/>
-                    <a:p>
-                      <a:r>
-                        <a:rPr lang="fr-FR" sz="3300" dirty="0"/>
+              <a:tr h="175005">
+                <a:tc>
+                  <a:txBody>
+                    <a:bodyPr/>
+                    <a:lstStyle/>
+                    <a:p>
+                      <a:r>
+                        <a:rPr lang="fr-FR" sz="1000" dirty="0"/>
                         <a:t>FACTURE</a:t>
                       </a:r>
                     </a:p>
                   </a:txBody>
-                  <a:tcPr marL="162560" marR="162560" marT="81281" marB="81281"/>
+                  <a:tcPr marL="41792" marR="41792" marT="20896" marB="20896"/>
                 </a:tc>
                 <a:extLst>
                   <a:ext uri="{0D108BD9-81ED-4DB2-BD59-A6C34878D82A}">
@@ -4020,7 +4019,7 @@
                   </a:ext>
                 </a:extLst>
               </a:tr>
-              <a:tr h="659273">
+              <a:tr h="169490">
                 <a:tc>
                   <a:txBody>
                     <a:bodyPr/>
@@ -4028,7 +4027,7 @@
                     <a:p>
                       <a:pPr algn="l" fontAlgn="b"/>
                       <a:r>
-                        <a:rPr lang="fr-FR" sz="3300" b="1" i="0" u="sng" strike="noStrike" dirty="0" err="1">
+                        <a:rPr lang="fr-FR" sz="1000" b="1" i="0" u="sng" strike="noStrike" dirty="0" err="1">
                           <a:solidFill>
                             <a:srgbClr val="000000"/>
                           </a:solidFill>
@@ -4037,7 +4036,7 @@
                         </a:rPr>
                         <a:t>NumFac</a:t>
                       </a:r>
-                      <a:endParaRPr lang="fr-FR" sz="3300" b="1" i="0" u="sng" strike="noStrike" dirty="0">
+                      <a:endParaRPr lang="fr-FR" sz="1000" b="1" i="0" u="sng" strike="noStrike" dirty="0">
                         <a:solidFill>
                           <a:srgbClr val="000000"/>
                         </a:solidFill>
@@ -4046,7 +4045,7 @@
                       </a:endParaRPr>
                     </a:p>
                   </a:txBody>
-                  <a:tcPr marL="13547" marR="13547" marT="13547" marB="0" anchor="b"/>
+                  <a:tcPr marL="3483" marR="3483" marT="3483" marB="0" anchor="b"/>
                 </a:tc>
                 <a:extLst>
                   <a:ext uri="{0D108BD9-81ED-4DB2-BD59-A6C34878D82A}">
@@ -4054,7 +4053,7 @@
                   </a:ext>
                 </a:extLst>
               </a:tr>
-              <a:tr h="659273">
+              <a:tr h="169490">
                 <a:tc>
                   <a:txBody>
                     <a:bodyPr/>
@@ -4062,7 +4061,7 @@
                     <a:p>
                       <a:pPr algn="l" fontAlgn="b"/>
                       <a:r>
-                        <a:rPr lang="fr-FR" sz="3300" b="0" i="0" u="none" strike="noStrike">
+                        <a:rPr lang="fr-FR" sz="1000" b="0" i="0" u="none" strike="noStrike">
                           <a:solidFill>
                             <a:srgbClr val="000000"/>
                           </a:solidFill>
@@ -4073,7 +4072,7 @@
                       </a:r>
                     </a:p>
                   </a:txBody>
-                  <a:tcPr marL="13547" marR="13547" marT="13547" marB="0" anchor="b"/>
+                  <a:tcPr marL="3483" marR="3483" marT="3483" marB="0" anchor="b"/>
                 </a:tc>
                 <a:extLst>
                   <a:ext uri="{0D108BD9-81ED-4DB2-BD59-A6C34878D82A}">
@@ -4081,7 +4080,7 @@
                   </a:ext>
                 </a:extLst>
               </a:tr>
-              <a:tr h="659273">
+              <a:tr h="169490">
                 <a:tc>
                   <a:txBody>
                     <a:bodyPr/>
@@ -4089,7 +4088,7 @@
                     <a:p>
                       <a:pPr algn="l" fontAlgn="b"/>
                       <a:r>
-                        <a:rPr lang="fr-FR" sz="3300" b="0" i="0" u="none" strike="noStrike">
+                        <a:rPr lang="fr-FR" sz="1000" b="0" i="0" u="none" strike="noStrike">
                           <a:solidFill>
                             <a:srgbClr val="000000"/>
                           </a:solidFill>
@@ -4100,7 +4099,7 @@
                       </a:r>
                     </a:p>
                   </a:txBody>
-                  <a:tcPr marL="13547" marR="13547" marT="13547" marB="0" anchor="b"/>
+                  <a:tcPr marL="3483" marR="3483" marT="3483" marB="0" anchor="b"/>
                 </a:tc>
                 <a:extLst>
                   <a:ext uri="{0D108BD9-81ED-4DB2-BD59-A6C34878D82A}">
@@ -4108,7 +4107,7 @@
                   </a:ext>
                 </a:extLst>
               </a:tr>
-              <a:tr h="659273">
+              <a:tr h="169490">
                 <a:tc>
                   <a:txBody>
                     <a:bodyPr/>
@@ -4116,7 +4115,7 @@
                     <a:p>
                       <a:pPr algn="l" fontAlgn="b"/>
                       <a:r>
-                        <a:rPr lang="fr-FR" sz="3300" b="0" i="0" u="none" strike="noStrike" dirty="0" err="1">
+                        <a:rPr lang="fr-FR" sz="1000" b="0" i="0" u="none" strike="noStrike" dirty="0" err="1">
                           <a:solidFill>
                             <a:srgbClr val="000000"/>
                           </a:solidFill>
@@ -4125,7 +4124,7 @@
                         </a:rPr>
                         <a:t>NumRes</a:t>
                       </a:r>
-                      <a:endParaRPr lang="fr-FR" sz="3300" b="0" i="0" u="none" strike="noStrike" dirty="0">
+                      <a:endParaRPr lang="fr-FR" sz="1000" b="0" i="0" u="none" strike="noStrike" dirty="0">
                         <a:solidFill>
                           <a:srgbClr val="000000"/>
                         </a:solidFill>
@@ -4134,7 +4133,7 @@
                       </a:endParaRPr>
                     </a:p>
                   </a:txBody>
-                  <a:tcPr marL="13547" marR="13547" marT="13547" marB="0" anchor="b"/>
+                  <a:tcPr marL="3483" marR="3483" marT="3483" marB="0" anchor="b"/>
                 </a:tc>
                 <a:extLst>
                   <a:ext uri="{0D108BD9-81ED-4DB2-BD59-A6C34878D82A}">
@@ -4161,14 +4160,14 @@
           <p:nvPr>
             <p:extLst>
               <p:ext uri="{D42A27DB-BD31-4B8C-83A1-F6EECF244321}">
-                <p14:modId xmlns:p14="http://schemas.microsoft.com/office/powerpoint/2010/main" val="3237550079"/>
+                <p14:modId xmlns:p14="http://schemas.microsoft.com/office/powerpoint/2010/main" val="1627944695"/>
               </p:ext>
             </p:extLst>
           </p:nvPr>
         </p:nvGraphicFramePr>
         <p:xfrm>
-          <a:off x="10231482" y="2838530"/>
-          <a:ext cx="2077988" cy="3241056"/>
+          <a:off x="2630374" y="1372685"/>
+          <a:ext cx="634651" cy="776768"/>
         </p:xfrm>
         <a:graphic>
           <a:graphicData uri="http://schemas.openxmlformats.org/drawingml/2006/table">
@@ -4177,7 +4176,7 @@
                 <a:tableStyleId>{5C22544A-7EE6-4342-B048-85BDC9FD1C3A}</a:tableStyleId>
               </a:tblPr>
               <a:tblGrid>
-                <a:gridCol w="2077988">
+                <a:gridCol w="634651">
                   <a:extLst>
                     <a:ext uri="{9D8B030D-6E8A-4147-A177-3AD203B41FA5}">
                       <a16:colId xmlns:a16="http://schemas.microsoft.com/office/drawing/2014/main" val="1106292335"/>
@@ -4185,19 +4184,19 @@
                   </a:extLst>
                 </a:gridCol>
               </a:tblGrid>
-              <a:tr h="680724">
-                <a:tc>
-                  <a:txBody>
-                    <a:bodyPr/>
-                    <a:lstStyle/>
-                    <a:p>
-                      <a:r>
-                        <a:rPr lang="fr-FR" sz="3300" dirty="0"/>
+              <a:tr h="190619">
+                <a:tc>
+                  <a:txBody>
+                    <a:bodyPr/>
+                    <a:lstStyle/>
+                    <a:p>
+                      <a:r>
+                        <a:rPr lang="fr-FR" sz="900" dirty="0"/>
                         <a:t>Chèque</a:t>
                       </a:r>
                     </a:p>
                   </a:txBody>
-                  <a:tcPr marL="162560" marR="162560" marT="81281" marB="81281"/>
+                  <a:tcPr marL="41792" marR="41792" marT="20896" marB="20896"/>
                 </a:tc>
                 <a:extLst>
                   <a:ext uri="{0D108BD9-81ED-4DB2-BD59-A6C34878D82A}">
@@ -4205,20 +4204,20 @@
                   </a:ext>
                 </a:extLst>
               </a:tr>
-              <a:tr h="680724">
-                <a:tc>
-                  <a:txBody>
-                    <a:bodyPr/>
-                    <a:lstStyle/>
-                    <a:p>
-                      <a:r>
-                        <a:rPr lang="fr-FR" sz="3300" b="1" u="sng" dirty="0" err="1"/>
+              <a:tr h="190619">
+                <a:tc>
+                  <a:txBody>
+                    <a:bodyPr/>
+                    <a:lstStyle/>
+                    <a:p>
+                      <a:r>
+                        <a:rPr lang="fr-FR" sz="900" b="1" u="sng" dirty="0" err="1"/>
                         <a:t>NumCh</a:t>
                       </a:r>
-                      <a:endParaRPr lang="fr-FR" sz="3300" b="1" u="sng" dirty="0"/>
-                    </a:p>
-                  </a:txBody>
-                  <a:tcPr marL="162560" marR="162560" marT="81281" marB="81281"/>
+                      <a:endParaRPr lang="fr-FR" sz="900" b="1" u="sng" dirty="0"/>
+                    </a:p>
+                  </a:txBody>
+                  <a:tcPr marL="41792" marR="41792" marT="20896" marB="20896"/>
                 </a:tc>
                 <a:extLst>
                   <a:ext uri="{0D108BD9-81ED-4DB2-BD59-A6C34878D82A}">
@@ -4226,20 +4225,20 @@
                   </a:ext>
                 </a:extLst>
               </a:tr>
-              <a:tr h="1198884">
-                <a:tc>
-                  <a:txBody>
-                    <a:bodyPr/>
-                    <a:lstStyle/>
-                    <a:p>
-                      <a:r>
-                        <a:rPr lang="fr-FR" sz="3300" dirty="0" err="1"/>
+              <a:tr h="204911">
+                <a:tc>
+                  <a:txBody>
+                    <a:bodyPr/>
+                    <a:lstStyle/>
+                    <a:p>
+                      <a:r>
+                        <a:rPr lang="fr-FR" sz="900" dirty="0" err="1"/>
                         <a:t>BanqueCh</a:t>
                       </a:r>
-                      <a:endParaRPr lang="fr-FR" sz="3300" dirty="0"/>
-                    </a:p>
-                  </a:txBody>
-                  <a:tcPr marL="162560" marR="162560" marT="81281" marB="81281"/>
+                      <a:endParaRPr lang="fr-FR" sz="900" dirty="0"/>
+                    </a:p>
+                  </a:txBody>
+                  <a:tcPr marL="41792" marR="41792" marT="20896" marB="20896"/>
                 </a:tc>
                 <a:extLst>
                   <a:ext uri="{0D108BD9-81ED-4DB2-BD59-A6C34878D82A}">
@@ -4247,20 +4246,20 @@
                   </a:ext>
                 </a:extLst>
               </a:tr>
-              <a:tr h="680724">
-                <a:tc>
-                  <a:txBody>
-                    <a:bodyPr/>
-                    <a:lstStyle/>
-                    <a:p>
-                      <a:r>
-                        <a:rPr lang="fr-FR" sz="3300" dirty="0" err="1"/>
+              <a:tr h="190619">
+                <a:tc>
+                  <a:txBody>
+                    <a:bodyPr/>
+                    <a:lstStyle/>
+                    <a:p>
+                      <a:r>
+                        <a:rPr lang="fr-FR" sz="900" dirty="0" err="1"/>
                         <a:t>NumFac</a:t>
                       </a:r>
-                      <a:endParaRPr lang="fr-FR" sz="3300" dirty="0"/>
-                    </a:p>
-                  </a:txBody>
-                  <a:tcPr marL="162560" marR="162560" marT="81281" marB="81281"/>
+                      <a:endParaRPr lang="fr-FR" sz="900" dirty="0"/>
+                    </a:p>
+                  </a:txBody>
+                  <a:tcPr marL="41792" marR="41792" marT="20896" marB="20896"/>
                 </a:tc>
                 <a:extLst>
                   <a:ext uri="{0D108BD9-81ED-4DB2-BD59-A6C34878D82A}">
@@ -4287,14 +4286,14 @@
           <p:nvPr>
             <p:extLst>
               <p:ext uri="{D42A27DB-BD31-4B8C-83A1-F6EECF244321}">
-                <p14:modId xmlns:p14="http://schemas.microsoft.com/office/powerpoint/2010/main" val="1191148653"/>
+                <p14:modId xmlns:p14="http://schemas.microsoft.com/office/powerpoint/2010/main" val="698055483"/>
               </p:ext>
             </p:extLst>
           </p:nvPr>
         </p:nvGraphicFramePr>
         <p:xfrm>
-          <a:off x="3530929" y="2838526"/>
-          <a:ext cx="2038464" cy="2722896"/>
+          <a:off x="715954" y="1372684"/>
+          <a:ext cx="715862" cy="776768"/>
         </p:xfrm>
         <a:graphic>
           <a:graphicData uri="http://schemas.openxmlformats.org/drawingml/2006/table">
@@ -4303,7 +4302,7 @@
                 <a:tableStyleId>{5C22544A-7EE6-4342-B048-85BDC9FD1C3A}</a:tableStyleId>
               </a:tblPr>
               <a:tblGrid>
-                <a:gridCol w="2038464">
+                <a:gridCol w="715862">
                   <a:extLst>
                     <a:ext uri="{9D8B030D-6E8A-4147-A177-3AD203B41FA5}">
                       <a16:colId xmlns:a16="http://schemas.microsoft.com/office/drawing/2014/main" val="1106292335"/>
@@ -4311,19 +4310,19 @@
                   </a:extLst>
                 </a:gridCol>
               </a:tblGrid>
-              <a:tr h="680724">
-                <a:tc>
-                  <a:txBody>
-                    <a:bodyPr/>
-                    <a:lstStyle/>
-                    <a:p>
-                      <a:r>
-                        <a:rPr lang="fr-FR" sz="3300" dirty="0"/>
+              <a:tr h="175005">
+                <a:tc>
+                  <a:txBody>
+                    <a:bodyPr/>
+                    <a:lstStyle/>
+                    <a:p>
+                      <a:r>
+                        <a:rPr lang="fr-FR" sz="1000" dirty="0"/>
                         <a:t>Carte</a:t>
                       </a:r>
                     </a:p>
                   </a:txBody>
-                  <a:tcPr marL="162560" marR="162560" marT="81281" marB="81281"/>
+                  <a:tcPr marL="41792" marR="41792" marT="20896" marB="20896"/>
                 </a:tc>
                 <a:extLst>
                   <a:ext uri="{0D108BD9-81ED-4DB2-BD59-A6C34878D82A}">
@@ -4331,20 +4330,20 @@
                   </a:ext>
                 </a:extLst>
               </a:tr>
-              <a:tr h="680724">
-                <a:tc>
-                  <a:txBody>
-                    <a:bodyPr/>
-                    <a:lstStyle/>
-                    <a:p>
-                      <a:r>
-                        <a:rPr lang="fr-FR" sz="3300" b="1" u="sng" dirty="0" err="1"/>
+              <a:tr h="175005">
+                <a:tc>
+                  <a:txBody>
+                    <a:bodyPr/>
+                    <a:lstStyle/>
+                    <a:p>
+                      <a:r>
+                        <a:rPr lang="fr-FR" sz="1000" b="1" u="sng" dirty="0" err="1"/>
                         <a:t>NumC</a:t>
                       </a:r>
-                      <a:endParaRPr lang="fr-FR" sz="3300" b="1" u="sng" dirty="0"/>
-                    </a:p>
-                  </a:txBody>
-                  <a:tcPr marL="162560" marR="162560" marT="81281" marB="81281"/>
+                      <a:endParaRPr lang="fr-FR" sz="1000" b="1" u="sng" dirty="0"/>
+                    </a:p>
+                  </a:txBody>
+                  <a:tcPr marL="41792" marR="41792" marT="20896" marB="20896"/>
                 </a:tc>
                 <a:extLst>
                   <a:ext uri="{0D108BD9-81ED-4DB2-BD59-A6C34878D82A}">
@@ -4352,20 +4351,20 @@
                   </a:ext>
                 </a:extLst>
               </a:tr>
-              <a:tr h="680724">
-                <a:tc>
-                  <a:txBody>
-                    <a:bodyPr/>
-                    <a:lstStyle/>
-                    <a:p>
-                      <a:r>
-                        <a:rPr lang="fr-FR" sz="3300" dirty="0" err="1"/>
+              <a:tr h="175005">
+                <a:tc>
+                  <a:txBody>
+                    <a:bodyPr/>
+                    <a:lstStyle/>
+                    <a:p>
+                      <a:r>
+                        <a:rPr lang="fr-FR" sz="1000" dirty="0" err="1"/>
                         <a:t>DateFinC</a:t>
                       </a:r>
-                      <a:endParaRPr lang="fr-FR" sz="3300" dirty="0"/>
-                    </a:p>
-                  </a:txBody>
-                  <a:tcPr marL="162560" marR="162560" marT="81281" marB="81281"/>
+                      <a:endParaRPr lang="fr-FR" sz="1000" dirty="0"/>
+                    </a:p>
+                  </a:txBody>
+                  <a:tcPr marL="41792" marR="41792" marT="20896" marB="20896"/>
                 </a:tc>
                 <a:extLst>
                   <a:ext uri="{0D108BD9-81ED-4DB2-BD59-A6C34878D82A}">
@@ -4373,20 +4372,20 @@
                   </a:ext>
                 </a:extLst>
               </a:tr>
-              <a:tr h="680724">
-                <a:tc>
-                  <a:txBody>
-                    <a:bodyPr/>
-                    <a:lstStyle/>
-                    <a:p>
-                      <a:r>
-                        <a:rPr lang="fr-FR" sz="3300" dirty="0" err="1"/>
+              <a:tr h="175005">
+                <a:tc>
+                  <a:txBody>
+                    <a:bodyPr/>
+                    <a:lstStyle/>
+                    <a:p>
+                      <a:r>
+                        <a:rPr lang="fr-FR" sz="1000" dirty="0" err="1"/>
                         <a:t>NumFac</a:t>
                       </a:r>
-                      <a:endParaRPr lang="fr-FR" sz="3300" dirty="0"/>
-                    </a:p>
-                  </a:txBody>
-                  <a:tcPr marL="162560" marR="162560" marT="81281" marB="81281"/>
+                      <a:endParaRPr lang="fr-FR" sz="1000" dirty="0"/>
+                    </a:p>
+                  </a:txBody>
+                  <a:tcPr marL="41792" marR="41792" marT="20896" marB="20896"/>
                 </a:tc>
                 <a:extLst>
                   <a:ext uri="{0D108BD9-81ED-4DB2-BD59-A6C34878D82A}">
@@ -4413,14 +4412,14 @@
           <p:nvPr>
             <p:extLst>
               <p:ext uri="{D42A27DB-BD31-4B8C-83A1-F6EECF244321}">
-                <p14:modId xmlns:p14="http://schemas.microsoft.com/office/powerpoint/2010/main" val="966545301"/>
+                <p14:modId xmlns:p14="http://schemas.microsoft.com/office/powerpoint/2010/main" val="1257130464"/>
               </p:ext>
             </p:extLst>
           </p:nvPr>
         </p:nvGraphicFramePr>
         <p:xfrm>
-          <a:off x="2731091" y="12139361"/>
-          <a:ext cx="2955639" cy="6614181"/>
+          <a:off x="702127" y="3763801"/>
+          <a:ext cx="759854" cy="1719602"/>
         </p:xfrm>
         <a:graphic>
           <a:graphicData uri="http://schemas.openxmlformats.org/drawingml/2006/table">
@@ -4429,7 +4428,7 @@
                 <a:tableStyleId>{5C22544A-7EE6-4342-B048-85BDC9FD1C3A}</a:tableStyleId>
               </a:tblPr>
               <a:tblGrid>
-                <a:gridCol w="2955639">
+                <a:gridCol w="759854">
                   <a:extLst>
                     <a:ext uri="{9D8B030D-6E8A-4147-A177-3AD203B41FA5}">
                       <a16:colId xmlns:a16="http://schemas.microsoft.com/office/drawing/2014/main" val="1106292335"/>
@@ -4437,19 +4436,19 @@
                   </a:extLst>
                 </a:gridCol>
               </a:tblGrid>
-              <a:tr h="680724">
-                <a:tc>
-                  <a:txBody>
-                    <a:bodyPr/>
-                    <a:lstStyle/>
-                    <a:p>
-                      <a:r>
-                        <a:rPr lang="fr-FR" sz="3300" dirty="0"/>
+              <a:tr h="175005">
+                <a:tc>
+                  <a:txBody>
+                    <a:bodyPr/>
+                    <a:lstStyle/>
+                    <a:p>
+                      <a:r>
+                        <a:rPr lang="fr-FR" sz="1000" dirty="0"/>
                         <a:t>CLIENT</a:t>
                       </a:r>
                     </a:p>
                   </a:txBody>
-                  <a:tcPr marL="162560" marR="162560" marT="81281" marB="81281"/>
+                  <a:tcPr marL="41792" marR="41792" marT="20896" marB="20896"/>
                 </a:tc>
                 <a:extLst>
                   <a:ext uri="{0D108BD9-81ED-4DB2-BD59-A6C34878D82A}">
@@ -4457,7 +4456,7 @@
                   </a:ext>
                 </a:extLst>
               </a:tr>
-              <a:tr h="659273">
+              <a:tr h="169490">
                 <a:tc>
                   <a:txBody>
                     <a:bodyPr/>
@@ -4465,7 +4464,7 @@
                     <a:p>
                       <a:pPr algn="l" fontAlgn="b"/>
                       <a:r>
-                        <a:rPr lang="fr-FR" sz="3300" b="1" i="0" u="sng" strike="noStrike" dirty="0" err="1">
+                        <a:rPr lang="fr-FR" sz="1000" b="1" i="0" u="sng" strike="noStrike" dirty="0" err="1">
                           <a:solidFill>
                             <a:srgbClr val="000000"/>
                           </a:solidFill>
@@ -4474,7 +4473,7 @@
                         </a:rPr>
                         <a:t>NumCli</a:t>
                       </a:r>
-                      <a:endParaRPr lang="fr-FR" sz="3300" b="1" i="0" u="sng" strike="noStrike" dirty="0">
+                      <a:endParaRPr lang="fr-FR" sz="1000" b="1" i="0" u="sng" strike="noStrike" dirty="0">
                         <a:solidFill>
                           <a:srgbClr val="000000"/>
                         </a:solidFill>
@@ -4483,7 +4482,7 @@
                       </a:endParaRPr>
                     </a:p>
                   </a:txBody>
-                  <a:tcPr marL="13547" marR="13547" marT="13547" marB="0" anchor="b"/>
+                  <a:tcPr marL="3483" marR="3483" marT="3483" marB="0" anchor="b"/>
                 </a:tc>
                 <a:extLst>
                   <a:ext uri="{0D108BD9-81ED-4DB2-BD59-A6C34878D82A}">
@@ -4491,7 +4490,7 @@
                   </a:ext>
                 </a:extLst>
               </a:tr>
-              <a:tr h="659273">
+              <a:tr h="169490">
                 <a:tc>
                   <a:txBody>
                     <a:bodyPr/>
@@ -4499,7 +4498,7 @@
                     <a:p>
                       <a:pPr algn="l" fontAlgn="b"/>
                       <a:r>
-                        <a:rPr lang="fr-FR" sz="3300" b="0" i="0" u="none" strike="noStrike">
+                        <a:rPr lang="fr-FR" sz="1000" b="0" i="0" u="none" strike="noStrike">
                           <a:solidFill>
                             <a:srgbClr val="000000"/>
                           </a:solidFill>
@@ -4510,7 +4509,7 @@
                       </a:r>
                     </a:p>
                   </a:txBody>
-                  <a:tcPr marL="13547" marR="13547" marT="13547" marB="0" anchor="b"/>
+                  <a:tcPr marL="3483" marR="3483" marT="3483" marB="0" anchor="b"/>
                 </a:tc>
                 <a:extLst>
                   <a:ext uri="{0D108BD9-81ED-4DB2-BD59-A6C34878D82A}">
@@ -4518,7 +4517,7 @@
                   </a:ext>
                 </a:extLst>
               </a:tr>
-              <a:tr h="659273">
+              <a:tr h="169490">
                 <a:tc>
                   <a:txBody>
                     <a:bodyPr/>
@@ -4526,7 +4525,7 @@
                     <a:p>
                       <a:pPr algn="l" fontAlgn="b"/>
                       <a:r>
-                        <a:rPr lang="fr-FR" sz="3300" b="0" i="0" u="none" strike="noStrike">
+                        <a:rPr lang="fr-FR" sz="1000" b="0" i="0" u="none" strike="noStrike">
                           <a:solidFill>
                             <a:srgbClr val="000000"/>
                           </a:solidFill>
@@ -4537,7 +4536,7 @@
                       </a:r>
                     </a:p>
                   </a:txBody>
-                  <a:tcPr marL="13547" marR="13547" marT="13547" marB="0" anchor="b"/>
+                  <a:tcPr marL="3483" marR="3483" marT="3483" marB="0" anchor="b"/>
                 </a:tc>
                 <a:extLst>
                   <a:ext uri="{0D108BD9-81ED-4DB2-BD59-A6C34878D82A}">
@@ -4545,7 +4544,7 @@
                   </a:ext>
                 </a:extLst>
               </a:tr>
-              <a:tr h="659273">
+              <a:tr h="169490">
                 <a:tc>
                   <a:txBody>
                     <a:bodyPr/>
@@ -4553,7 +4552,7 @@
                     <a:p>
                       <a:pPr algn="l" fontAlgn="b"/>
                       <a:r>
-                        <a:rPr lang="fr-FR" sz="3300" b="0" i="0" u="none" strike="noStrike">
+                        <a:rPr lang="fr-FR" sz="1000" b="0" i="0" u="none" strike="noStrike">
                           <a:solidFill>
                             <a:srgbClr val="000000"/>
                           </a:solidFill>
@@ -4564,7 +4563,7 @@
                       </a:r>
                     </a:p>
                   </a:txBody>
-                  <a:tcPr marL="13547" marR="13547" marT="13547" marB="0" anchor="b"/>
+                  <a:tcPr marL="3483" marR="3483" marT="3483" marB="0" anchor="b"/>
                 </a:tc>
                 <a:extLst>
                   <a:ext uri="{0D108BD9-81ED-4DB2-BD59-A6C34878D82A}">
@@ -4572,7 +4571,7 @@
                   </a:ext>
                 </a:extLst>
               </a:tr>
-              <a:tr h="659273">
+              <a:tr h="169490">
                 <a:tc>
                   <a:txBody>
                     <a:bodyPr/>
@@ -4580,7 +4579,7 @@
                     <a:p>
                       <a:pPr algn="l" fontAlgn="b"/>
                       <a:r>
-                        <a:rPr lang="fr-FR" sz="3300" b="0" i="0" u="none" strike="noStrike">
+                        <a:rPr lang="fr-FR" sz="1000" b="0" i="0" u="none" strike="noStrike">
                           <a:solidFill>
                             <a:srgbClr val="000000"/>
                           </a:solidFill>
@@ -4591,7 +4590,7 @@
                       </a:r>
                     </a:p>
                   </a:txBody>
-                  <a:tcPr marL="13547" marR="13547" marT="13547" marB="0" anchor="b"/>
+                  <a:tcPr marL="3483" marR="3483" marT="3483" marB="0" anchor="b"/>
                 </a:tc>
                 <a:extLst>
                   <a:ext uri="{0D108BD9-81ED-4DB2-BD59-A6C34878D82A}">
@@ -4599,7 +4598,7 @@
                   </a:ext>
                 </a:extLst>
               </a:tr>
-              <a:tr h="659273">
+              <a:tr h="169490">
                 <a:tc>
                   <a:txBody>
                     <a:bodyPr/>
@@ -4607,7 +4606,7 @@
                     <a:p>
                       <a:pPr algn="l" fontAlgn="b"/>
                       <a:r>
-                        <a:rPr lang="fr-FR" sz="3300" b="0" i="0" u="none" strike="noStrike">
+                        <a:rPr lang="fr-FR" sz="1000" b="0" i="0" u="none" strike="noStrike">
                           <a:solidFill>
                             <a:srgbClr val="000000"/>
                           </a:solidFill>
@@ -4618,7 +4617,7 @@
                       </a:r>
                     </a:p>
                   </a:txBody>
-                  <a:tcPr marL="13547" marR="13547" marT="13547" marB="0" anchor="b"/>
+                  <a:tcPr marL="3483" marR="3483" marT="3483" marB="0" anchor="b"/>
                 </a:tc>
                 <a:extLst>
                   <a:ext uri="{0D108BD9-81ED-4DB2-BD59-A6C34878D82A}">
@@ -4626,7 +4625,7 @@
                   </a:ext>
                 </a:extLst>
               </a:tr>
-              <a:tr h="659273">
+              <a:tr h="169490">
                 <a:tc>
                   <a:txBody>
                     <a:bodyPr/>
@@ -4634,7 +4633,7 @@
                     <a:p>
                       <a:pPr algn="l" fontAlgn="b"/>
                       <a:r>
-                        <a:rPr lang="fr-FR" sz="3300" b="0" i="0" u="none" strike="noStrike">
+                        <a:rPr lang="fr-FR" sz="1000" b="0" i="0" u="none" strike="noStrike">
                           <a:solidFill>
                             <a:srgbClr val="000000"/>
                           </a:solidFill>
@@ -4645,7 +4644,7 @@
                       </a:r>
                     </a:p>
                   </a:txBody>
-                  <a:tcPr marL="13547" marR="13547" marT="13547" marB="0" anchor="b"/>
+                  <a:tcPr marL="3483" marR="3483" marT="3483" marB="0" anchor="b"/>
                 </a:tc>
                 <a:extLst>
                   <a:ext uri="{0D108BD9-81ED-4DB2-BD59-A6C34878D82A}">
@@ -4653,7 +4652,7 @@
                   </a:ext>
                 </a:extLst>
               </a:tr>
-              <a:tr h="659273">
+              <a:tr h="169490">
                 <a:tc>
                   <a:txBody>
                     <a:bodyPr/>
@@ -4661,7 +4660,7 @@
                     <a:p>
                       <a:pPr algn="l" fontAlgn="b"/>
                       <a:r>
-                        <a:rPr lang="fr-FR" sz="3300" b="0" i="0" u="none" strike="noStrike" dirty="0" err="1">
+                        <a:rPr lang="fr-FR" sz="1000" b="0" i="0" u="none" strike="noStrike" dirty="0" err="1">
                           <a:solidFill>
                             <a:srgbClr val="000000"/>
                           </a:solidFill>
@@ -4670,7 +4669,7 @@
                         </a:rPr>
                         <a:t>CPCli</a:t>
                       </a:r>
-                      <a:endParaRPr lang="fr-FR" sz="3300" b="0" i="0" u="none" strike="noStrike" dirty="0">
+                      <a:endParaRPr lang="fr-FR" sz="1000" b="0" i="0" u="none" strike="noStrike" dirty="0">
                         <a:solidFill>
                           <a:srgbClr val="000000"/>
                         </a:solidFill>
@@ -4679,7 +4678,7 @@
                       </a:endParaRPr>
                     </a:p>
                   </a:txBody>
-                  <a:tcPr marL="13547" marR="13547" marT="13547" marB="0" anchor="b"/>
+                  <a:tcPr marL="3483" marR="3483" marT="3483" marB="0" anchor="b"/>
                 </a:tc>
                 <a:extLst>
                   <a:ext uri="{0D108BD9-81ED-4DB2-BD59-A6C34878D82A}">
@@ -4687,7 +4686,7 @@
                   </a:ext>
                 </a:extLst>
               </a:tr>
-              <a:tr h="659273">
+              <a:tr h="169490">
                 <a:tc>
                   <a:txBody>
                     <a:bodyPr/>
@@ -4695,7 +4694,7 @@
                     <a:p>
                       <a:pPr algn="l" fontAlgn="b"/>
                       <a:r>
-                        <a:rPr lang="fr-FR" sz="3300" b="0" i="0" u="none" strike="noStrike" dirty="0" err="1">
+                        <a:rPr lang="fr-FR" sz="1000" b="0" i="0" u="none" strike="noStrike" dirty="0" err="1">
                           <a:solidFill>
                             <a:srgbClr val="000000"/>
                           </a:solidFill>
@@ -4704,7 +4703,7 @@
                         </a:rPr>
                         <a:t>PaysCli</a:t>
                       </a:r>
-                      <a:endParaRPr lang="fr-FR" sz="3300" b="0" i="0" u="none" strike="noStrike" dirty="0">
+                      <a:endParaRPr lang="fr-FR" sz="1000" b="0" i="0" u="none" strike="noStrike" dirty="0">
                         <a:solidFill>
                           <a:srgbClr val="000000"/>
                         </a:solidFill>
@@ -4713,7 +4712,7 @@
                       </a:endParaRPr>
                     </a:p>
                   </a:txBody>
-                  <a:tcPr marL="13547" marR="13547" marT="13547" marB="0" anchor="b"/>
+                  <a:tcPr marL="3483" marR="3483" marT="3483" marB="0" anchor="b"/>
                 </a:tc>
                 <a:extLst>
                   <a:ext uri="{0D108BD9-81ED-4DB2-BD59-A6C34878D82A}">
@@ -4740,14 +4739,14 @@
           <p:nvPr>
             <p:extLst>
               <p:ext uri="{D42A27DB-BD31-4B8C-83A1-F6EECF244321}">
-                <p14:modId xmlns:p14="http://schemas.microsoft.com/office/powerpoint/2010/main" val="1859607819"/>
+                <p14:modId xmlns:p14="http://schemas.microsoft.com/office/powerpoint/2010/main" val="2190598971"/>
               </p:ext>
             </p:extLst>
           </p:nvPr>
         </p:nvGraphicFramePr>
         <p:xfrm>
-          <a:off x="10665406" y="11682889"/>
-          <a:ext cx="2955639" cy="5292248"/>
+          <a:off x="2741931" y="3646449"/>
+          <a:ext cx="887978" cy="1380622"/>
         </p:xfrm>
         <a:graphic>
           <a:graphicData uri="http://schemas.openxmlformats.org/drawingml/2006/table">
@@ -4756,7 +4755,7 @@
                 <a:tableStyleId>{5C22544A-7EE6-4342-B048-85BDC9FD1C3A}</a:tableStyleId>
               </a:tblPr>
               <a:tblGrid>
-                <a:gridCol w="2955639">
+                <a:gridCol w="887978">
                   <a:extLst>
                     <a:ext uri="{9D8B030D-6E8A-4147-A177-3AD203B41FA5}">
                       <a16:colId xmlns:a16="http://schemas.microsoft.com/office/drawing/2014/main" val="1106292335"/>
@@ -4764,19 +4763,19 @@
                   </a:extLst>
                 </a:gridCol>
               </a:tblGrid>
-              <a:tr h="677337">
-                <a:tc>
-                  <a:txBody>
-                    <a:bodyPr/>
-                    <a:lstStyle/>
-                    <a:p>
-                      <a:r>
-                        <a:rPr lang="fr-FR" sz="3300" dirty="0"/>
+              <a:tr h="174134">
+                <a:tc>
+                  <a:txBody>
+                    <a:bodyPr/>
+                    <a:lstStyle/>
+                    <a:p>
+                      <a:r>
+                        <a:rPr lang="fr-FR" sz="1000" dirty="0"/>
                         <a:t>RESERVATION</a:t>
                       </a:r>
                     </a:p>
                   </a:txBody>
-                  <a:tcPr marL="162560" marR="162560" marT="81281" marB="81281"/>
+                  <a:tcPr marL="41792" marR="41792" marT="20896" marB="20896"/>
                 </a:tc>
                 <a:extLst>
                   <a:ext uri="{0D108BD9-81ED-4DB2-BD59-A6C34878D82A}">
@@ -4784,7 +4783,7 @@
                   </a:ext>
                 </a:extLst>
               </a:tr>
-              <a:tr h="659273">
+              <a:tr h="169490">
                 <a:tc>
                   <a:txBody>
                     <a:bodyPr/>
@@ -4792,7 +4791,7 @@
                     <a:p>
                       <a:pPr algn="l" fontAlgn="b"/>
                       <a:r>
-                        <a:rPr lang="fr-FR" sz="3300" b="1" i="0" u="sng" strike="noStrike" dirty="0" err="1">
+                        <a:rPr lang="fr-FR" sz="1000" b="1" i="0" u="sng" strike="noStrike" dirty="0" err="1">
                           <a:solidFill>
                             <a:srgbClr val="000000"/>
                           </a:solidFill>
@@ -4801,7 +4800,7 @@
                         </a:rPr>
                         <a:t>NumRes</a:t>
                       </a:r>
-                      <a:endParaRPr lang="fr-FR" sz="3300" b="1" i="0" u="sng" strike="noStrike" dirty="0">
+                      <a:endParaRPr lang="fr-FR" sz="1000" b="1" i="0" u="sng" strike="noStrike" dirty="0">
                         <a:solidFill>
                           <a:srgbClr val="000000"/>
                         </a:solidFill>
@@ -4810,7 +4809,7 @@
                       </a:endParaRPr>
                     </a:p>
                   </a:txBody>
-                  <a:tcPr marL="13547" marR="13547" marT="13547" marB="0" anchor="b"/>
+                  <a:tcPr marL="3483" marR="3483" marT="3483" marB="0" anchor="b"/>
                 </a:tc>
                 <a:extLst>
                   <a:ext uri="{0D108BD9-81ED-4DB2-BD59-A6C34878D82A}">
@@ -4818,7 +4817,7 @@
                   </a:ext>
                 </a:extLst>
               </a:tr>
-              <a:tr h="659273">
+              <a:tr h="169490">
                 <a:tc>
                   <a:txBody>
                     <a:bodyPr/>
@@ -4826,7 +4825,7 @@
                     <a:p>
                       <a:pPr algn="l" fontAlgn="b"/>
                       <a:r>
-                        <a:rPr lang="fr-FR" sz="3300" b="0" i="0" u="none" strike="noStrike">
+                        <a:rPr lang="fr-FR" sz="1000" b="0" i="0" u="none" strike="noStrike">
                           <a:solidFill>
                             <a:srgbClr val="000000"/>
                           </a:solidFill>
@@ -4837,7 +4836,7 @@
                       </a:r>
                     </a:p>
                   </a:txBody>
-                  <a:tcPr marL="13547" marR="13547" marT="13547" marB="0" anchor="b"/>
+                  <a:tcPr marL="3483" marR="3483" marT="3483" marB="0" anchor="b"/>
                 </a:tc>
                 <a:extLst>
                   <a:ext uri="{0D108BD9-81ED-4DB2-BD59-A6C34878D82A}">
@@ -4845,7 +4844,7 @@
                   </a:ext>
                 </a:extLst>
               </a:tr>
-              <a:tr h="659273">
+              <a:tr h="169490">
                 <a:tc>
                   <a:txBody>
                     <a:bodyPr/>
@@ -4853,7 +4852,7 @@
                     <a:p>
                       <a:pPr algn="l" fontAlgn="b"/>
                       <a:r>
-                        <a:rPr lang="fr-FR" sz="3300" b="0" i="0" u="none" strike="noStrike">
+                        <a:rPr lang="fr-FR" sz="1000" b="0" i="0" u="none" strike="noStrike">
                           <a:solidFill>
                             <a:srgbClr val="000000"/>
                           </a:solidFill>
@@ -4864,7 +4863,7 @@
                       </a:r>
                     </a:p>
                   </a:txBody>
-                  <a:tcPr marL="13547" marR="13547" marT="13547" marB="0" anchor="b"/>
+                  <a:tcPr marL="3483" marR="3483" marT="3483" marB="0" anchor="b"/>
                 </a:tc>
                 <a:extLst>
                   <a:ext uri="{0D108BD9-81ED-4DB2-BD59-A6C34878D82A}">
@@ -4872,7 +4871,7 @@
                   </a:ext>
                 </a:extLst>
               </a:tr>
-              <a:tr h="659273">
+              <a:tr h="169490">
                 <a:tc>
                   <a:txBody>
                     <a:bodyPr/>
@@ -4880,7 +4879,7 @@
                     <a:p>
                       <a:pPr algn="l" fontAlgn="b"/>
                       <a:r>
-                        <a:rPr lang="fr-FR" sz="3300" b="0" i="0" u="none" strike="noStrike">
+                        <a:rPr lang="fr-FR" sz="1000" b="0" i="0" u="none" strike="noStrike">
                           <a:solidFill>
                             <a:srgbClr val="000000"/>
                           </a:solidFill>
@@ -4891,7 +4890,7 @@
                       </a:r>
                     </a:p>
                   </a:txBody>
-                  <a:tcPr marL="13547" marR="13547" marT="13547" marB="0" anchor="b"/>
+                  <a:tcPr marL="3483" marR="3483" marT="3483" marB="0" anchor="b"/>
                 </a:tc>
                 <a:extLst>
                   <a:ext uri="{0D108BD9-81ED-4DB2-BD59-A6C34878D82A}">
@@ -4899,7 +4898,7 @@
                   </a:ext>
                 </a:extLst>
               </a:tr>
-              <a:tr h="659273">
+              <a:tr h="169490">
                 <a:tc>
                   <a:txBody>
                     <a:bodyPr/>
@@ -4907,7 +4906,7 @@
                     <a:p>
                       <a:pPr algn="l" fontAlgn="b"/>
                       <a:r>
-                        <a:rPr lang="fr-FR" sz="3300" b="0" i="0" u="none" strike="noStrike">
+                        <a:rPr lang="fr-FR" sz="1000" b="0" i="0" u="none" strike="noStrike">
                           <a:solidFill>
                             <a:srgbClr val="000000"/>
                           </a:solidFill>
@@ -4918,7 +4917,7 @@
                       </a:r>
                     </a:p>
                   </a:txBody>
-                  <a:tcPr marL="13547" marR="13547" marT="13547" marB="0" anchor="b"/>
+                  <a:tcPr marL="3483" marR="3483" marT="3483" marB="0" anchor="b"/>
                 </a:tc>
                 <a:extLst>
                   <a:ext uri="{0D108BD9-81ED-4DB2-BD59-A6C34878D82A}">
@@ -4926,7 +4925,7 @@
                   </a:ext>
                 </a:extLst>
               </a:tr>
-              <a:tr h="659273">
+              <a:tr h="169490">
                 <a:tc>
                   <a:txBody>
                     <a:bodyPr/>
@@ -4934,7 +4933,7 @@
                     <a:p>
                       <a:pPr algn="l" fontAlgn="b"/>
                       <a:r>
-                        <a:rPr lang="fr-FR" sz="3300" b="0" i="0" u="none" strike="noStrike" dirty="0" err="1">
+                        <a:rPr lang="fr-FR" sz="1000" b="0" i="0" u="none" strike="noStrike" dirty="0" err="1">
                           <a:solidFill>
                             <a:srgbClr val="000000"/>
                           </a:solidFill>
@@ -4943,7 +4942,7 @@
                         </a:rPr>
                         <a:t>AnnuléRes</a:t>
                       </a:r>
-                      <a:endParaRPr lang="fr-FR" sz="3300" b="0" i="0" u="none" strike="noStrike" dirty="0">
+                      <a:endParaRPr lang="fr-FR" sz="1000" b="0" i="0" u="none" strike="noStrike" dirty="0">
                         <a:solidFill>
                           <a:srgbClr val="000000"/>
                         </a:solidFill>
@@ -4952,7 +4951,7 @@
                       </a:endParaRPr>
                     </a:p>
                   </a:txBody>
-                  <a:tcPr marL="13547" marR="13547" marT="13547" marB="0" anchor="b"/>
+                  <a:tcPr marL="3483" marR="3483" marT="3483" marB="0" anchor="b"/>
                 </a:tc>
                 <a:extLst>
                   <a:ext uri="{0D108BD9-81ED-4DB2-BD59-A6C34878D82A}">
@@ -4960,7 +4959,7 @@
                   </a:ext>
                 </a:extLst>
               </a:tr>
-              <a:tr h="659273">
+              <a:tr h="169490">
                 <a:tc>
                   <a:txBody>
                     <a:bodyPr/>
@@ -4968,7 +4967,7 @@
                     <a:p>
                       <a:pPr algn="l" fontAlgn="b"/>
                       <a:r>
-                        <a:rPr lang="fr-FR" sz="3300" b="0" i="0" u="none" strike="noStrike" dirty="0" err="1">
+                        <a:rPr lang="fr-FR" sz="1000" b="0" i="0" u="none" strike="noStrike" dirty="0" err="1">
                           <a:solidFill>
                             <a:srgbClr val="000000"/>
                           </a:solidFill>
@@ -4977,7 +4976,7 @@
                         </a:rPr>
                         <a:t>NumCli</a:t>
                       </a:r>
-                      <a:endParaRPr lang="fr-FR" sz="3300" b="0" i="0" u="none" strike="noStrike" dirty="0">
+                      <a:endParaRPr lang="fr-FR" sz="1000" b="0" i="0" u="none" strike="noStrike" dirty="0">
                         <a:solidFill>
                           <a:srgbClr val="000000"/>
                         </a:solidFill>
@@ -4986,7 +4985,7 @@
                       </a:endParaRPr>
                     </a:p>
                   </a:txBody>
-                  <a:tcPr marL="13547" marR="13547" marT="13547" marB="0" anchor="b"/>
+                  <a:tcPr marL="3483" marR="3483" marT="3483" marB="0" anchor="b"/>
                 </a:tc>
                 <a:extLst>
                   <a:ext uri="{0D108BD9-81ED-4DB2-BD59-A6C34878D82A}">
@@ -5013,14 +5012,14 @@
           <p:nvPr>
             <p:extLst>
               <p:ext uri="{D42A27DB-BD31-4B8C-83A1-F6EECF244321}">
-                <p14:modId xmlns:p14="http://schemas.microsoft.com/office/powerpoint/2010/main" val="2588313249"/>
+                <p14:modId xmlns:p14="http://schemas.microsoft.com/office/powerpoint/2010/main" val="445555308"/>
               </p:ext>
             </p:extLst>
           </p:nvPr>
         </p:nvGraphicFramePr>
         <p:xfrm>
-          <a:off x="17790173" y="1858123"/>
-          <a:ext cx="3111639" cy="7273454"/>
+          <a:off x="4573610" y="1120635"/>
+          <a:ext cx="922423" cy="1889092"/>
         </p:xfrm>
         <a:graphic>
           <a:graphicData uri="http://schemas.openxmlformats.org/drawingml/2006/table">
@@ -5029,7 +5028,7 @@
                 <a:tableStyleId>{5C22544A-7EE6-4342-B048-85BDC9FD1C3A}</a:tableStyleId>
               </a:tblPr>
               <a:tblGrid>
-                <a:gridCol w="3111639">
+                <a:gridCol w="922423">
                   <a:extLst>
                     <a:ext uri="{9D8B030D-6E8A-4147-A177-3AD203B41FA5}">
                       <a16:colId xmlns:a16="http://schemas.microsoft.com/office/drawing/2014/main" val="1106292335"/>
@@ -5037,20 +5036,20 @@
                   </a:extLst>
                 </a:gridCol>
               </a:tblGrid>
-              <a:tr h="680724">
-                <a:tc>
-                  <a:txBody>
-                    <a:bodyPr/>
-                    <a:lstStyle/>
-                    <a:p>
-                      <a:r>
-                        <a:rPr lang="fr-FR" sz="3300" dirty="0" err="1"/>
+              <a:tr h="175005">
+                <a:tc>
+                  <a:txBody>
+                    <a:bodyPr/>
+                    <a:lstStyle/>
+                    <a:p>
+                      <a:r>
+                        <a:rPr lang="fr-FR" sz="1000" dirty="0" err="1"/>
                         <a:t>Hotel</a:t>
                       </a:r>
-                      <a:endParaRPr lang="fr-FR" sz="3300" dirty="0"/>
-                    </a:p>
-                  </a:txBody>
-                  <a:tcPr marL="162560" marR="162560" marT="81281" marB="81281"/>
+                      <a:endParaRPr lang="fr-FR" sz="1000" dirty="0"/>
+                    </a:p>
+                  </a:txBody>
+                  <a:tcPr marL="41792" marR="41792" marT="20896" marB="20896"/>
                 </a:tc>
                 <a:extLst>
                   <a:ext uri="{0D108BD9-81ED-4DB2-BD59-A6C34878D82A}">
@@ -5058,7 +5057,7 @@
                   </a:ext>
                 </a:extLst>
               </a:tr>
-              <a:tr h="659273">
+              <a:tr h="169490">
                 <a:tc>
                   <a:txBody>
                     <a:bodyPr/>
@@ -5066,7 +5065,7 @@
                     <a:p>
                       <a:pPr algn="l" fontAlgn="b"/>
                       <a:r>
-                        <a:rPr lang="fr-FR" sz="3300" b="1" i="0" u="sng" strike="noStrike" dirty="0" err="1">
+                        <a:rPr lang="fr-FR" sz="1000" b="1" i="0" u="sng" strike="noStrike" dirty="0" err="1">
                           <a:solidFill>
                             <a:srgbClr val="000000"/>
                           </a:solidFill>
@@ -5075,7 +5074,7 @@
                         </a:rPr>
                         <a:t>NumHotel</a:t>
                       </a:r>
-                      <a:endParaRPr lang="fr-FR" sz="3300" b="1" i="0" u="sng" strike="noStrike" dirty="0">
+                      <a:endParaRPr lang="fr-FR" sz="1000" b="1" i="0" u="sng" strike="noStrike" dirty="0">
                         <a:solidFill>
                           <a:srgbClr val="000000"/>
                         </a:solidFill>
@@ -5084,7 +5083,7 @@
                       </a:endParaRPr>
                     </a:p>
                   </a:txBody>
-                  <a:tcPr marL="13547" marR="13547" marT="13547" marB="0" anchor="b"/>
+                  <a:tcPr marL="3483" marR="3483" marT="3483" marB="0" anchor="b"/>
                 </a:tc>
                 <a:extLst>
                   <a:ext uri="{0D108BD9-81ED-4DB2-BD59-A6C34878D82A}">
@@ -5092,7 +5091,7 @@
                   </a:ext>
                 </a:extLst>
               </a:tr>
-              <a:tr h="659273">
+              <a:tr h="169490">
                 <a:tc>
                   <a:txBody>
                     <a:bodyPr/>
@@ -5100,7 +5099,7 @@
                     <a:p>
                       <a:pPr algn="l" fontAlgn="b"/>
                       <a:r>
-                        <a:rPr lang="fr-FR" sz="3300" b="0" i="0" u="none" strike="noStrike">
+                        <a:rPr lang="fr-FR" sz="1000" b="0" i="0" u="none" strike="noStrike">
                           <a:solidFill>
                             <a:srgbClr val="000000"/>
                           </a:solidFill>
@@ -5111,7 +5110,7 @@
                       </a:r>
                     </a:p>
                   </a:txBody>
-                  <a:tcPr marL="13547" marR="13547" marT="13547" marB="0" anchor="b"/>
+                  <a:tcPr marL="3483" marR="3483" marT="3483" marB="0" anchor="b"/>
                 </a:tc>
                 <a:extLst>
                   <a:ext uri="{0D108BD9-81ED-4DB2-BD59-A6C34878D82A}">
@@ -5119,7 +5118,7 @@
                   </a:ext>
                 </a:extLst>
               </a:tr>
-              <a:tr h="659273">
+              <a:tr h="169490">
                 <a:tc>
                   <a:txBody>
                     <a:bodyPr/>
@@ -5127,7 +5126,7 @@
                     <a:p>
                       <a:pPr algn="l" fontAlgn="b"/>
                       <a:r>
-                        <a:rPr lang="fr-FR" sz="3300" b="0" i="0" u="none" strike="noStrike">
+                        <a:rPr lang="fr-FR" sz="1000" b="0" i="0" u="none" strike="noStrike">
                           <a:solidFill>
                             <a:srgbClr val="000000"/>
                           </a:solidFill>
@@ -5138,7 +5137,7 @@
                       </a:r>
                     </a:p>
                   </a:txBody>
-                  <a:tcPr marL="13547" marR="13547" marT="13547" marB="0" anchor="b"/>
+                  <a:tcPr marL="3483" marR="3483" marT="3483" marB="0" anchor="b"/>
                 </a:tc>
                 <a:extLst>
                   <a:ext uri="{0D108BD9-81ED-4DB2-BD59-A6C34878D82A}">
@@ -5146,7 +5145,7 @@
                   </a:ext>
                 </a:extLst>
               </a:tr>
-              <a:tr h="659273">
+              <a:tr h="169490">
                 <a:tc>
                   <a:txBody>
                     <a:bodyPr/>
@@ -5154,7 +5153,7 @@
                     <a:p>
                       <a:pPr algn="l" fontAlgn="b"/>
                       <a:r>
-                        <a:rPr lang="fr-FR" sz="3300" b="0" i="0" u="none" strike="noStrike">
+                        <a:rPr lang="fr-FR" sz="1000" b="0" i="0" u="none" strike="noStrike" dirty="0" err="1">
                           <a:solidFill>
                             <a:srgbClr val="000000"/>
                           </a:solidFill>
@@ -5163,9 +5162,16 @@
                         </a:rPr>
                         <a:t>AdRueHotel</a:t>
                       </a:r>
-                    </a:p>
-                  </a:txBody>
-                  <a:tcPr marL="13547" marR="13547" marT="13547" marB="0" anchor="b"/>
+                      <a:endParaRPr lang="fr-FR" sz="1000" b="0" i="0" u="none" strike="noStrike" dirty="0">
+                        <a:solidFill>
+                          <a:srgbClr val="000000"/>
+                        </a:solidFill>
+                        <a:effectLst/>
+                        <a:latin typeface="Calibri" panose="020F0502020204030204" pitchFamily="34" charset="0"/>
+                      </a:endParaRPr>
+                    </a:p>
+                  </a:txBody>
+                  <a:tcPr marL="3483" marR="3483" marT="3483" marB="0" anchor="b"/>
                 </a:tc>
                 <a:extLst>
                   <a:ext uri="{0D108BD9-81ED-4DB2-BD59-A6C34878D82A}">
@@ -5173,7 +5179,7 @@
                   </a:ext>
                 </a:extLst>
               </a:tr>
-              <a:tr h="659273">
+              <a:tr h="169490">
                 <a:tc>
                   <a:txBody>
                     <a:bodyPr/>
@@ -5181,7 +5187,7 @@
                     <a:p>
                       <a:pPr algn="l" fontAlgn="b"/>
                       <a:r>
-                        <a:rPr lang="fr-FR" sz="3300" b="0" i="0" u="none" strike="noStrike" dirty="0" err="1">
+                        <a:rPr lang="fr-FR" sz="1000" b="0" i="0" u="none" strike="noStrike" dirty="0" err="1">
                           <a:solidFill>
                             <a:srgbClr val="000000"/>
                           </a:solidFill>
@@ -5190,7 +5196,7 @@
                         </a:rPr>
                         <a:t>CPHotel</a:t>
                       </a:r>
-                      <a:endParaRPr lang="fr-FR" sz="3300" b="0" i="0" u="none" strike="noStrike" dirty="0">
+                      <a:endParaRPr lang="fr-FR" sz="1000" b="0" i="0" u="none" strike="noStrike" dirty="0">
                         <a:solidFill>
                           <a:srgbClr val="000000"/>
                         </a:solidFill>
@@ -5199,7 +5205,7 @@
                       </a:endParaRPr>
                     </a:p>
                   </a:txBody>
-                  <a:tcPr marL="13547" marR="13547" marT="13547" marB="0" anchor="b"/>
+                  <a:tcPr marL="3483" marR="3483" marT="3483" marB="0" anchor="b"/>
                 </a:tc>
                 <a:extLst>
                   <a:ext uri="{0D108BD9-81ED-4DB2-BD59-A6C34878D82A}">
@@ -5207,7 +5213,7 @@
                   </a:ext>
                 </a:extLst>
               </a:tr>
-              <a:tr h="659273">
+              <a:tr h="169490">
                 <a:tc>
                   <a:txBody>
                     <a:bodyPr/>
@@ -5215,7 +5221,7 @@
                     <a:p>
                       <a:pPr algn="l" fontAlgn="b"/>
                       <a:r>
-                        <a:rPr lang="fr-FR" sz="3300" b="0" i="0" u="none" strike="noStrike">
+                        <a:rPr lang="fr-FR" sz="1000" b="0" i="0" u="none" strike="noStrike">
                           <a:solidFill>
                             <a:srgbClr val="000000"/>
                           </a:solidFill>
@@ -5226,7 +5232,7 @@
                       </a:r>
                     </a:p>
                   </a:txBody>
-                  <a:tcPr marL="13547" marR="13547" marT="13547" marB="0" anchor="b"/>
+                  <a:tcPr marL="3483" marR="3483" marT="3483" marB="0" anchor="b"/>
                 </a:tc>
                 <a:extLst>
                   <a:ext uri="{0D108BD9-81ED-4DB2-BD59-A6C34878D82A}">
@@ -5234,7 +5240,7 @@
                   </a:ext>
                 </a:extLst>
               </a:tr>
-              <a:tr h="659273">
+              <a:tr h="169490">
                 <a:tc>
                   <a:txBody>
                     <a:bodyPr/>
@@ -5242,7 +5248,7 @@
                     <a:p>
                       <a:pPr algn="l" fontAlgn="b"/>
                       <a:r>
-                        <a:rPr lang="fr-FR" sz="3300" b="0" i="0" u="none" strike="noStrike">
+                        <a:rPr lang="fr-FR" sz="1000" b="0" i="0" u="none" strike="noStrike">
                           <a:solidFill>
                             <a:srgbClr val="000000"/>
                           </a:solidFill>
@@ -5253,7 +5259,7 @@
                       </a:r>
                     </a:p>
                   </a:txBody>
-                  <a:tcPr marL="13547" marR="13547" marT="13547" marB="0" anchor="b"/>
+                  <a:tcPr marL="3483" marR="3483" marT="3483" marB="0" anchor="b"/>
                 </a:tc>
                 <a:extLst>
                   <a:ext uri="{0D108BD9-81ED-4DB2-BD59-A6C34878D82A}">
@@ -5261,7 +5267,7 @@
                   </a:ext>
                 </a:extLst>
               </a:tr>
-              <a:tr h="659273">
+              <a:tr h="169490">
                 <a:tc>
                   <a:txBody>
                     <a:bodyPr/>
@@ -5269,7 +5275,7 @@
                     <a:p>
                       <a:pPr algn="l" fontAlgn="b"/>
                       <a:r>
-                        <a:rPr lang="fr-FR" sz="3300" b="0" i="0" u="none" strike="noStrike">
+                        <a:rPr lang="fr-FR" sz="1000" b="0" i="0" u="none" strike="noStrike">
                           <a:solidFill>
                             <a:srgbClr val="000000"/>
                           </a:solidFill>
@@ -5280,7 +5286,7 @@
                       </a:r>
                     </a:p>
                   </a:txBody>
-                  <a:tcPr marL="13547" marR="13547" marT="13547" marB="0" anchor="b"/>
+                  <a:tcPr marL="3483" marR="3483" marT="3483" marB="0" anchor="b"/>
                 </a:tc>
                 <a:extLst>
                   <a:ext uri="{0D108BD9-81ED-4DB2-BD59-A6C34878D82A}">
@@ -5288,7 +5294,7 @@
                   </a:ext>
                 </a:extLst>
               </a:tr>
-              <a:tr h="659273">
+              <a:tr h="169490">
                 <a:tc>
                   <a:txBody>
                     <a:bodyPr/>
@@ -5296,7 +5302,7 @@
                     <a:p>
                       <a:pPr algn="l" fontAlgn="b"/>
                       <a:r>
-                        <a:rPr lang="fr-FR" sz="3300" b="0" i="0" u="none" strike="noStrike">
+                        <a:rPr lang="fr-FR" sz="1000" b="0" i="0" u="none" strike="noStrike">
                           <a:solidFill>
                             <a:srgbClr val="000000"/>
                           </a:solidFill>
@@ -5307,7 +5313,7 @@
                       </a:r>
                     </a:p>
                   </a:txBody>
-                  <a:tcPr marL="13547" marR="13547" marT="13547" marB="0" anchor="b"/>
+                  <a:tcPr marL="3483" marR="3483" marT="3483" marB="0" anchor="b"/>
                 </a:tc>
                 <a:extLst>
                   <a:ext uri="{0D108BD9-81ED-4DB2-BD59-A6C34878D82A}">
@@ -5315,7 +5321,7 @@
                   </a:ext>
                 </a:extLst>
               </a:tr>
-              <a:tr h="659273">
+              <a:tr h="169490">
                 <a:tc>
                   <a:txBody>
                     <a:bodyPr/>
@@ -5323,7 +5329,7 @@
                     <a:p>
                       <a:pPr algn="l" fontAlgn="b"/>
                       <a:r>
-                        <a:rPr lang="fr-FR" sz="3300" b="0" i="0" u="none" strike="noStrike" dirty="0" err="1">
+                        <a:rPr lang="fr-FR" sz="1000" b="0" i="0" u="none" strike="noStrike" dirty="0" err="1">
                           <a:solidFill>
                             <a:srgbClr val="000000"/>
                           </a:solidFill>
@@ -5332,7 +5338,7 @@
                         </a:rPr>
                         <a:t>NbCh</a:t>
                       </a:r>
-                      <a:endParaRPr lang="fr-FR" sz="3300" b="0" i="0" u="none" strike="noStrike" dirty="0">
+                      <a:endParaRPr lang="fr-FR" sz="1000" b="0" i="0" u="none" strike="noStrike" dirty="0">
                         <a:solidFill>
                           <a:srgbClr val="000000"/>
                         </a:solidFill>
@@ -5341,7 +5347,7 @@
                       </a:endParaRPr>
                     </a:p>
                   </a:txBody>
-                  <a:tcPr marL="13547" marR="13547" marT="13547" marB="0" anchor="b"/>
+                  <a:tcPr marL="3483" marR="3483" marT="3483" marB="0" anchor="b"/>
                 </a:tc>
                 <a:extLst>
                   <a:ext uri="{0D108BD9-81ED-4DB2-BD59-A6C34878D82A}">
@@ -5368,14 +5374,14 @@
           <p:nvPr>
             <p:extLst>
               <p:ext uri="{D42A27DB-BD31-4B8C-83A1-F6EECF244321}">
-                <p14:modId xmlns:p14="http://schemas.microsoft.com/office/powerpoint/2010/main" val="4050751120"/>
+                <p14:modId xmlns:p14="http://schemas.microsoft.com/office/powerpoint/2010/main" val="3555297131"/>
               </p:ext>
             </p:extLst>
           </p:nvPr>
         </p:nvGraphicFramePr>
         <p:xfrm>
-          <a:off x="25514266" y="2750939"/>
-          <a:ext cx="3441652" cy="3317816"/>
+          <a:off x="6559370" y="1350166"/>
+          <a:ext cx="884802" cy="872152"/>
         </p:xfrm>
         <a:graphic>
           <a:graphicData uri="http://schemas.openxmlformats.org/drawingml/2006/table">
@@ -5384,7 +5390,7 @@
                 <a:tableStyleId>{5C22544A-7EE6-4342-B048-85BDC9FD1C3A}</a:tableStyleId>
               </a:tblPr>
               <a:tblGrid>
-                <a:gridCol w="3441652">
+                <a:gridCol w="884802">
                   <a:extLst>
                     <a:ext uri="{9D8B030D-6E8A-4147-A177-3AD203B41FA5}">
                       <a16:colId xmlns:a16="http://schemas.microsoft.com/office/drawing/2014/main" val="1106292335"/>
@@ -5392,19 +5398,19 @@
                   </a:extLst>
                 </a:gridCol>
               </a:tblGrid>
-              <a:tr h="680724">
-                <a:tc>
-                  <a:txBody>
-                    <a:bodyPr/>
-                    <a:lstStyle/>
-                    <a:p>
-                      <a:r>
-                        <a:rPr lang="fr-FR" sz="3300" dirty="0"/>
+              <a:tr h="175005">
+                <a:tc>
+                  <a:txBody>
+                    <a:bodyPr/>
+                    <a:lstStyle/>
+                    <a:p>
+                      <a:r>
+                        <a:rPr lang="fr-FR" sz="1000" dirty="0"/>
                         <a:t>Tarif</a:t>
                       </a:r>
                     </a:p>
                   </a:txBody>
-                  <a:tcPr marL="162560" marR="162560" marT="81281" marB="81281"/>
+                  <a:tcPr marL="41792" marR="41792" marT="20896" marB="20896"/>
                 </a:tc>
                 <a:extLst>
                   <a:ext uri="{0D108BD9-81ED-4DB2-BD59-A6C34878D82A}">
@@ -5412,7 +5418,7 @@
                   </a:ext>
                 </a:extLst>
               </a:tr>
-              <a:tr h="659273">
+              <a:tr h="169490">
                 <a:tc>
                   <a:txBody>
                     <a:bodyPr/>
@@ -5420,7 +5426,7 @@
                     <a:p>
                       <a:pPr algn="l" fontAlgn="b"/>
                       <a:r>
-                        <a:rPr lang="fr-FR" sz="3300" b="0" i="0" u="none" strike="noStrike" dirty="0" err="1">
+                        <a:rPr lang="fr-FR" sz="1000" b="0" i="0" u="none" strike="noStrike" dirty="0" err="1">
                           <a:solidFill>
                             <a:srgbClr val="000000"/>
                           </a:solidFill>
@@ -5429,7 +5435,7 @@
                         </a:rPr>
                         <a:t>PrixHT</a:t>
                       </a:r>
-                      <a:endParaRPr lang="fr-FR" sz="3300" b="0" i="0" u="none" strike="noStrike" dirty="0">
+                      <a:endParaRPr lang="fr-FR" sz="1000" b="0" i="0" u="none" strike="noStrike" dirty="0">
                         <a:solidFill>
                           <a:srgbClr val="000000"/>
                         </a:solidFill>
@@ -5438,7 +5444,7 @@
                       </a:endParaRPr>
                     </a:p>
                   </a:txBody>
-                  <a:tcPr marL="13547" marR="13547" marT="13547" marB="0" anchor="b"/>
+                  <a:tcPr marL="3483" marR="3483" marT="3483" marB="0" anchor="b"/>
                 </a:tc>
                 <a:extLst>
                   <a:ext uri="{0D108BD9-81ED-4DB2-BD59-A6C34878D82A}">
@@ -5446,7 +5452,7 @@
                   </a:ext>
                 </a:extLst>
               </a:tr>
-              <a:tr h="659273">
+              <a:tr h="169490">
                 <a:tc>
                   <a:txBody>
                     <a:bodyPr/>
@@ -5454,7 +5460,7 @@
                     <a:p>
                       <a:pPr algn="l" fontAlgn="b"/>
                       <a:r>
-                        <a:rPr lang="fr-FR" sz="3300" b="0" i="0" u="none" strike="noStrike">
+                        <a:rPr lang="fr-FR" sz="1000" b="0" i="0" u="none" strike="noStrike">
                           <a:solidFill>
                             <a:srgbClr val="000000"/>
                           </a:solidFill>
@@ -5465,7 +5471,7 @@
                       </a:r>
                     </a:p>
                   </a:txBody>
-                  <a:tcPr marL="13547" marR="13547" marT="13547" marB="0" anchor="b"/>
+                  <a:tcPr marL="3483" marR="3483" marT="3483" marB="0" anchor="b"/>
                 </a:tc>
                 <a:extLst>
                   <a:ext uri="{0D108BD9-81ED-4DB2-BD59-A6C34878D82A}">
@@ -5473,7 +5479,7 @@
                   </a:ext>
                 </a:extLst>
               </a:tr>
-              <a:tr h="659273">
+              <a:tr h="169490">
                 <a:tc>
                   <a:txBody>
                     <a:bodyPr/>
@@ -5481,7 +5487,7 @@
                     <a:p>
                       <a:pPr algn="l" fontAlgn="b"/>
                       <a:r>
-                        <a:rPr lang="fr-FR" sz="3300" b="0" i="0" u="none" strike="noStrike">
+                        <a:rPr lang="fr-FR" sz="1000" b="0" i="0" u="none" strike="noStrike">
                           <a:solidFill>
                             <a:srgbClr val="000000"/>
                           </a:solidFill>
@@ -5492,7 +5498,7 @@
                       </a:r>
                     </a:p>
                   </a:txBody>
-                  <a:tcPr marL="13547" marR="13547" marT="13547" marB="0" anchor="b"/>
+                  <a:tcPr marL="3483" marR="3483" marT="3483" marB="0" anchor="b"/>
                 </a:tc>
                 <a:extLst>
                   <a:ext uri="{0D108BD9-81ED-4DB2-BD59-A6C34878D82A}">
@@ -5500,7 +5506,7 @@
                   </a:ext>
                 </a:extLst>
               </a:tr>
-              <a:tr h="659273">
+              <a:tr h="169490">
                 <a:tc>
                   <a:txBody>
                     <a:bodyPr/>
@@ -5508,7 +5514,7 @@
                     <a:p>
                       <a:pPr algn="l" fontAlgn="b"/>
                       <a:r>
-                        <a:rPr lang="fr-FR" sz="3300" b="0" i="0" u="none" strike="noStrike" dirty="0" err="1">
+                        <a:rPr lang="fr-FR" sz="1000" b="0" i="0" u="none" strike="noStrike" dirty="0" err="1">
                           <a:solidFill>
                             <a:srgbClr val="000000"/>
                           </a:solidFill>
@@ -5517,7 +5523,7 @@
                         </a:rPr>
                         <a:t>NumTyp</a:t>
                       </a:r>
-                      <a:endParaRPr lang="fr-FR" sz="3300" b="0" i="0" u="none" strike="noStrike" dirty="0">
+                      <a:endParaRPr lang="fr-FR" sz="1000" b="0" i="0" u="none" strike="noStrike" dirty="0">
                         <a:solidFill>
                           <a:srgbClr val="000000"/>
                         </a:solidFill>
@@ -5526,7 +5532,7 @@
                       </a:endParaRPr>
                     </a:p>
                   </a:txBody>
-                  <a:tcPr marL="13547" marR="13547" marT="13547" marB="0" anchor="b"/>
+                  <a:tcPr marL="3483" marR="3483" marT="3483" marB="0" anchor="b"/>
                 </a:tc>
                 <a:extLst>
                   <a:ext uri="{0D108BD9-81ED-4DB2-BD59-A6C34878D82A}">
@@ -5553,14 +5559,14 @@
           <p:nvPr>
             <p:extLst>
               <p:ext uri="{D42A27DB-BD31-4B8C-83A1-F6EECF244321}">
-                <p14:modId xmlns:p14="http://schemas.microsoft.com/office/powerpoint/2010/main" val="3730742926"/>
+                <p14:modId xmlns:p14="http://schemas.microsoft.com/office/powerpoint/2010/main" val="1320675346"/>
               </p:ext>
             </p:extLst>
           </p:nvPr>
         </p:nvGraphicFramePr>
         <p:xfrm>
-          <a:off x="31726910" y="6238467"/>
-          <a:ext cx="2955639" cy="2722896"/>
+          <a:off x="8156555" y="2246762"/>
+          <a:ext cx="933339" cy="776768"/>
         </p:xfrm>
         <a:graphic>
           <a:graphicData uri="http://schemas.openxmlformats.org/drawingml/2006/table">
@@ -5569,7 +5575,7 @@
                 <a:tableStyleId>{5C22544A-7EE6-4342-B048-85BDC9FD1C3A}</a:tableStyleId>
               </a:tblPr>
               <a:tblGrid>
-                <a:gridCol w="2955639">
+                <a:gridCol w="933339">
                   <a:extLst>
                     <a:ext uri="{9D8B030D-6E8A-4147-A177-3AD203B41FA5}">
                       <a16:colId xmlns:a16="http://schemas.microsoft.com/office/drawing/2014/main" val="1106292335"/>
@@ -5577,20 +5583,20 @@
                   </a:extLst>
                 </a:gridCol>
               </a:tblGrid>
-              <a:tr h="680724">
-                <a:tc>
-                  <a:txBody>
-                    <a:bodyPr/>
-                    <a:lstStyle/>
-                    <a:p>
-                      <a:r>
-                        <a:rPr lang="fr-FR" sz="3300" dirty="0" err="1"/>
+              <a:tr h="175005">
+                <a:tc>
+                  <a:txBody>
+                    <a:bodyPr/>
+                    <a:lstStyle/>
+                    <a:p>
+                      <a:r>
+                        <a:rPr lang="fr-FR" sz="1000" dirty="0" err="1"/>
                         <a:t>TypeChambre</a:t>
                       </a:r>
-                      <a:endParaRPr lang="fr-FR" sz="3300" dirty="0"/>
-                    </a:p>
-                  </a:txBody>
-                  <a:tcPr marL="162560" marR="162560" marT="81281" marB="81281"/>
+                      <a:endParaRPr lang="fr-FR" sz="1000" dirty="0"/>
+                    </a:p>
+                  </a:txBody>
+                  <a:tcPr marL="41792" marR="41792" marT="20896" marB="20896"/>
                 </a:tc>
                 <a:extLst>
                   <a:ext uri="{0D108BD9-81ED-4DB2-BD59-A6C34878D82A}">
@@ -5598,20 +5604,20 @@
                   </a:ext>
                 </a:extLst>
               </a:tr>
-              <a:tr h="680724">
-                <a:tc>
-                  <a:txBody>
-                    <a:bodyPr/>
-                    <a:lstStyle/>
-                    <a:p>
-                      <a:r>
-                        <a:rPr lang="fr-FR" sz="3300" u="sng" dirty="0" err="1"/>
+              <a:tr h="175005">
+                <a:tc>
+                  <a:txBody>
+                    <a:bodyPr/>
+                    <a:lstStyle/>
+                    <a:p>
+                      <a:r>
+                        <a:rPr lang="fr-FR" sz="1000" u="sng" dirty="0" err="1"/>
                         <a:t>NumType</a:t>
                       </a:r>
-                      <a:endParaRPr lang="fr-FR" sz="3300" u="sng" dirty="0"/>
-                    </a:p>
-                  </a:txBody>
-                  <a:tcPr marL="162560" marR="162560" marT="81281" marB="81281"/>
+                      <a:endParaRPr lang="fr-FR" sz="1000" u="sng" dirty="0"/>
+                    </a:p>
+                  </a:txBody>
+                  <a:tcPr marL="41792" marR="41792" marT="20896" marB="20896"/>
                 </a:tc>
                 <a:extLst>
                   <a:ext uri="{0D108BD9-81ED-4DB2-BD59-A6C34878D82A}">
@@ -5619,20 +5625,20 @@
                   </a:ext>
                 </a:extLst>
               </a:tr>
-              <a:tr h="680724">
-                <a:tc>
-                  <a:txBody>
-                    <a:bodyPr/>
-                    <a:lstStyle/>
-                    <a:p>
-                      <a:r>
-                        <a:rPr lang="fr-FR" sz="3300" dirty="0" err="1"/>
+              <a:tr h="175005">
+                <a:tc>
+                  <a:txBody>
+                    <a:bodyPr/>
+                    <a:lstStyle/>
+                    <a:p>
+                      <a:r>
+                        <a:rPr lang="fr-FR" sz="1000" dirty="0" err="1"/>
                         <a:t>LibelléType</a:t>
                       </a:r>
-                      <a:endParaRPr lang="fr-FR" sz="3300" dirty="0"/>
-                    </a:p>
-                  </a:txBody>
-                  <a:tcPr marL="162560" marR="162560" marT="81281" marB="81281"/>
+                      <a:endParaRPr lang="fr-FR" sz="1000" dirty="0"/>
+                    </a:p>
+                  </a:txBody>
+                  <a:tcPr marL="41792" marR="41792" marT="20896" marB="20896"/>
                 </a:tc>
                 <a:extLst>
                   <a:ext uri="{0D108BD9-81ED-4DB2-BD59-A6C34878D82A}">
@@ -5640,19 +5646,19 @@
                   </a:ext>
                 </a:extLst>
               </a:tr>
-              <a:tr h="680724">
-                <a:tc>
-                  <a:txBody>
-                    <a:bodyPr/>
-                    <a:lstStyle/>
-                    <a:p>
-                      <a:r>
-                        <a:rPr lang="fr-FR" sz="3300" dirty="0"/>
+              <a:tr h="175005">
+                <a:tc>
+                  <a:txBody>
+                    <a:bodyPr/>
+                    <a:lstStyle/>
+                    <a:p>
+                      <a:r>
+                        <a:rPr lang="fr-FR" sz="1000" dirty="0"/>
                         <a:t>Fumeur</a:t>
                       </a:r>
                     </a:p>
                   </a:txBody>
-                  <a:tcPr marL="162560" marR="162560" marT="81281" marB="81281"/>
+                  <a:tcPr marL="41792" marR="41792" marT="20896" marB="20896"/>
                 </a:tc>
                 <a:extLst>
                   <a:ext uri="{0D108BD9-81ED-4DB2-BD59-A6C34878D82A}">
@@ -5679,14 +5685,14 @@
           <p:nvPr>
             <p:extLst>
               <p:ext uri="{D42A27DB-BD31-4B8C-83A1-F6EECF244321}">
-                <p14:modId xmlns:p14="http://schemas.microsoft.com/office/powerpoint/2010/main" val="370100776"/>
+                <p14:modId xmlns:p14="http://schemas.microsoft.com/office/powerpoint/2010/main" val="954277976"/>
               </p:ext>
             </p:extLst>
           </p:nvPr>
         </p:nvGraphicFramePr>
         <p:xfrm>
-          <a:off x="31748039" y="10261287"/>
-          <a:ext cx="2955639" cy="2722896"/>
+          <a:off x="8161988" y="3280975"/>
+          <a:ext cx="920640" cy="776768"/>
         </p:xfrm>
         <a:graphic>
           <a:graphicData uri="http://schemas.openxmlformats.org/drawingml/2006/table">
@@ -5695,7 +5701,7 @@
                 <a:tableStyleId>{5C22544A-7EE6-4342-B048-85BDC9FD1C3A}</a:tableStyleId>
               </a:tblPr>
               <a:tblGrid>
-                <a:gridCol w="2955639">
+                <a:gridCol w="920640">
                   <a:extLst>
                     <a:ext uri="{9D8B030D-6E8A-4147-A177-3AD203B41FA5}">
                       <a16:colId xmlns:a16="http://schemas.microsoft.com/office/drawing/2014/main" val="1106292335"/>
@@ -5703,19 +5709,19 @@
                   </a:extLst>
                 </a:gridCol>
               </a:tblGrid>
-              <a:tr h="680724">
-                <a:tc>
-                  <a:txBody>
-                    <a:bodyPr/>
-                    <a:lstStyle/>
-                    <a:p>
-                      <a:r>
-                        <a:rPr lang="fr-FR" sz="3300" dirty="0"/>
+              <a:tr h="175005">
+                <a:tc>
+                  <a:txBody>
+                    <a:bodyPr/>
+                    <a:lstStyle/>
+                    <a:p>
+                      <a:r>
+                        <a:rPr lang="fr-FR" sz="1000" dirty="0"/>
                         <a:t>Réduction</a:t>
                       </a:r>
                     </a:p>
                   </a:txBody>
-                  <a:tcPr marL="162560" marR="162560" marT="81281" marB="81281"/>
+                  <a:tcPr marL="41792" marR="41792" marT="20896" marB="20896"/>
                 </a:tc>
                 <a:extLst>
                   <a:ext uri="{0D108BD9-81ED-4DB2-BD59-A6C34878D82A}">
@@ -5723,20 +5729,20 @@
                   </a:ext>
                 </a:extLst>
               </a:tr>
-              <a:tr h="680724">
-                <a:tc>
-                  <a:txBody>
-                    <a:bodyPr/>
-                    <a:lstStyle/>
-                    <a:p>
-                      <a:r>
-                        <a:rPr lang="fr-FR" sz="3300" u="sng" dirty="0" err="1"/>
+              <a:tr h="175005">
+                <a:tc>
+                  <a:txBody>
+                    <a:bodyPr/>
+                    <a:lstStyle/>
+                    <a:p>
+                      <a:r>
+                        <a:rPr lang="fr-FR" sz="1000" u="sng" dirty="0" err="1"/>
                         <a:t>TxRéduction</a:t>
                       </a:r>
-                      <a:endParaRPr lang="fr-FR" sz="3300" u="sng" dirty="0"/>
-                    </a:p>
-                  </a:txBody>
-                  <a:tcPr marL="162560" marR="162560" marT="81281" marB="81281"/>
+                      <a:endParaRPr lang="fr-FR" sz="1000" u="sng" dirty="0"/>
+                    </a:p>
+                  </a:txBody>
+                  <a:tcPr marL="41792" marR="41792" marT="20896" marB="20896"/>
                 </a:tc>
                 <a:extLst>
                   <a:ext uri="{0D108BD9-81ED-4DB2-BD59-A6C34878D82A}">
@@ -5744,20 +5750,20 @@
                   </a:ext>
                 </a:extLst>
               </a:tr>
-              <a:tr h="680724">
-                <a:tc>
-                  <a:txBody>
-                    <a:bodyPr/>
-                    <a:lstStyle/>
-                    <a:p>
-                      <a:r>
-                        <a:rPr lang="fr-FR" sz="3300" dirty="0" err="1"/>
+              <a:tr h="175005">
+                <a:tc>
+                  <a:txBody>
+                    <a:bodyPr/>
+                    <a:lstStyle/>
+                    <a:p>
+                      <a:r>
+                        <a:rPr lang="fr-FR" sz="1000" dirty="0" err="1"/>
                         <a:t>NumType</a:t>
                       </a:r>
-                      <a:endParaRPr lang="fr-FR" sz="3300" dirty="0"/>
-                    </a:p>
-                  </a:txBody>
-                  <a:tcPr marL="162560" marR="162560" marT="81281" marB="81281"/>
+                      <a:endParaRPr lang="fr-FR" sz="1000" dirty="0"/>
+                    </a:p>
+                  </a:txBody>
+                  <a:tcPr marL="41792" marR="41792" marT="20896" marB="20896"/>
                 </a:tc>
                 <a:extLst>
                   <a:ext uri="{0D108BD9-81ED-4DB2-BD59-A6C34878D82A}">
@@ -5765,19 +5771,19 @@
                   </a:ext>
                 </a:extLst>
               </a:tr>
-              <a:tr h="680724">
-                <a:tc>
-                  <a:txBody>
-                    <a:bodyPr/>
-                    <a:lstStyle/>
-                    <a:p>
-                      <a:r>
-                        <a:rPr lang="fr-FR" sz="3300" dirty="0"/>
+              <a:tr h="175005">
+                <a:tc>
+                  <a:txBody>
+                    <a:bodyPr/>
+                    <a:lstStyle/>
+                    <a:p>
+                      <a:r>
+                        <a:rPr lang="fr-FR" sz="1000" dirty="0"/>
                         <a:t>Période</a:t>
                       </a:r>
                     </a:p>
                   </a:txBody>
-                  <a:tcPr marL="162560" marR="162560" marT="81281" marB="81281"/>
+                  <a:tcPr marL="41792" marR="41792" marT="20896" marB="20896"/>
                 </a:tc>
                 <a:extLst>
                   <a:ext uri="{0D108BD9-81ED-4DB2-BD59-A6C34878D82A}">
@@ -5804,14 +5810,14 @@
           <p:nvPr>
             <p:extLst>
               <p:ext uri="{D42A27DB-BD31-4B8C-83A1-F6EECF244321}">
-                <p14:modId xmlns:p14="http://schemas.microsoft.com/office/powerpoint/2010/main" val="3788563426"/>
+                <p14:modId xmlns:p14="http://schemas.microsoft.com/office/powerpoint/2010/main" val="538854396"/>
               </p:ext>
             </p:extLst>
           </p:nvPr>
         </p:nvGraphicFramePr>
         <p:xfrm>
-          <a:off x="17080678" y="11000032"/>
-          <a:ext cx="3587991" cy="3977089"/>
+          <a:off x="4391210" y="3470896"/>
+          <a:ext cx="922424" cy="1041642"/>
         </p:xfrm>
         <a:graphic>
           <a:graphicData uri="http://schemas.openxmlformats.org/drawingml/2006/table">
@@ -5820,7 +5826,7 @@
                 <a:tableStyleId>{5C22544A-7EE6-4342-B048-85BDC9FD1C3A}</a:tableStyleId>
               </a:tblPr>
               <a:tblGrid>
-                <a:gridCol w="3587991">
+                <a:gridCol w="922424">
                   <a:extLst>
                     <a:ext uri="{9D8B030D-6E8A-4147-A177-3AD203B41FA5}">
                       <a16:colId xmlns:a16="http://schemas.microsoft.com/office/drawing/2014/main" val="1106292335"/>
@@ -5828,19 +5834,19 @@
                   </a:extLst>
                 </a:gridCol>
               </a:tblGrid>
-              <a:tr h="680724">
-                <a:tc>
-                  <a:txBody>
-                    <a:bodyPr/>
-                    <a:lstStyle/>
-                    <a:p>
-                      <a:r>
-                        <a:rPr lang="fr-FR" sz="3300" dirty="0"/>
+              <a:tr h="175005">
+                <a:tc>
+                  <a:txBody>
+                    <a:bodyPr/>
+                    <a:lstStyle/>
+                    <a:p>
+                      <a:r>
+                        <a:rPr lang="fr-FR" sz="1000" dirty="0"/>
                         <a:t>Planning</a:t>
                       </a:r>
                     </a:p>
                   </a:txBody>
-                  <a:tcPr marL="162560" marR="162560" marT="81281" marB="81281"/>
+                  <a:tcPr marL="41792" marR="41792" marT="20896" marB="20896"/>
                 </a:tc>
                 <a:extLst>
                   <a:ext uri="{0D108BD9-81ED-4DB2-BD59-A6C34878D82A}">
@@ -5848,7 +5854,7 @@
                   </a:ext>
                 </a:extLst>
               </a:tr>
-              <a:tr h="659273">
+              <a:tr h="169490">
                 <a:tc>
                   <a:txBody>
                     <a:bodyPr/>
@@ -5856,7 +5862,7 @@
                     <a:p>
                       <a:pPr algn="l" fontAlgn="b"/>
                       <a:r>
-                        <a:rPr lang="fr-FR" sz="3300" b="1" i="0" u="sng" strike="noStrike">
+                        <a:rPr lang="fr-FR" sz="1000" b="1" i="0" u="sng" strike="noStrike">
                           <a:solidFill>
                             <a:srgbClr val="000000"/>
                           </a:solidFill>
@@ -5867,7 +5873,7 @@
                       </a:r>
                     </a:p>
                   </a:txBody>
-                  <a:tcPr marL="13547" marR="13547" marT="13547" marB="0" anchor="b"/>
+                  <a:tcPr marL="3483" marR="3483" marT="3483" marB="0" anchor="b"/>
                 </a:tc>
                 <a:extLst>
                   <a:ext uri="{0D108BD9-81ED-4DB2-BD59-A6C34878D82A}">
@@ -5875,7 +5881,7 @@
                   </a:ext>
                 </a:extLst>
               </a:tr>
-              <a:tr h="659273">
+              <a:tr h="169490">
                 <a:tc>
                   <a:txBody>
                     <a:bodyPr/>
@@ -5883,7 +5889,7 @@
                     <a:p>
                       <a:pPr algn="l" fontAlgn="b"/>
                       <a:r>
-                        <a:rPr lang="fr-FR" sz="3300" b="1" i="0" u="sng" strike="noStrike" dirty="0">
+                        <a:rPr lang="fr-FR" sz="1000" b="1" i="0" u="sng" strike="noStrike" dirty="0">
                           <a:solidFill>
                             <a:srgbClr val="000000"/>
                           </a:solidFill>
@@ -5894,7 +5900,7 @@
                       </a:r>
                     </a:p>
                   </a:txBody>
-                  <a:tcPr marL="13547" marR="13547" marT="13547" marB="0" anchor="b"/>
+                  <a:tcPr marL="3483" marR="3483" marT="3483" marB="0" anchor="b"/>
                 </a:tc>
                 <a:extLst>
                   <a:ext uri="{0D108BD9-81ED-4DB2-BD59-A6C34878D82A}">
@@ -5902,7 +5908,7 @@
                   </a:ext>
                 </a:extLst>
               </a:tr>
-              <a:tr h="659273">
+              <a:tr h="169490">
                 <a:tc>
                   <a:txBody>
                     <a:bodyPr/>
@@ -5910,7 +5916,7 @@
                     <a:p>
                       <a:pPr algn="l" fontAlgn="b"/>
                       <a:r>
-                        <a:rPr lang="fr-FR" sz="3300" b="1" i="0" u="sng" strike="noStrike" dirty="0" err="1">
+                        <a:rPr lang="fr-FR" sz="1000" b="1" i="0" u="sng" strike="noStrike" dirty="0" err="1">
                           <a:solidFill>
                             <a:srgbClr val="000000"/>
                           </a:solidFill>
@@ -5919,7 +5925,7 @@
                         </a:rPr>
                         <a:t>NumChambre</a:t>
                       </a:r>
-                      <a:endParaRPr lang="fr-FR" sz="3300" b="1" i="0" u="sng" strike="noStrike" dirty="0">
+                      <a:endParaRPr lang="fr-FR" sz="1000" b="1" i="0" u="sng" strike="noStrike" dirty="0">
                         <a:solidFill>
                           <a:srgbClr val="000000"/>
                         </a:solidFill>
@@ -5928,7 +5934,7 @@
                       </a:endParaRPr>
                     </a:p>
                   </a:txBody>
-                  <a:tcPr marL="13547" marR="13547" marT="13547" marB="0" anchor="b"/>
+                  <a:tcPr marL="3483" marR="3483" marT="3483" marB="0" anchor="b"/>
                 </a:tc>
                 <a:extLst>
                   <a:ext uri="{0D108BD9-81ED-4DB2-BD59-A6C34878D82A}">
@@ -5936,7 +5942,7 @@
                   </a:ext>
                 </a:extLst>
               </a:tr>
-              <a:tr h="659273">
+              <a:tr h="169490">
                 <a:tc>
                   <a:txBody>
                     <a:bodyPr/>
@@ -5944,7 +5950,7 @@
                     <a:p>
                       <a:pPr algn="l" fontAlgn="b"/>
                       <a:r>
-                        <a:rPr lang="fr-FR" sz="3300" b="0" i="0" u="none" strike="noStrike">
+                        <a:rPr lang="fr-FR" sz="1000" b="0" i="0" u="none" strike="noStrike">
                           <a:solidFill>
                             <a:srgbClr val="000000"/>
                           </a:solidFill>
@@ -5955,7 +5961,7 @@
                       </a:r>
                     </a:p>
                   </a:txBody>
-                  <a:tcPr marL="13547" marR="13547" marT="13547" marB="0" anchor="b"/>
+                  <a:tcPr marL="3483" marR="3483" marT="3483" marB="0" anchor="b"/>
                 </a:tc>
                 <a:extLst>
                   <a:ext uri="{0D108BD9-81ED-4DB2-BD59-A6C34878D82A}">
@@ -5963,7 +5969,7 @@
                   </a:ext>
                 </a:extLst>
               </a:tr>
-              <a:tr h="659273">
+              <a:tr h="169490">
                 <a:tc>
                   <a:txBody>
                     <a:bodyPr/>
@@ -5971,7 +5977,7 @@
                     <a:p>
                       <a:pPr algn="l" fontAlgn="b"/>
                       <a:r>
-                        <a:rPr lang="fr-FR" sz="3300" b="0" i="0" u="none" strike="noStrike" dirty="0" err="1">
+                        <a:rPr lang="fr-FR" sz="1000" b="0" i="0" u="none" strike="noStrike" dirty="0" err="1">
                           <a:solidFill>
                             <a:srgbClr val="000000"/>
                           </a:solidFill>
@@ -5980,7 +5986,7 @@
                         </a:rPr>
                         <a:t>NumRes</a:t>
                       </a:r>
-                      <a:endParaRPr lang="fr-FR" sz="3300" b="0" i="0" u="none" strike="noStrike" dirty="0">
+                      <a:endParaRPr lang="fr-FR" sz="1000" b="0" i="0" u="none" strike="noStrike" dirty="0">
                         <a:solidFill>
                           <a:srgbClr val="000000"/>
                         </a:solidFill>
@@ -5989,7 +5995,7 @@
                       </a:endParaRPr>
                     </a:p>
                   </a:txBody>
-                  <a:tcPr marL="13547" marR="13547" marT="13547" marB="0" anchor="b"/>
+                  <a:tcPr marL="3483" marR="3483" marT="3483" marB="0" anchor="b"/>
                 </a:tc>
                 <a:extLst>
                   <a:ext uri="{0D108BD9-81ED-4DB2-BD59-A6C34878D82A}">
@@ -6016,14 +6022,14 @@
           <p:nvPr>
             <p:extLst>
               <p:ext uri="{D42A27DB-BD31-4B8C-83A1-F6EECF244321}">
-                <p14:modId xmlns:p14="http://schemas.microsoft.com/office/powerpoint/2010/main" val="2923602020"/>
+                <p14:modId xmlns:p14="http://schemas.microsoft.com/office/powerpoint/2010/main" val="2331325914"/>
               </p:ext>
             </p:extLst>
           </p:nvPr>
         </p:nvGraphicFramePr>
         <p:xfrm>
-          <a:off x="24319061" y="9837701"/>
-          <a:ext cx="2955639" cy="6601765"/>
+          <a:off x="6252099" y="3172076"/>
+          <a:ext cx="854758" cy="1704362"/>
         </p:xfrm>
         <a:graphic>
           <a:graphicData uri="http://schemas.openxmlformats.org/drawingml/2006/table">
@@ -6032,7 +6038,7 @@
                 <a:tableStyleId>{5C22544A-7EE6-4342-B048-85BDC9FD1C3A}</a:tableStyleId>
               </a:tblPr>
               <a:tblGrid>
-                <a:gridCol w="2955639">
+                <a:gridCol w="854758">
                   <a:extLst>
                     <a:ext uri="{9D8B030D-6E8A-4147-A177-3AD203B41FA5}">
                       <a16:colId xmlns:a16="http://schemas.microsoft.com/office/drawing/2014/main" val="1106292335"/>
@@ -6040,19 +6046,19 @@
                   </a:extLst>
                 </a:gridCol>
               </a:tblGrid>
-              <a:tr h="668308">
-                <a:tc>
-                  <a:txBody>
-                    <a:bodyPr/>
-                    <a:lstStyle/>
-                    <a:p>
-                      <a:r>
-                        <a:rPr lang="fr-FR" sz="2800" dirty="0"/>
+              <a:tr h="171813">
+                <a:tc>
+                  <a:txBody>
+                    <a:bodyPr/>
+                    <a:lstStyle/>
+                    <a:p>
+                      <a:r>
+                        <a:rPr lang="fr-FR" sz="900" dirty="0"/>
                         <a:t>Chambre</a:t>
                       </a:r>
                     </a:p>
                   </a:txBody>
-                  <a:tcPr marL="162560" marR="162560" marT="81281" marB="81281"/>
+                  <a:tcPr marL="41792" marR="41792" marT="20896" marB="20896"/>
                 </a:tc>
                 <a:extLst>
                   <a:ext uri="{0D108BD9-81ED-4DB2-BD59-A6C34878D82A}">
@@ -6060,7 +6066,7 @@
                   </a:ext>
                 </a:extLst>
               </a:tr>
-              <a:tr h="659273">
+              <a:tr h="169490">
                 <a:tc>
                   <a:txBody>
                     <a:bodyPr/>
@@ -6068,7 +6074,7 @@
                     <a:p>
                       <a:pPr algn="l" fontAlgn="b"/>
                       <a:r>
-                        <a:rPr lang="fr-FR" sz="3300" b="1" i="0" u="sng" strike="noStrike" dirty="0" err="1">
+                        <a:rPr lang="fr-FR" sz="1000" b="1" i="0" u="sng" strike="noStrike" dirty="0" err="1">
                           <a:solidFill>
                             <a:srgbClr val="000000"/>
                           </a:solidFill>
@@ -6077,7 +6083,7 @@
                         </a:rPr>
                         <a:t>NumChambre</a:t>
                       </a:r>
-                      <a:endParaRPr lang="fr-FR" sz="3300" b="1" i="0" u="sng" strike="noStrike" dirty="0">
+                      <a:endParaRPr lang="fr-FR" sz="1000" b="1" i="0" u="sng" strike="noStrike" dirty="0">
                         <a:solidFill>
                           <a:srgbClr val="000000"/>
                         </a:solidFill>
@@ -6086,7 +6092,7 @@
                       </a:endParaRPr>
                     </a:p>
                   </a:txBody>
-                  <a:tcPr marL="13547" marR="13547" marT="13547" marB="0" anchor="b"/>
+                  <a:tcPr marL="3483" marR="3483" marT="3483" marB="0" anchor="b"/>
                 </a:tc>
                 <a:extLst>
                   <a:ext uri="{0D108BD9-81ED-4DB2-BD59-A6C34878D82A}">
@@ -6094,7 +6100,7 @@
                   </a:ext>
                 </a:extLst>
               </a:tr>
-              <a:tr h="659273">
+              <a:tr h="169490">
                 <a:tc>
                   <a:txBody>
                     <a:bodyPr/>
@@ -6102,7 +6108,7 @@
                     <a:p>
                       <a:pPr algn="l" fontAlgn="b"/>
                       <a:r>
-                        <a:rPr lang="fr-FR" sz="3300" b="0" i="0" u="none" strike="noStrike">
+                        <a:rPr lang="fr-FR" sz="1000" b="0" i="0" u="none" strike="noStrike">
                           <a:solidFill>
                             <a:srgbClr val="000000"/>
                           </a:solidFill>
@@ -6113,7 +6119,7 @@
                       </a:r>
                     </a:p>
                   </a:txBody>
-                  <a:tcPr marL="13547" marR="13547" marT="13547" marB="0" anchor="b"/>
+                  <a:tcPr marL="3483" marR="3483" marT="3483" marB="0" anchor="b"/>
                 </a:tc>
                 <a:extLst>
                   <a:ext uri="{0D108BD9-81ED-4DB2-BD59-A6C34878D82A}">
@@ -6121,7 +6127,7 @@
                   </a:ext>
                 </a:extLst>
               </a:tr>
-              <a:tr h="659273">
+              <a:tr h="169490">
                 <a:tc>
                   <a:txBody>
                     <a:bodyPr/>
@@ -6129,7 +6135,7 @@
                     <a:p>
                       <a:pPr algn="l" fontAlgn="b"/>
                       <a:r>
-                        <a:rPr lang="fr-FR" sz="3300" b="0" i="0" u="none" strike="noStrike" dirty="0" err="1">
+                        <a:rPr lang="fr-FR" sz="1000" b="0" i="0" u="none" strike="noStrike" dirty="0" err="1">
                           <a:solidFill>
                             <a:srgbClr val="000000"/>
                           </a:solidFill>
@@ -6138,7 +6144,7 @@
                         </a:rPr>
                         <a:t>ChBain</a:t>
                       </a:r>
-                      <a:endParaRPr lang="fr-FR" sz="3300" b="0" i="0" u="none" strike="noStrike" dirty="0">
+                      <a:endParaRPr lang="fr-FR" sz="1000" b="0" i="0" u="none" strike="noStrike" dirty="0">
                         <a:solidFill>
                           <a:srgbClr val="000000"/>
                         </a:solidFill>
@@ -6147,7 +6153,7 @@
                       </a:endParaRPr>
                     </a:p>
                   </a:txBody>
-                  <a:tcPr marL="13547" marR="13547" marT="13547" marB="0" anchor="b"/>
+                  <a:tcPr marL="3483" marR="3483" marT="3483" marB="0" anchor="b"/>
                 </a:tc>
                 <a:extLst>
                   <a:ext uri="{0D108BD9-81ED-4DB2-BD59-A6C34878D82A}">
@@ -6155,7 +6161,7 @@
                   </a:ext>
                 </a:extLst>
               </a:tr>
-              <a:tr h="659273">
+              <a:tr h="169490">
                 <a:tc>
                   <a:txBody>
                     <a:bodyPr/>
@@ -6163,7 +6169,7 @@
                     <a:p>
                       <a:pPr algn="l" fontAlgn="b"/>
                       <a:r>
-                        <a:rPr lang="fr-FR" sz="3300" b="0" i="0" u="none" strike="noStrike">
+                        <a:rPr lang="fr-FR" sz="1000" b="0" i="0" u="none" strike="noStrike">
                           <a:solidFill>
                             <a:srgbClr val="000000"/>
                           </a:solidFill>
@@ -6174,7 +6180,7 @@
                       </a:r>
                     </a:p>
                   </a:txBody>
-                  <a:tcPr marL="13547" marR="13547" marT="13547" marB="0" anchor="b"/>
+                  <a:tcPr marL="3483" marR="3483" marT="3483" marB="0" anchor="b"/>
                 </a:tc>
                 <a:extLst>
                   <a:ext uri="{0D108BD9-81ED-4DB2-BD59-A6C34878D82A}">
@@ -6182,7 +6188,7 @@
                   </a:ext>
                 </a:extLst>
               </a:tr>
-              <a:tr h="659273">
+              <a:tr h="169490">
                 <a:tc>
                   <a:txBody>
                     <a:bodyPr/>
@@ -6190,7 +6196,7 @@
                     <a:p>
                       <a:pPr algn="l" fontAlgn="b"/>
                       <a:r>
-                        <a:rPr lang="fr-FR" sz="3300" b="0" i="0" u="none" strike="noStrike" dirty="0" err="1">
+                        <a:rPr lang="fr-FR" sz="1000" b="0" i="0" u="none" strike="noStrike" dirty="0" err="1">
                           <a:solidFill>
                             <a:srgbClr val="000000"/>
                           </a:solidFill>
@@ -6199,7 +6205,7 @@
                         </a:rPr>
                         <a:t>ChWC</a:t>
                       </a:r>
-                      <a:endParaRPr lang="fr-FR" sz="3300" b="0" i="0" u="none" strike="noStrike" dirty="0">
+                      <a:endParaRPr lang="fr-FR" sz="1000" b="0" i="0" u="none" strike="noStrike" dirty="0">
                         <a:solidFill>
                           <a:srgbClr val="000000"/>
                         </a:solidFill>
@@ -6208,7 +6214,7 @@
                       </a:endParaRPr>
                     </a:p>
                   </a:txBody>
-                  <a:tcPr marL="13547" marR="13547" marT="13547" marB="0" anchor="b"/>
+                  <a:tcPr marL="3483" marR="3483" marT="3483" marB="0" anchor="b"/>
                 </a:tc>
                 <a:extLst>
                   <a:ext uri="{0D108BD9-81ED-4DB2-BD59-A6C34878D82A}">
@@ -6216,7 +6222,7 @@
                   </a:ext>
                 </a:extLst>
               </a:tr>
-              <a:tr h="659273">
+              <a:tr h="169490">
                 <a:tc>
                   <a:txBody>
                     <a:bodyPr/>
@@ -6224,7 +6230,7 @@
                     <a:p>
                       <a:pPr algn="l" fontAlgn="b"/>
                       <a:r>
-                        <a:rPr lang="fr-FR" sz="3300" b="0" i="0" u="none" strike="noStrike">
+                        <a:rPr lang="fr-FR" sz="1000" b="0" i="0" u="none" strike="noStrike">
                           <a:solidFill>
                             <a:srgbClr val="000000"/>
                           </a:solidFill>
@@ -6235,7 +6241,7 @@
                       </a:r>
                     </a:p>
                   </a:txBody>
-                  <a:tcPr marL="13547" marR="13547" marT="13547" marB="0" anchor="b"/>
+                  <a:tcPr marL="3483" marR="3483" marT="3483" marB="0" anchor="b"/>
                 </a:tc>
                 <a:extLst>
                   <a:ext uri="{0D108BD9-81ED-4DB2-BD59-A6C34878D82A}">
@@ -6243,7 +6249,7 @@
                   </a:ext>
                 </a:extLst>
               </a:tr>
-              <a:tr h="659273">
+              <a:tr h="169490">
                 <a:tc>
                   <a:txBody>
                     <a:bodyPr/>
@@ -6251,7 +6257,7 @@
                     <a:p>
                       <a:pPr algn="l" fontAlgn="b"/>
                       <a:r>
-                        <a:rPr lang="fr-FR" sz="3300" b="0" i="0" u="none" strike="noStrike">
+                        <a:rPr lang="fr-FR" sz="1000" b="0" i="0" u="none" strike="noStrike">
                           <a:solidFill>
                             <a:srgbClr val="000000"/>
                           </a:solidFill>
@@ -6262,7 +6268,7 @@
                       </a:r>
                     </a:p>
                   </a:txBody>
-                  <a:tcPr marL="13547" marR="13547" marT="13547" marB="0" anchor="b"/>
+                  <a:tcPr marL="3483" marR="3483" marT="3483" marB="0" anchor="b"/>
                 </a:tc>
                 <a:extLst>
                   <a:ext uri="{0D108BD9-81ED-4DB2-BD59-A6C34878D82A}">
@@ -6270,7 +6276,7 @@
                   </a:ext>
                 </a:extLst>
               </a:tr>
-              <a:tr h="659273">
+              <a:tr h="169490">
                 <a:tc>
                   <a:txBody>
                     <a:bodyPr/>
@@ -6278,7 +6284,7 @@
                     <a:p>
                       <a:pPr algn="l" fontAlgn="b"/>
                       <a:r>
-                        <a:rPr lang="fr-FR" sz="3300" b="0" i="0" u="none" strike="noStrike">
+                        <a:rPr lang="fr-FR" sz="1000" b="0" i="0" u="none" strike="noStrike">
                           <a:solidFill>
                             <a:srgbClr val="000000"/>
                           </a:solidFill>
@@ -6289,7 +6295,7 @@
                       </a:r>
                     </a:p>
                   </a:txBody>
-                  <a:tcPr marL="13547" marR="13547" marT="13547" marB="0" anchor="b"/>
+                  <a:tcPr marL="3483" marR="3483" marT="3483" marB="0" anchor="b"/>
                 </a:tc>
                 <a:extLst>
                   <a:ext uri="{0D108BD9-81ED-4DB2-BD59-A6C34878D82A}">
@@ -6297,7 +6303,7 @@
                   </a:ext>
                 </a:extLst>
               </a:tr>
-              <a:tr h="659273">
+              <a:tr h="169490">
                 <a:tc>
                   <a:txBody>
                     <a:bodyPr/>
@@ -6305,7 +6311,7 @@
                     <a:p>
                       <a:pPr algn="l" fontAlgn="b"/>
                       <a:r>
-                        <a:rPr lang="fr-FR" sz="3300" b="0" i="0" u="none" strike="noStrike" dirty="0" err="1">
+                        <a:rPr lang="fr-FR" sz="1000" b="0" i="0" u="none" strike="noStrike" dirty="0" err="1">
                           <a:solidFill>
                             <a:srgbClr val="000000"/>
                           </a:solidFill>
@@ -6314,7 +6320,7 @@
                         </a:rPr>
                         <a:t>NumTyp</a:t>
                       </a:r>
-                      <a:endParaRPr lang="fr-FR" sz="3300" b="0" i="0" u="none" strike="noStrike" dirty="0">
+                      <a:endParaRPr lang="fr-FR" sz="1000" b="0" i="0" u="none" strike="noStrike" dirty="0">
                         <a:solidFill>
                           <a:srgbClr val="000000"/>
                         </a:solidFill>
@@ -6323,7 +6329,7 @@
                       </a:endParaRPr>
                     </a:p>
                   </a:txBody>
-                  <a:tcPr marL="13547" marR="13547" marT="13547" marB="0" anchor="b"/>
+                  <a:tcPr marL="3483" marR="3483" marT="3483" marB="0" anchor="b"/>
                 </a:tc>
                 <a:extLst>
                   <a:ext uri="{0D108BD9-81ED-4DB2-BD59-A6C34878D82A}">
@@ -6349,8 +6355,8 @@
         </p:nvSpPr>
         <p:spPr>
           <a:xfrm>
-            <a:off x="9016757" y="10259609"/>
-            <a:ext cx="320000" cy="320000"/>
+            <a:off x="2318085" y="3280543"/>
+            <a:ext cx="82268" cy="82268"/>
           </a:xfrm>
           <a:prstGeom prst="ellipse">
             <a:avLst/>
@@ -6383,7 +6389,7 @@
           <a:lstStyle/>
           <a:p>
             <a:pPr algn="ctr"/>
-            <a:endParaRPr lang="fr-FR" sz="5400"/>
+            <a:endParaRPr lang="fr-FR" sz="1600"/>
           </a:p>
         </p:txBody>
       </p:sp>
@@ -6401,8 +6407,8 @@
         </p:nvSpPr>
         <p:spPr>
           <a:xfrm>
-            <a:off x="24089012" y="10659950"/>
-            <a:ext cx="320000" cy="320000"/>
+            <a:off x="6192956" y="3383465"/>
+            <a:ext cx="82268" cy="82268"/>
           </a:xfrm>
           <a:prstGeom prst="ellipse">
             <a:avLst/>
@@ -6435,7 +6441,7 @@
           <a:lstStyle/>
           <a:p>
             <a:pPr algn="ctr"/>
-            <a:endParaRPr lang="fr-FR" sz="5400"/>
+            <a:endParaRPr lang="fr-FR" sz="1600"/>
           </a:p>
         </p:txBody>
       </p:sp>
@@ -6453,8 +6459,8 @@
         </p:nvSpPr>
         <p:spPr>
           <a:xfrm>
-            <a:off x="29368656" y="5785449"/>
-            <a:ext cx="320000" cy="320000"/>
+            <a:off x="7550281" y="2130297"/>
+            <a:ext cx="82268" cy="82268"/>
           </a:xfrm>
           <a:prstGeom prst="ellipse">
             <a:avLst/>
@@ -6487,7 +6493,7 @@
           <a:lstStyle/>
           <a:p>
             <a:pPr algn="ctr"/>
-            <a:endParaRPr lang="fr-FR" sz="5400"/>
+            <a:endParaRPr lang="fr-FR" sz="1600"/>
           </a:p>
         </p:txBody>
       </p:sp>
@@ -6505,8 +6511,8 @@
         </p:nvSpPr>
         <p:spPr>
           <a:xfrm>
-            <a:off x="47203271" y="15036182"/>
-            <a:ext cx="320000" cy="320000"/>
+            <a:off x="12135317" y="4508534"/>
+            <a:ext cx="82268" cy="82268"/>
           </a:xfrm>
           <a:prstGeom prst="ellipse">
             <a:avLst/>
@@ -6539,7 +6545,7 @@
           <a:lstStyle/>
           <a:p>
             <a:pPr algn="ctr"/>
-            <a:endParaRPr lang="fr-FR" sz="3201"/>
+            <a:endParaRPr lang="fr-FR" sz="1000"/>
           </a:p>
         </p:txBody>
       </p:sp>
@@ -6561,15 +6567,15 @@
         </p:nvCxnSpPr>
         <p:spPr>
           <a:xfrm>
-            <a:off x="5725509" y="3789405"/>
-            <a:ext cx="521143" cy="4606395"/>
+            <a:off x="1471950" y="1617142"/>
+            <a:ext cx="133979" cy="1184241"/>
           </a:xfrm>
           <a:prstGeom prst="bentConnector3">
             <a:avLst>
               <a:gd name="adj1" fmla="val 50000"/>
             </a:avLst>
           </a:prstGeom>
-          <a:ln w="57150">
+          <a:ln w="28575">
             <a:tailEnd type="triangle"/>
           </a:ln>
         </p:spPr>
@@ -6606,15 +6612,15 @@
         </p:nvCxnSpPr>
         <p:spPr>
           <a:xfrm rot="10800000" flipV="1">
-            <a:off x="9316463" y="3831630"/>
-            <a:ext cx="910845" cy="4635300"/>
+            <a:off x="2395136" y="1627997"/>
+            <a:ext cx="234166" cy="1191672"/>
           </a:xfrm>
           <a:prstGeom prst="bentConnector3">
             <a:avLst>
               <a:gd name="adj1" fmla="val 50000"/>
             </a:avLst>
           </a:prstGeom>
-          <a:ln w="57150">
+          <a:ln w="28575">
             <a:tailEnd type="triangle"/>
           </a:ln>
         </p:spPr>
@@ -6651,15 +6657,15 @@
         </p:nvCxnSpPr>
         <p:spPr>
           <a:xfrm>
-            <a:off x="9336757" y="10419609"/>
-            <a:ext cx="1269831" cy="2224229"/>
+            <a:off x="2400353" y="3321677"/>
+            <a:ext cx="326456" cy="571819"/>
           </a:xfrm>
           <a:prstGeom prst="bentConnector3">
             <a:avLst>
               <a:gd name="adj1" fmla="val 50000"/>
             </a:avLst>
           </a:prstGeom>
-          <a:ln w="57150">
+          <a:ln w="28575">
             <a:tailEnd type="triangle"/>
           </a:ln>
         </p:spPr>
@@ -6696,15 +6702,15 @@
         </p:nvCxnSpPr>
         <p:spPr>
           <a:xfrm rot="10800000">
-            <a:off x="13630685" y="12748423"/>
-            <a:ext cx="3400821" cy="1929323"/>
+            <a:off x="3599149" y="3920383"/>
+            <a:ext cx="779418" cy="496002"/>
           </a:xfrm>
           <a:prstGeom prst="bentConnector3">
             <a:avLst>
               <a:gd name="adj1" fmla="val 50000"/>
             </a:avLst>
           </a:prstGeom>
-          <a:ln w="57150">
+          <a:ln w="28575">
             <a:tailEnd type="triangle"/>
           </a:ln>
         </p:spPr>
@@ -6741,15 +6747,15 @@
         </p:nvCxnSpPr>
         <p:spPr>
           <a:xfrm rot="10800000" flipH="1">
-            <a:off x="17060049" y="2815133"/>
-            <a:ext cx="667988" cy="9197789"/>
+            <a:off x="4385906" y="1366670"/>
+            <a:ext cx="171731" cy="2364626"/>
           </a:xfrm>
           <a:prstGeom prst="bentConnector3">
             <a:avLst>
               <a:gd name="adj1" fmla="val -175259"/>
             </a:avLst>
           </a:prstGeom>
-          <a:ln w="57150">
+          <a:ln w="28575">
             <a:tailEnd type="triangle"/>
           </a:ln>
         </p:spPr>
@@ -6786,15 +6792,15 @@
         </p:nvCxnSpPr>
         <p:spPr>
           <a:xfrm rot="10800000">
-            <a:off x="5763681" y="13110959"/>
-            <a:ext cx="4855708" cy="3599326"/>
+            <a:off x="1481764" y="4013586"/>
+            <a:ext cx="1248336" cy="925338"/>
           </a:xfrm>
           <a:prstGeom prst="bentConnector3">
             <a:avLst>
               <a:gd name="adj1" fmla="val 50000"/>
             </a:avLst>
           </a:prstGeom>
-          <a:ln w="57150">
+          <a:ln w="28575">
             <a:tailEnd type="triangle"/>
           </a:ln>
         </p:spPr>
@@ -6831,15 +6837,15 @@
         </p:nvCxnSpPr>
         <p:spPr>
           <a:xfrm rot="10800000">
-            <a:off x="21014227" y="2895133"/>
-            <a:ext cx="3260535" cy="12650573"/>
+            <a:off x="5480106" y="1387236"/>
+            <a:ext cx="760605" cy="3252290"/>
           </a:xfrm>
           <a:prstGeom prst="bentConnector3">
             <a:avLst>
               <a:gd name="adj1" fmla="val 50000"/>
             </a:avLst>
           </a:prstGeom>
-          <a:ln w="57150">
+          <a:ln w="28575">
             <a:tailEnd type="triangle"/>
           </a:ln>
         </p:spPr>
@@ -6876,15 +6882,4110 @@
         </p:nvCxnSpPr>
         <p:spPr>
           <a:xfrm rot="10800000">
-            <a:off x="21014226" y="2895133"/>
-            <a:ext cx="4410782" cy="2255303"/>
+            <a:off x="5480106" y="1387236"/>
+            <a:ext cx="1056317" cy="579808"/>
           </a:xfrm>
           <a:prstGeom prst="bentConnector3">
             <a:avLst>
               <a:gd name="adj1" fmla="val 50000"/>
             </a:avLst>
           </a:prstGeom>
-          <a:ln w="57150">
+          <a:ln w="28575">
+            <a:tailEnd type="triangle"/>
+          </a:ln>
+        </p:spPr>
+        <p:style>
+          <a:lnRef idx="1">
+            <a:schemeClr val="accent1"/>
+          </a:lnRef>
+          <a:fillRef idx="0">
+            <a:schemeClr val="accent1"/>
+          </a:fillRef>
+          <a:effectRef idx="0">
+            <a:schemeClr val="accent1"/>
+          </a:effectRef>
+          <a:fontRef idx="minor">
+            <a:schemeClr val="tx1"/>
+          </a:fontRef>
+        </p:style>
+      </p:cxnSp>
+      <p:cxnSp>
+        <p:nvCxnSpPr>
+          <p:cNvPr id="80" name="Connecteur : en angle 79">
+            <a:extLst>
+              <a:ext uri="{FF2B5EF4-FFF2-40B4-BE49-F238E27FC236}">
+                <a16:creationId xmlns:a16="http://schemas.microsoft.com/office/drawing/2014/main" id="{D6254161-B19A-D692-DE98-406FC6A3F5D5}"/>
+              </a:ext>
+            </a:extLst>
+          </p:cNvPr>
+          <p:cNvCxnSpPr>
+            <a:cxnSpLocks/>
+            <a:stCxn id="26" idx="6"/>
+            <a:endCxn id="27" idx="6"/>
+          </p:cNvCxnSpPr>
+          <p:nvPr/>
+        </p:nvCxnSpPr>
+        <p:spPr>
+          <a:xfrm flipV="1">
+            <a:off x="9065131" y="2514819"/>
+            <a:ext cx="17497" cy="1238757"/>
+          </a:xfrm>
+          <a:prstGeom prst="bentConnector3">
+            <a:avLst>
+              <a:gd name="adj1" fmla="val 1406510"/>
+            </a:avLst>
+          </a:prstGeom>
+          <a:ln w="28575">
+            <a:tailEnd type="triangle"/>
+          </a:ln>
+        </p:spPr>
+        <p:style>
+          <a:lnRef idx="1">
+            <a:schemeClr val="accent1"/>
+          </a:lnRef>
+          <a:fillRef idx="0">
+            <a:schemeClr val="accent1"/>
+          </a:fillRef>
+          <a:effectRef idx="0">
+            <a:schemeClr val="accent1"/>
+          </a:effectRef>
+          <a:fontRef idx="minor">
+            <a:schemeClr val="tx1"/>
+          </a:fontRef>
+        </p:style>
+      </p:cxnSp>
+      <p:cxnSp>
+        <p:nvCxnSpPr>
+          <p:cNvPr id="84" name="Connecteur : en angle 83">
+            <a:extLst>
+              <a:ext uri="{FF2B5EF4-FFF2-40B4-BE49-F238E27FC236}">
+                <a16:creationId xmlns:a16="http://schemas.microsoft.com/office/drawing/2014/main" id="{81D953EE-5E66-A0D2-3ED0-3A0EC132D74D}"/>
+              </a:ext>
+            </a:extLst>
+          </p:cNvPr>
+          <p:cNvCxnSpPr>
+            <a:cxnSpLocks/>
+            <a:stCxn id="24" idx="6"/>
+            <a:endCxn id="88" idx="2"/>
+          </p:cNvCxnSpPr>
+          <p:nvPr/>
+        </p:nvCxnSpPr>
+        <p:spPr>
+          <a:xfrm>
+            <a:off x="7452020" y="2110917"/>
+            <a:ext cx="652546" cy="414046"/>
+          </a:xfrm>
+          <a:prstGeom prst="bentConnector3">
+            <a:avLst>
+              <a:gd name="adj1" fmla="val 50000"/>
+            </a:avLst>
+          </a:prstGeom>
+          <a:ln w="28575">
+            <a:tailEnd type="triangle"/>
+          </a:ln>
+        </p:spPr>
+        <p:style>
+          <a:lnRef idx="1">
+            <a:schemeClr val="accent1"/>
+          </a:lnRef>
+          <a:fillRef idx="0">
+            <a:schemeClr val="accent1"/>
+          </a:fillRef>
+          <a:effectRef idx="0">
+            <a:schemeClr val="accent1"/>
+          </a:effectRef>
+          <a:fontRef idx="minor">
+            <a:schemeClr val="tx1"/>
+          </a:fontRef>
+        </p:style>
+      </p:cxnSp>
+      <p:cxnSp>
+        <p:nvCxnSpPr>
+          <p:cNvPr id="90" name="Connecteur : en angle 89">
+            <a:extLst>
+              <a:ext uri="{FF2B5EF4-FFF2-40B4-BE49-F238E27FC236}">
+                <a16:creationId xmlns:a16="http://schemas.microsoft.com/office/drawing/2014/main" id="{683212FF-0948-53D7-39F6-4EF8F698DC59}"/>
+              </a:ext>
+            </a:extLst>
+          </p:cNvPr>
+          <p:cNvCxnSpPr>
+            <a:cxnSpLocks/>
+            <a:stCxn id="22" idx="6"/>
+            <a:endCxn id="88" idx="2"/>
+          </p:cNvCxnSpPr>
+          <p:nvPr/>
+        </p:nvCxnSpPr>
+        <p:spPr>
+          <a:xfrm flipV="1">
+            <a:off x="7093598" y="2524963"/>
+            <a:ext cx="1010967" cy="2271286"/>
+          </a:xfrm>
+          <a:prstGeom prst="bentConnector3">
+            <a:avLst>
+              <a:gd name="adj1" fmla="val 50000"/>
+            </a:avLst>
+          </a:prstGeom>
+          <a:ln w="28575">
+            <a:tailEnd type="triangle"/>
+          </a:ln>
+        </p:spPr>
+        <p:style>
+          <a:lnRef idx="1">
+            <a:schemeClr val="accent1"/>
+          </a:lnRef>
+          <a:fillRef idx="0">
+            <a:schemeClr val="accent1"/>
+          </a:fillRef>
+          <a:effectRef idx="0">
+            <a:schemeClr val="accent1"/>
+          </a:effectRef>
+          <a:fontRef idx="minor">
+            <a:schemeClr val="tx1"/>
+          </a:fontRef>
+        </p:style>
+      </p:cxnSp>
+    </p:spTree>
+    <p:extLst>
+      <p:ext uri="{BB962C8B-B14F-4D97-AF65-F5344CB8AC3E}">
+        <p14:creationId xmlns:p14="http://schemas.microsoft.com/office/powerpoint/2010/main" val="1590453548"/>
+      </p:ext>
+    </p:extLst>
+  </p:cSld>
+  <p:clrMapOvr>
+    <a:masterClrMapping/>
+  </p:clrMapOvr>
+</p:sld>
+</file>
+
+<file path=ppt/slides/slide2.xml><?xml version="1.0" encoding="utf-8"?>
+<p:sld xmlns:a="http://schemas.openxmlformats.org/drawingml/2006/main" xmlns:r="http://schemas.openxmlformats.org/officeDocument/2006/relationships" xmlns:p="http://schemas.openxmlformats.org/presentationml/2006/main">
+  <p:cSld>
+    <p:spTree>
+      <p:nvGrpSpPr>
+        <p:cNvPr id="1" name=""/>
+        <p:cNvGrpSpPr/>
+        <p:nvPr/>
+      </p:nvGrpSpPr>
+      <p:grpSpPr>
+        <a:xfrm>
+          <a:off x="0" y="0"/>
+          <a:ext cx="0" cy="0"/>
+          <a:chOff x="0" y="0"/>
+          <a:chExt cx="0" cy="0"/>
+        </a:xfrm>
+      </p:grpSpPr>
+      <p:sp>
+        <p:nvSpPr>
+          <p:cNvPr id="57" name="Ellipse 56">
+            <a:extLst>
+              <a:ext uri="{FF2B5EF4-FFF2-40B4-BE49-F238E27FC236}">
+                <a16:creationId xmlns:a16="http://schemas.microsoft.com/office/drawing/2014/main" id="{E2D252DC-08BF-3BAC-72AE-0CC40B181A2F}"/>
+              </a:ext>
+            </a:extLst>
+          </p:cNvPr>
+          <p:cNvSpPr/>
+          <p:nvPr/>
+        </p:nvSpPr>
+        <p:spPr>
+          <a:xfrm>
+            <a:off x="2730100" y="4897790"/>
+            <a:ext cx="82268" cy="82268"/>
+          </a:xfrm>
+          <a:prstGeom prst="ellipse">
+            <a:avLst/>
+          </a:prstGeom>
+          <a:solidFill>
+            <a:schemeClr val="bg1"/>
+          </a:solidFill>
+          <a:ln>
+            <a:noFill/>
+          </a:ln>
+        </p:spPr>
+        <p:style>
+          <a:lnRef idx="2">
+            <a:schemeClr val="accent1">
+              <a:shade val="50000"/>
+            </a:schemeClr>
+          </a:lnRef>
+          <a:fillRef idx="1">
+            <a:schemeClr val="accent1"/>
+          </a:fillRef>
+          <a:effectRef idx="0">
+            <a:schemeClr val="accent1"/>
+          </a:effectRef>
+          <a:fontRef idx="minor">
+            <a:schemeClr val="lt1"/>
+          </a:fontRef>
+        </p:style>
+        <p:txBody>
+          <a:bodyPr rtlCol="0" anchor="ctr"/>
+          <a:lstStyle/>
+          <a:p>
+            <a:pPr algn="ctr"/>
+            <a:endParaRPr lang="fr-FR" sz="1600"/>
+          </a:p>
+        </p:txBody>
+      </p:sp>
+      <p:sp>
+        <p:nvSpPr>
+          <p:cNvPr id="24" name="Ellipse 23">
+            <a:extLst>
+              <a:ext uri="{FF2B5EF4-FFF2-40B4-BE49-F238E27FC236}">
+                <a16:creationId xmlns:a16="http://schemas.microsoft.com/office/drawing/2014/main" id="{FD40B3B9-E2DB-95A1-1CE0-98E685648D1D}"/>
+              </a:ext>
+            </a:extLst>
+          </p:cNvPr>
+          <p:cNvSpPr/>
+          <p:nvPr/>
+        </p:nvSpPr>
+        <p:spPr>
+          <a:xfrm>
+            <a:off x="7369752" y="2069783"/>
+            <a:ext cx="82268" cy="82268"/>
+          </a:xfrm>
+          <a:prstGeom prst="ellipse">
+            <a:avLst/>
+          </a:prstGeom>
+          <a:solidFill>
+            <a:schemeClr val="bg1"/>
+          </a:solidFill>
+          <a:ln>
+            <a:noFill/>
+          </a:ln>
+        </p:spPr>
+        <p:style>
+          <a:lnRef idx="2">
+            <a:schemeClr val="accent1">
+              <a:shade val="50000"/>
+            </a:schemeClr>
+          </a:lnRef>
+          <a:fillRef idx="1">
+            <a:schemeClr val="accent1"/>
+          </a:fillRef>
+          <a:effectRef idx="0">
+            <a:schemeClr val="accent1"/>
+          </a:effectRef>
+          <a:fontRef idx="minor">
+            <a:schemeClr val="lt1"/>
+          </a:fontRef>
+        </p:style>
+        <p:txBody>
+          <a:bodyPr rtlCol="0" anchor="ctr"/>
+          <a:lstStyle/>
+          <a:p>
+            <a:pPr algn="ctr"/>
+            <a:endParaRPr lang="fr-FR" sz="1600"/>
+          </a:p>
+        </p:txBody>
+      </p:sp>
+      <p:sp>
+        <p:nvSpPr>
+          <p:cNvPr id="15" name="Ellipse 14">
+            <a:extLst>
+              <a:ext uri="{FF2B5EF4-FFF2-40B4-BE49-F238E27FC236}">
+                <a16:creationId xmlns:a16="http://schemas.microsoft.com/office/drawing/2014/main" id="{ECD49511-D01C-BBC3-B057-1A07F9B200CE}"/>
+              </a:ext>
+            </a:extLst>
+          </p:cNvPr>
+          <p:cNvSpPr/>
+          <p:nvPr/>
+        </p:nvSpPr>
+        <p:spPr>
+          <a:xfrm>
+            <a:off x="1389681" y="1576006"/>
+            <a:ext cx="82268" cy="82268"/>
+          </a:xfrm>
+          <a:prstGeom prst="ellipse">
+            <a:avLst/>
+          </a:prstGeom>
+          <a:solidFill>
+            <a:schemeClr val="bg1"/>
+          </a:solidFill>
+          <a:ln>
+            <a:noFill/>
+          </a:ln>
+        </p:spPr>
+        <p:style>
+          <a:lnRef idx="2">
+            <a:schemeClr val="accent1">
+              <a:shade val="50000"/>
+            </a:schemeClr>
+          </a:lnRef>
+          <a:fillRef idx="1">
+            <a:schemeClr val="accent1"/>
+          </a:fillRef>
+          <a:effectRef idx="0">
+            <a:schemeClr val="accent1"/>
+          </a:effectRef>
+          <a:fontRef idx="minor">
+            <a:schemeClr val="lt1"/>
+          </a:fontRef>
+        </p:style>
+        <p:txBody>
+          <a:bodyPr rtlCol="0" anchor="ctr"/>
+          <a:lstStyle/>
+          <a:p>
+            <a:pPr algn="ctr"/>
+            <a:endParaRPr lang="fr-FR" sz="1600"/>
+          </a:p>
+        </p:txBody>
+      </p:sp>
+      <p:sp>
+        <p:nvSpPr>
+          <p:cNvPr id="16" name="Ellipse 15">
+            <a:extLst>
+              <a:ext uri="{FF2B5EF4-FFF2-40B4-BE49-F238E27FC236}">
+                <a16:creationId xmlns:a16="http://schemas.microsoft.com/office/drawing/2014/main" id="{45CAED79-6C0F-C208-AED7-C49455FEA5DE}"/>
+              </a:ext>
+            </a:extLst>
+          </p:cNvPr>
+          <p:cNvSpPr/>
+          <p:nvPr/>
+        </p:nvSpPr>
+        <p:spPr>
+          <a:xfrm>
+            <a:off x="2629301" y="1586863"/>
+            <a:ext cx="82268" cy="82268"/>
+          </a:xfrm>
+          <a:prstGeom prst="ellipse">
+            <a:avLst/>
+          </a:prstGeom>
+          <a:solidFill>
+            <a:schemeClr val="bg1"/>
+          </a:solidFill>
+          <a:ln>
+            <a:noFill/>
+          </a:ln>
+        </p:spPr>
+        <p:style>
+          <a:lnRef idx="2">
+            <a:schemeClr val="accent1">
+              <a:shade val="50000"/>
+            </a:schemeClr>
+          </a:lnRef>
+          <a:fillRef idx="1">
+            <a:schemeClr val="accent1"/>
+          </a:fillRef>
+          <a:effectRef idx="0">
+            <a:schemeClr val="accent1"/>
+          </a:effectRef>
+          <a:fontRef idx="minor">
+            <a:schemeClr val="lt1"/>
+          </a:fontRef>
+        </p:style>
+        <p:txBody>
+          <a:bodyPr rtlCol="0" anchor="ctr"/>
+          <a:lstStyle/>
+          <a:p>
+            <a:pPr algn="ctr"/>
+            <a:endParaRPr lang="fr-FR" sz="1600"/>
+          </a:p>
+        </p:txBody>
+      </p:sp>
+      <p:sp>
+        <p:nvSpPr>
+          <p:cNvPr id="18" name="Ellipse 17">
+            <a:extLst>
+              <a:ext uri="{FF2B5EF4-FFF2-40B4-BE49-F238E27FC236}">
+                <a16:creationId xmlns:a16="http://schemas.microsoft.com/office/drawing/2014/main" id="{7CEA41C9-2B35-D4A2-6D5B-45E6D59FCB7D}"/>
+              </a:ext>
+            </a:extLst>
+          </p:cNvPr>
+          <p:cNvSpPr/>
+          <p:nvPr/>
+        </p:nvSpPr>
+        <p:spPr>
+          <a:xfrm>
+            <a:off x="3421995" y="3879249"/>
+            <a:ext cx="82268" cy="82268"/>
+          </a:xfrm>
+          <a:prstGeom prst="ellipse">
+            <a:avLst/>
+          </a:prstGeom>
+          <a:solidFill>
+            <a:schemeClr val="bg1"/>
+          </a:solidFill>
+          <a:ln>
+            <a:noFill/>
+          </a:ln>
+        </p:spPr>
+        <p:style>
+          <a:lnRef idx="2">
+            <a:schemeClr val="accent1">
+              <a:shade val="50000"/>
+            </a:schemeClr>
+          </a:lnRef>
+          <a:fillRef idx="1">
+            <a:schemeClr val="accent1"/>
+          </a:fillRef>
+          <a:effectRef idx="0">
+            <a:schemeClr val="accent1"/>
+          </a:effectRef>
+          <a:fontRef idx="minor">
+            <a:schemeClr val="lt1"/>
+          </a:fontRef>
+        </p:style>
+        <p:txBody>
+          <a:bodyPr rtlCol="0" anchor="ctr"/>
+          <a:lstStyle/>
+          <a:p>
+            <a:pPr algn="ctr"/>
+            <a:endParaRPr lang="fr-FR" sz="1600"/>
+          </a:p>
+        </p:txBody>
+      </p:sp>
+      <p:sp>
+        <p:nvSpPr>
+          <p:cNvPr id="19" name="Ellipse 18">
+            <a:extLst>
+              <a:ext uri="{FF2B5EF4-FFF2-40B4-BE49-F238E27FC236}">
+                <a16:creationId xmlns:a16="http://schemas.microsoft.com/office/drawing/2014/main" id="{B6491816-7187-D20D-9E4E-043103CC0000}"/>
+              </a:ext>
+            </a:extLst>
+          </p:cNvPr>
+          <p:cNvSpPr/>
+          <p:nvPr/>
+        </p:nvSpPr>
+        <p:spPr>
+          <a:xfrm>
+            <a:off x="4378567" y="4375251"/>
+            <a:ext cx="82268" cy="82268"/>
+          </a:xfrm>
+          <a:prstGeom prst="ellipse">
+            <a:avLst/>
+          </a:prstGeom>
+          <a:solidFill>
+            <a:schemeClr val="bg1"/>
+          </a:solidFill>
+          <a:ln>
+            <a:noFill/>
+          </a:ln>
+        </p:spPr>
+        <p:style>
+          <a:lnRef idx="2">
+            <a:schemeClr val="accent1">
+              <a:shade val="50000"/>
+            </a:schemeClr>
+          </a:lnRef>
+          <a:fillRef idx="1">
+            <a:schemeClr val="accent1"/>
+          </a:fillRef>
+          <a:effectRef idx="0">
+            <a:schemeClr val="accent1"/>
+          </a:effectRef>
+          <a:fontRef idx="minor">
+            <a:schemeClr val="lt1"/>
+          </a:fontRef>
+        </p:style>
+        <p:txBody>
+          <a:bodyPr rtlCol="0" anchor="ctr"/>
+          <a:lstStyle/>
+          <a:p>
+            <a:pPr algn="ctr"/>
+            <a:endParaRPr lang="fr-FR" sz="1600"/>
+          </a:p>
+        </p:txBody>
+      </p:sp>
+      <p:sp>
+        <p:nvSpPr>
+          <p:cNvPr id="20" name="Ellipse 19">
+            <a:extLst>
+              <a:ext uri="{FF2B5EF4-FFF2-40B4-BE49-F238E27FC236}">
+                <a16:creationId xmlns:a16="http://schemas.microsoft.com/office/drawing/2014/main" id="{33B605A2-AA04-CE07-6900-472341429AE1}"/>
+              </a:ext>
+            </a:extLst>
+          </p:cNvPr>
+          <p:cNvSpPr/>
+          <p:nvPr/>
+        </p:nvSpPr>
+        <p:spPr>
+          <a:xfrm>
+            <a:off x="4385906" y="3690162"/>
+            <a:ext cx="82268" cy="82268"/>
+          </a:xfrm>
+          <a:prstGeom prst="ellipse">
+            <a:avLst/>
+          </a:prstGeom>
+          <a:solidFill>
+            <a:schemeClr val="bg1"/>
+          </a:solidFill>
+          <a:ln>
+            <a:noFill/>
+          </a:ln>
+        </p:spPr>
+        <p:style>
+          <a:lnRef idx="2">
+            <a:schemeClr val="accent1">
+              <a:shade val="50000"/>
+            </a:schemeClr>
+          </a:lnRef>
+          <a:fillRef idx="1">
+            <a:schemeClr val="accent1"/>
+          </a:fillRef>
+          <a:effectRef idx="0">
+            <a:schemeClr val="accent1"/>
+          </a:effectRef>
+          <a:fontRef idx="minor">
+            <a:schemeClr val="lt1"/>
+          </a:fontRef>
+        </p:style>
+        <p:txBody>
+          <a:bodyPr rtlCol="0" anchor="ctr"/>
+          <a:lstStyle/>
+          <a:p>
+            <a:pPr algn="ctr"/>
+            <a:endParaRPr lang="fr-FR" sz="1600"/>
+          </a:p>
+        </p:txBody>
+      </p:sp>
+      <p:sp>
+        <p:nvSpPr>
+          <p:cNvPr id="21" name="Ellipse 20">
+            <a:extLst>
+              <a:ext uri="{FF2B5EF4-FFF2-40B4-BE49-F238E27FC236}">
+                <a16:creationId xmlns:a16="http://schemas.microsoft.com/office/drawing/2014/main" id="{BE260751-EDEB-A4BA-5478-FB569C39A3A7}"/>
+              </a:ext>
+            </a:extLst>
+          </p:cNvPr>
+          <p:cNvSpPr/>
+          <p:nvPr/>
+        </p:nvSpPr>
+        <p:spPr>
+          <a:xfrm>
+            <a:off x="6240710" y="4598392"/>
+            <a:ext cx="82268" cy="82268"/>
+          </a:xfrm>
+          <a:prstGeom prst="ellipse">
+            <a:avLst/>
+          </a:prstGeom>
+          <a:solidFill>
+            <a:schemeClr val="bg1"/>
+          </a:solidFill>
+          <a:ln>
+            <a:noFill/>
+          </a:ln>
+        </p:spPr>
+        <p:style>
+          <a:lnRef idx="2">
+            <a:schemeClr val="accent1">
+              <a:shade val="50000"/>
+            </a:schemeClr>
+          </a:lnRef>
+          <a:fillRef idx="1">
+            <a:schemeClr val="accent1"/>
+          </a:fillRef>
+          <a:effectRef idx="0">
+            <a:schemeClr val="accent1"/>
+          </a:effectRef>
+          <a:fontRef idx="minor">
+            <a:schemeClr val="lt1"/>
+          </a:fontRef>
+        </p:style>
+        <p:txBody>
+          <a:bodyPr rtlCol="0" anchor="ctr"/>
+          <a:lstStyle/>
+          <a:p>
+            <a:pPr algn="ctr"/>
+            <a:endParaRPr lang="fr-FR" sz="1600"/>
+          </a:p>
+        </p:txBody>
+      </p:sp>
+      <p:sp>
+        <p:nvSpPr>
+          <p:cNvPr id="22" name="Ellipse 21">
+            <a:extLst>
+              <a:ext uri="{FF2B5EF4-FFF2-40B4-BE49-F238E27FC236}">
+                <a16:creationId xmlns:a16="http://schemas.microsoft.com/office/drawing/2014/main" id="{D3698EC1-813C-7A2A-7172-8CFE7B5262BD}"/>
+              </a:ext>
+            </a:extLst>
+          </p:cNvPr>
+          <p:cNvSpPr/>
+          <p:nvPr/>
+        </p:nvSpPr>
+        <p:spPr>
+          <a:xfrm>
+            <a:off x="6942322" y="4755115"/>
+            <a:ext cx="82268" cy="82268"/>
+          </a:xfrm>
+          <a:prstGeom prst="ellipse">
+            <a:avLst/>
+          </a:prstGeom>
+          <a:solidFill>
+            <a:schemeClr val="bg1"/>
+          </a:solidFill>
+          <a:ln>
+            <a:noFill/>
+          </a:ln>
+        </p:spPr>
+        <p:style>
+          <a:lnRef idx="2">
+            <a:schemeClr val="accent1">
+              <a:shade val="50000"/>
+            </a:schemeClr>
+          </a:lnRef>
+          <a:fillRef idx="1">
+            <a:schemeClr val="accent1"/>
+          </a:fillRef>
+          <a:effectRef idx="0">
+            <a:schemeClr val="accent1"/>
+          </a:effectRef>
+          <a:fontRef idx="minor">
+            <a:schemeClr val="lt1"/>
+          </a:fontRef>
+        </p:style>
+        <p:txBody>
+          <a:bodyPr rtlCol="0" anchor="ctr"/>
+          <a:lstStyle/>
+          <a:p>
+            <a:pPr algn="ctr"/>
+            <a:endParaRPr lang="fr-FR" sz="1600"/>
+          </a:p>
+        </p:txBody>
+      </p:sp>
+      <p:sp>
+        <p:nvSpPr>
+          <p:cNvPr id="26" name="Ellipse 25">
+            <a:extLst>
+              <a:ext uri="{FF2B5EF4-FFF2-40B4-BE49-F238E27FC236}">
+                <a16:creationId xmlns:a16="http://schemas.microsoft.com/office/drawing/2014/main" id="{425E997E-D002-5C66-DB46-42A8DA8ED4B4}"/>
+              </a:ext>
+            </a:extLst>
+          </p:cNvPr>
+          <p:cNvSpPr/>
+          <p:nvPr/>
+        </p:nvSpPr>
+        <p:spPr>
+          <a:xfrm>
+            <a:off x="8870725" y="3686564"/>
+            <a:ext cx="82268" cy="82268"/>
+          </a:xfrm>
+          <a:prstGeom prst="ellipse">
+            <a:avLst/>
+          </a:prstGeom>
+          <a:solidFill>
+            <a:schemeClr val="bg1"/>
+          </a:solidFill>
+          <a:ln>
+            <a:noFill/>
+          </a:ln>
+        </p:spPr>
+        <p:style>
+          <a:lnRef idx="2">
+            <a:schemeClr val="accent1">
+              <a:shade val="50000"/>
+            </a:schemeClr>
+          </a:lnRef>
+          <a:fillRef idx="1">
+            <a:schemeClr val="accent1"/>
+          </a:fillRef>
+          <a:effectRef idx="0">
+            <a:schemeClr val="accent1"/>
+          </a:effectRef>
+          <a:fontRef idx="minor">
+            <a:schemeClr val="lt1"/>
+          </a:fontRef>
+        </p:style>
+        <p:txBody>
+          <a:bodyPr rtlCol="0" anchor="ctr"/>
+          <a:lstStyle/>
+          <a:p>
+            <a:pPr algn="ctr"/>
+            <a:endParaRPr lang="fr-FR" sz="1600"/>
+          </a:p>
+        </p:txBody>
+      </p:sp>
+      <p:sp>
+        <p:nvSpPr>
+          <p:cNvPr id="27" name="Ellipse 26">
+            <a:extLst>
+              <a:ext uri="{FF2B5EF4-FFF2-40B4-BE49-F238E27FC236}">
+                <a16:creationId xmlns:a16="http://schemas.microsoft.com/office/drawing/2014/main" id="{FEE3E0E4-EC6F-98BB-5B4B-273AA0754F22}"/>
+              </a:ext>
+            </a:extLst>
+          </p:cNvPr>
+          <p:cNvSpPr/>
+          <p:nvPr/>
+        </p:nvSpPr>
+        <p:spPr>
+          <a:xfrm>
+            <a:off x="8845088" y="2430555"/>
+            <a:ext cx="82268" cy="82268"/>
+          </a:xfrm>
+          <a:prstGeom prst="ellipse">
+            <a:avLst/>
+          </a:prstGeom>
+          <a:solidFill>
+            <a:schemeClr val="bg1"/>
+          </a:solidFill>
+          <a:ln>
+            <a:noFill/>
+          </a:ln>
+        </p:spPr>
+        <p:style>
+          <a:lnRef idx="2">
+            <a:schemeClr val="accent1">
+              <a:shade val="50000"/>
+            </a:schemeClr>
+          </a:lnRef>
+          <a:fillRef idx="1">
+            <a:schemeClr val="accent1"/>
+          </a:fillRef>
+          <a:effectRef idx="0">
+            <a:schemeClr val="accent1"/>
+          </a:effectRef>
+          <a:fontRef idx="minor">
+            <a:schemeClr val="lt1"/>
+          </a:fontRef>
+        </p:style>
+        <p:txBody>
+          <a:bodyPr rtlCol="0" anchor="ctr"/>
+          <a:lstStyle/>
+          <a:p>
+            <a:pPr algn="ctr"/>
+            <a:endParaRPr lang="fr-FR" sz="1600"/>
+          </a:p>
+        </p:txBody>
+      </p:sp>
+      <p:sp>
+        <p:nvSpPr>
+          <p:cNvPr id="32" name="Ellipse 31">
+            <a:extLst>
+              <a:ext uri="{FF2B5EF4-FFF2-40B4-BE49-F238E27FC236}">
+                <a16:creationId xmlns:a16="http://schemas.microsoft.com/office/drawing/2014/main" id="{C8275DF4-CE23-4C60-0CA2-F00466D9345E}"/>
+              </a:ext>
+            </a:extLst>
+          </p:cNvPr>
+          <p:cNvSpPr/>
+          <p:nvPr/>
+        </p:nvSpPr>
+        <p:spPr>
+          <a:xfrm>
+            <a:off x="1605927" y="2760248"/>
+            <a:ext cx="82268" cy="82268"/>
+          </a:xfrm>
+          <a:prstGeom prst="ellipse">
+            <a:avLst/>
+          </a:prstGeom>
+          <a:solidFill>
+            <a:schemeClr val="bg1"/>
+          </a:solidFill>
+          <a:ln>
+            <a:noFill/>
+          </a:ln>
+        </p:spPr>
+        <p:style>
+          <a:lnRef idx="2">
+            <a:schemeClr val="accent1">
+              <a:shade val="50000"/>
+            </a:schemeClr>
+          </a:lnRef>
+          <a:fillRef idx="1">
+            <a:schemeClr val="accent1"/>
+          </a:fillRef>
+          <a:effectRef idx="0">
+            <a:schemeClr val="accent1"/>
+          </a:effectRef>
+          <a:fontRef idx="minor">
+            <a:schemeClr val="lt1"/>
+          </a:fontRef>
+        </p:style>
+        <p:txBody>
+          <a:bodyPr rtlCol="0" anchor="ctr"/>
+          <a:lstStyle/>
+          <a:p>
+            <a:pPr algn="ctr"/>
+            <a:endParaRPr lang="fr-FR" sz="1600"/>
+          </a:p>
+        </p:txBody>
+      </p:sp>
+      <p:sp>
+        <p:nvSpPr>
+          <p:cNvPr id="39" name="Ellipse 38">
+            <a:extLst>
+              <a:ext uri="{FF2B5EF4-FFF2-40B4-BE49-F238E27FC236}">
+                <a16:creationId xmlns:a16="http://schemas.microsoft.com/office/drawing/2014/main" id="{BBA5E312-F29E-F0E4-980F-804F4DE848AB}"/>
+              </a:ext>
+            </a:extLst>
+          </p:cNvPr>
+          <p:cNvSpPr/>
+          <p:nvPr/>
+        </p:nvSpPr>
+        <p:spPr>
+          <a:xfrm>
+            <a:off x="2312867" y="2778536"/>
+            <a:ext cx="82268" cy="82268"/>
+          </a:xfrm>
+          <a:prstGeom prst="ellipse">
+            <a:avLst/>
+          </a:prstGeom>
+          <a:solidFill>
+            <a:schemeClr val="bg1"/>
+          </a:solidFill>
+          <a:ln>
+            <a:noFill/>
+          </a:ln>
+        </p:spPr>
+        <p:style>
+          <a:lnRef idx="2">
+            <a:schemeClr val="accent1">
+              <a:shade val="50000"/>
+            </a:schemeClr>
+          </a:lnRef>
+          <a:fillRef idx="1">
+            <a:schemeClr val="accent1"/>
+          </a:fillRef>
+          <a:effectRef idx="0">
+            <a:schemeClr val="accent1"/>
+          </a:effectRef>
+          <a:fontRef idx="minor">
+            <a:schemeClr val="lt1"/>
+          </a:fontRef>
+        </p:style>
+        <p:txBody>
+          <a:bodyPr rtlCol="0" anchor="ctr"/>
+          <a:lstStyle/>
+          <a:p>
+            <a:pPr algn="ctr"/>
+            <a:endParaRPr lang="fr-FR" sz="1600"/>
+          </a:p>
+        </p:txBody>
+      </p:sp>
+      <p:sp>
+        <p:nvSpPr>
+          <p:cNvPr id="51" name="Ellipse 50">
+            <a:extLst>
+              <a:ext uri="{FF2B5EF4-FFF2-40B4-BE49-F238E27FC236}">
+                <a16:creationId xmlns:a16="http://schemas.microsoft.com/office/drawing/2014/main" id="{F1486058-80E8-FC15-7E04-8F4C06EB27B0}"/>
+              </a:ext>
+            </a:extLst>
+          </p:cNvPr>
+          <p:cNvSpPr/>
+          <p:nvPr/>
+        </p:nvSpPr>
+        <p:spPr>
+          <a:xfrm>
+            <a:off x="5320203" y="1346102"/>
+            <a:ext cx="82268" cy="82268"/>
+          </a:xfrm>
+          <a:prstGeom prst="ellipse">
+            <a:avLst/>
+          </a:prstGeom>
+          <a:solidFill>
+            <a:schemeClr val="bg1"/>
+          </a:solidFill>
+          <a:ln>
+            <a:noFill/>
+          </a:ln>
+        </p:spPr>
+        <p:style>
+          <a:lnRef idx="2">
+            <a:schemeClr val="accent1">
+              <a:shade val="50000"/>
+            </a:schemeClr>
+          </a:lnRef>
+          <a:fillRef idx="1">
+            <a:schemeClr val="accent1"/>
+          </a:fillRef>
+          <a:effectRef idx="0">
+            <a:schemeClr val="accent1"/>
+          </a:effectRef>
+          <a:fontRef idx="minor">
+            <a:schemeClr val="lt1"/>
+          </a:fontRef>
+        </p:style>
+        <p:txBody>
+          <a:bodyPr rtlCol="0" anchor="ctr"/>
+          <a:lstStyle/>
+          <a:p>
+            <a:pPr algn="ctr"/>
+            <a:endParaRPr lang="fr-FR" sz="1600"/>
+          </a:p>
+        </p:txBody>
+      </p:sp>
+      <p:sp>
+        <p:nvSpPr>
+          <p:cNvPr id="54" name="Ellipse 53">
+            <a:extLst>
+              <a:ext uri="{FF2B5EF4-FFF2-40B4-BE49-F238E27FC236}">
+                <a16:creationId xmlns:a16="http://schemas.microsoft.com/office/drawing/2014/main" id="{C48B6303-4E30-61C4-7DF4-436B676B578F}"/>
+              </a:ext>
+            </a:extLst>
+          </p:cNvPr>
+          <p:cNvSpPr/>
+          <p:nvPr/>
+        </p:nvSpPr>
+        <p:spPr>
+          <a:xfrm>
+            <a:off x="1399496" y="3972452"/>
+            <a:ext cx="82268" cy="82268"/>
+          </a:xfrm>
+          <a:prstGeom prst="ellipse">
+            <a:avLst/>
+          </a:prstGeom>
+          <a:solidFill>
+            <a:schemeClr val="bg1"/>
+          </a:solidFill>
+          <a:ln>
+            <a:noFill/>
+          </a:ln>
+        </p:spPr>
+        <p:style>
+          <a:lnRef idx="2">
+            <a:schemeClr val="accent1">
+              <a:shade val="50000"/>
+            </a:schemeClr>
+          </a:lnRef>
+          <a:fillRef idx="1">
+            <a:schemeClr val="accent1"/>
+          </a:fillRef>
+          <a:effectRef idx="0">
+            <a:schemeClr val="accent1"/>
+          </a:effectRef>
+          <a:fontRef idx="minor">
+            <a:schemeClr val="lt1"/>
+          </a:fontRef>
+        </p:style>
+        <p:txBody>
+          <a:bodyPr rtlCol="0" anchor="ctr"/>
+          <a:lstStyle/>
+          <a:p>
+            <a:pPr algn="ctr"/>
+            <a:endParaRPr lang="fr-FR" sz="1600"/>
+          </a:p>
+        </p:txBody>
+      </p:sp>
+      <p:sp>
+        <p:nvSpPr>
+          <p:cNvPr id="66" name="Ellipse 65">
+            <a:extLst>
+              <a:ext uri="{FF2B5EF4-FFF2-40B4-BE49-F238E27FC236}">
+                <a16:creationId xmlns:a16="http://schemas.microsoft.com/office/drawing/2014/main" id="{60582586-AAD6-78EA-D59D-6FA41CF1F381}"/>
+              </a:ext>
+            </a:extLst>
+          </p:cNvPr>
+          <p:cNvSpPr/>
+          <p:nvPr/>
+        </p:nvSpPr>
+        <p:spPr>
+          <a:xfrm>
+            <a:off x="6536422" y="1925910"/>
+            <a:ext cx="82268" cy="82268"/>
+          </a:xfrm>
+          <a:prstGeom prst="ellipse">
+            <a:avLst/>
+          </a:prstGeom>
+          <a:solidFill>
+            <a:schemeClr val="bg1"/>
+          </a:solidFill>
+          <a:ln>
+            <a:noFill/>
+          </a:ln>
+        </p:spPr>
+        <p:style>
+          <a:lnRef idx="2">
+            <a:schemeClr val="accent1">
+              <a:shade val="50000"/>
+            </a:schemeClr>
+          </a:lnRef>
+          <a:fillRef idx="1">
+            <a:schemeClr val="accent1"/>
+          </a:fillRef>
+          <a:effectRef idx="0">
+            <a:schemeClr val="accent1"/>
+          </a:effectRef>
+          <a:fontRef idx="minor">
+            <a:schemeClr val="lt1"/>
+          </a:fontRef>
+        </p:style>
+        <p:txBody>
+          <a:bodyPr rtlCol="0" anchor="ctr"/>
+          <a:lstStyle/>
+          <a:p>
+            <a:pPr algn="ctr"/>
+            <a:endParaRPr lang="fr-FR" sz="1600"/>
+          </a:p>
+        </p:txBody>
+      </p:sp>
+      <p:sp>
+        <p:nvSpPr>
+          <p:cNvPr id="73" name="Ellipse 72">
+            <a:extLst>
+              <a:ext uri="{FF2B5EF4-FFF2-40B4-BE49-F238E27FC236}">
+                <a16:creationId xmlns:a16="http://schemas.microsoft.com/office/drawing/2014/main" id="{2DDFDC0F-A973-A368-4610-E4339502364E}"/>
+              </a:ext>
+            </a:extLst>
+          </p:cNvPr>
+          <p:cNvSpPr/>
+          <p:nvPr/>
+        </p:nvSpPr>
+        <p:spPr>
+          <a:xfrm>
+            <a:off x="4557636" y="1325535"/>
+            <a:ext cx="82268" cy="82268"/>
+          </a:xfrm>
+          <a:prstGeom prst="ellipse">
+            <a:avLst/>
+          </a:prstGeom>
+          <a:solidFill>
+            <a:schemeClr val="bg1"/>
+          </a:solidFill>
+          <a:ln>
+            <a:noFill/>
+          </a:ln>
+        </p:spPr>
+        <p:style>
+          <a:lnRef idx="2">
+            <a:schemeClr val="accent1">
+              <a:shade val="50000"/>
+            </a:schemeClr>
+          </a:lnRef>
+          <a:fillRef idx="1">
+            <a:schemeClr val="accent1"/>
+          </a:fillRef>
+          <a:effectRef idx="0">
+            <a:schemeClr val="accent1"/>
+          </a:effectRef>
+          <a:fontRef idx="minor">
+            <a:schemeClr val="lt1"/>
+          </a:fontRef>
+        </p:style>
+        <p:txBody>
+          <a:bodyPr rtlCol="0" anchor="ctr"/>
+          <a:lstStyle/>
+          <a:p>
+            <a:pPr algn="ctr"/>
+            <a:endParaRPr lang="fr-FR" sz="1600"/>
+          </a:p>
+        </p:txBody>
+      </p:sp>
+      <p:sp>
+        <p:nvSpPr>
+          <p:cNvPr id="78" name="Ellipse 77">
+            <a:extLst>
+              <a:ext uri="{FF2B5EF4-FFF2-40B4-BE49-F238E27FC236}">
+                <a16:creationId xmlns:a16="http://schemas.microsoft.com/office/drawing/2014/main" id="{02817D35-0371-A446-5D53-9E5BD9D8CE18}"/>
+              </a:ext>
+            </a:extLst>
+          </p:cNvPr>
+          <p:cNvSpPr/>
+          <p:nvPr/>
+        </p:nvSpPr>
+        <p:spPr>
+          <a:xfrm>
+            <a:off x="2726809" y="3852362"/>
+            <a:ext cx="82268" cy="82268"/>
+          </a:xfrm>
+          <a:prstGeom prst="ellipse">
+            <a:avLst/>
+          </a:prstGeom>
+          <a:solidFill>
+            <a:schemeClr val="bg1"/>
+          </a:solidFill>
+          <a:ln>
+            <a:noFill/>
+          </a:ln>
+        </p:spPr>
+        <p:style>
+          <a:lnRef idx="2">
+            <a:schemeClr val="accent1">
+              <a:shade val="50000"/>
+            </a:schemeClr>
+          </a:lnRef>
+          <a:fillRef idx="1">
+            <a:schemeClr val="accent1"/>
+          </a:fillRef>
+          <a:effectRef idx="0">
+            <a:schemeClr val="accent1"/>
+          </a:effectRef>
+          <a:fontRef idx="minor">
+            <a:schemeClr val="lt1"/>
+          </a:fontRef>
+        </p:style>
+        <p:txBody>
+          <a:bodyPr rtlCol="0" anchor="ctr"/>
+          <a:lstStyle/>
+          <a:p>
+            <a:pPr algn="ctr"/>
+            <a:endParaRPr lang="fr-FR" sz="1600"/>
+          </a:p>
+        </p:txBody>
+      </p:sp>
+      <p:sp>
+        <p:nvSpPr>
+          <p:cNvPr id="88" name="Ellipse 87">
+            <a:extLst>
+              <a:ext uri="{FF2B5EF4-FFF2-40B4-BE49-F238E27FC236}">
+                <a16:creationId xmlns:a16="http://schemas.microsoft.com/office/drawing/2014/main" id="{45D091EF-BFCD-5B52-386E-E3B81B72B1DF}"/>
+              </a:ext>
+            </a:extLst>
+          </p:cNvPr>
+          <p:cNvSpPr/>
+          <p:nvPr/>
+        </p:nvSpPr>
+        <p:spPr>
+          <a:xfrm>
+            <a:off x="8104565" y="2483829"/>
+            <a:ext cx="82268" cy="82268"/>
+          </a:xfrm>
+          <a:prstGeom prst="ellipse">
+            <a:avLst/>
+          </a:prstGeom>
+          <a:solidFill>
+            <a:schemeClr val="bg1"/>
+          </a:solidFill>
+          <a:ln>
+            <a:noFill/>
+          </a:ln>
+        </p:spPr>
+        <p:style>
+          <a:lnRef idx="2">
+            <a:schemeClr val="accent1">
+              <a:shade val="50000"/>
+            </a:schemeClr>
+          </a:lnRef>
+          <a:fillRef idx="1">
+            <a:schemeClr val="accent1"/>
+          </a:fillRef>
+          <a:effectRef idx="0">
+            <a:schemeClr val="accent1"/>
+          </a:effectRef>
+          <a:fontRef idx="minor">
+            <a:schemeClr val="lt1"/>
+          </a:fontRef>
+        </p:style>
+        <p:txBody>
+          <a:bodyPr rtlCol="0" anchor="ctr"/>
+          <a:lstStyle/>
+          <a:p>
+            <a:pPr algn="ctr"/>
+            <a:endParaRPr lang="fr-FR" sz="1600"/>
+          </a:p>
+        </p:txBody>
+      </p:sp>
+      <p:graphicFrame>
+        <p:nvGraphicFramePr>
+          <p:cNvPr id="2" name="Tableau 1">
+            <a:extLst>
+              <a:ext uri="{FF2B5EF4-FFF2-40B4-BE49-F238E27FC236}">
+                <a16:creationId xmlns:a16="http://schemas.microsoft.com/office/drawing/2014/main" id="{DB00579A-CA33-D830-7B42-F6402BAB0EC3}"/>
+              </a:ext>
+            </a:extLst>
+          </p:cNvPr>
+          <p:cNvGraphicFramePr>
+            <a:graphicFrameLocks noGrp="1"/>
+          </p:cNvGraphicFramePr>
+          <p:nvPr>
+            <p:extLst>
+              <p:ext uri="{D42A27DB-BD31-4B8C-83A1-F6EECF244321}">
+                <p14:modId xmlns:p14="http://schemas.microsoft.com/office/powerpoint/2010/main" val="891092798"/>
+              </p:ext>
+            </p:extLst>
+          </p:nvPr>
+        </p:nvGraphicFramePr>
+        <p:xfrm>
+          <a:off x="1630243" y="2547193"/>
+          <a:ext cx="759854" cy="852965"/>
+        </p:xfrm>
+        <a:graphic>
+          <a:graphicData uri="http://schemas.openxmlformats.org/drawingml/2006/table">
+            <a:tbl>
+              <a:tblPr firstRow="1" bandRow="1">
+                <a:tableStyleId>{5C22544A-7EE6-4342-B048-85BDC9FD1C3A}</a:tableStyleId>
+              </a:tblPr>
+              <a:tblGrid>
+                <a:gridCol w="759854">
+                  <a:extLst>
+                    <a:ext uri="{9D8B030D-6E8A-4147-A177-3AD203B41FA5}">
+                      <a16:colId xmlns:a16="http://schemas.microsoft.com/office/drawing/2014/main" val="1106292335"/>
+                    </a:ext>
+                  </a:extLst>
+                </a:gridCol>
+              </a:tblGrid>
+              <a:tr h="175005">
+                <a:tc>
+                  <a:txBody>
+                    <a:bodyPr/>
+                    <a:lstStyle/>
+                    <a:p>
+                      <a:r>
+                        <a:rPr lang="fr-FR" sz="800" dirty="0"/>
+                        <a:t>FACTURE</a:t>
+                      </a:r>
+                    </a:p>
+                  </a:txBody>
+                  <a:tcPr marL="41792" marR="41792" marT="20896" marB="20896"/>
+                </a:tc>
+                <a:extLst>
+                  <a:ext uri="{0D108BD9-81ED-4DB2-BD59-A6C34878D82A}">
+                    <a16:rowId xmlns:a16="http://schemas.microsoft.com/office/drawing/2014/main" val="2248337773"/>
+                  </a:ext>
+                </a:extLst>
+              </a:tr>
+              <a:tr h="169490">
+                <a:tc>
+                  <a:txBody>
+                    <a:bodyPr/>
+                    <a:lstStyle/>
+                    <a:p>
+                      <a:pPr algn="l" fontAlgn="b"/>
+                      <a:r>
+                        <a:rPr lang="fr-FR" sz="800" b="1" i="0" u="sng" strike="noStrike" dirty="0" err="1">
+                          <a:solidFill>
+                            <a:srgbClr val="000000"/>
+                          </a:solidFill>
+                          <a:effectLst/>
+                          <a:latin typeface="Calibri" panose="020F0502020204030204" pitchFamily="34" charset="0"/>
+                        </a:rPr>
+                        <a:t>NumFac</a:t>
+                      </a:r>
+                      <a:endParaRPr lang="fr-FR" sz="800" b="1" i="0" u="sng" strike="noStrike" dirty="0">
+                        <a:solidFill>
+                          <a:srgbClr val="000000"/>
+                        </a:solidFill>
+                        <a:effectLst/>
+                        <a:latin typeface="Calibri" panose="020F0502020204030204" pitchFamily="34" charset="0"/>
+                      </a:endParaRPr>
+                    </a:p>
+                  </a:txBody>
+                  <a:tcPr marL="3483" marR="3483" marT="3483" marB="0" anchor="b"/>
+                </a:tc>
+                <a:extLst>
+                  <a:ext uri="{0D108BD9-81ED-4DB2-BD59-A6C34878D82A}">
+                    <a16:rowId xmlns:a16="http://schemas.microsoft.com/office/drawing/2014/main" val="1339608471"/>
+                  </a:ext>
+                </a:extLst>
+              </a:tr>
+              <a:tr h="169490">
+                <a:tc>
+                  <a:txBody>
+                    <a:bodyPr/>
+                    <a:lstStyle/>
+                    <a:p>
+                      <a:pPr algn="l" fontAlgn="b"/>
+                      <a:r>
+                        <a:rPr lang="fr-FR" sz="800" b="0" i="0" u="none" strike="noStrike">
+                          <a:solidFill>
+                            <a:srgbClr val="000000"/>
+                          </a:solidFill>
+                          <a:effectLst/>
+                          <a:latin typeface="Calibri" panose="020F0502020204030204" pitchFamily="34" charset="0"/>
+                        </a:rPr>
+                        <a:t>DateFac</a:t>
+                      </a:r>
+                    </a:p>
+                  </a:txBody>
+                  <a:tcPr marL="3483" marR="3483" marT="3483" marB="0" anchor="b"/>
+                </a:tc>
+                <a:extLst>
+                  <a:ext uri="{0D108BD9-81ED-4DB2-BD59-A6C34878D82A}">
+                    <a16:rowId xmlns:a16="http://schemas.microsoft.com/office/drawing/2014/main" val="520907775"/>
+                  </a:ext>
+                </a:extLst>
+              </a:tr>
+              <a:tr h="169490">
+                <a:tc>
+                  <a:txBody>
+                    <a:bodyPr/>
+                    <a:lstStyle/>
+                    <a:p>
+                      <a:pPr algn="l" fontAlgn="b"/>
+                      <a:r>
+                        <a:rPr lang="fr-FR" sz="800" b="0" i="0" u="none" strike="noStrike">
+                          <a:solidFill>
+                            <a:srgbClr val="000000"/>
+                          </a:solidFill>
+                          <a:effectLst/>
+                          <a:latin typeface="Calibri" panose="020F0502020204030204" pitchFamily="34" charset="0"/>
+                        </a:rPr>
+                        <a:t>PayéFac</a:t>
+                      </a:r>
+                    </a:p>
+                  </a:txBody>
+                  <a:tcPr marL="3483" marR="3483" marT="3483" marB="0" anchor="b"/>
+                </a:tc>
+                <a:extLst>
+                  <a:ext uri="{0D108BD9-81ED-4DB2-BD59-A6C34878D82A}">
+                    <a16:rowId xmlns:a16="http://schemas.microsoft.com/office/drawing/2014/main" val="3536941682"/>
+                  </a:ext>
+                </a:extLst>
+              </a:tr>
+              <a:tr h="169490">
+                <a:tc>
+                  <a:txBody>
+                    <a:bodyPr/>
+                    <a:lstStyle/>
+                    <a:p>
+                      <a:pPr algn="l" fontAlgn="b"/>
+                      <a:r>
+                        <a:rPr lang="fr-FR" sz="800" b="0" i="0" u="none" strike="noStrike" dirty="0" err="1">
+                          <a:solidFill>
+                            <a:srgbClr val="000000"/>
+                          </a:solidFill>
+                          <a:effectLst/>
+                          <a:latin typeface="Calibri" panose="020F0502020204030204" pitchFamily="34" charset="0"/>
+                        </a:rPr>
+                        <a:t>NumRes</a:t>
+                      </a:r>
+                      <a:endParaRPr lang="fr-FR" sz="800" b="0" i="0" u="none" strike="noStrike" dirty="0">
+                        <a:solidFill>
+                          <a:srgbClr val="000000"/>
+                        </a:solidFill>
+                        <a:effectLst/>
+                        <a:latin typeface="Calibri" panose="020F0502020204030204" pitchFamily="34" charset="0"/>
+                      </a:endParaRPr>
+                    </a:p>
+                  </a:txBody>
+                  <a:tcPr marL="3483" marR="3483" marT="3483" marB="0" anchor="b"/>
+                </a:tc>
+                <a:extLst>
+                  <a:ext uri="{0D108BD9-81ED-4DB2-BD59-A6C34878D82A}">
+                    <a16:rowId xmlns:a16="http://schemas.microsoft.com/office/drawing/2014/main" val="3839858529"/>
+                  </a:ext>
+                </a:extLst>
+              </a:tr>
+            </a:tbl>
+          </a:graphicData>
+        </a:graphic>
+      </p:graphicFrame>
+      <p:graphicFrame>
+        <p:nvGraphicFramePr>
+          <p:cNvPr id="3" name="Tableau 2">
+            <a:extLst>
+              <a:ext uri="{FF2B5EF4-FFF2-40B4-BE49-F238E27FC236}">
+                <a16:creationId xmlns:a16="http://schemas.microsoft.com/office/drawing/2014/main" id="{CA70581A-0381-E3A2-5E5B-D2186A08587C}"/>
+              </a:ext>
+            </a:extLst>
+          </p:cNvPr>
+          <p:cNvGraphicFramePr>
+            <a:graphicFrameLocks noGrp="1"/>
+          </p:cNvGraphicFramePr>
+          <p:nvPr>
+            <p:extLst>
+              <p:ext uri="{D42A27DB-BD31-4B8C-83A1-F6EECF244321}">
+                <p14:modId xmlns:p14="http://schemas.microsoft.com/office/powerpoint/2010/main" val="539053008"/>
+              </p:ext>
+            </p:extLst>
+          </p:nvPr>
+        </p:nvGraphicFramePr>
+        <p:xfrm>
+          <a:off x="2630375" y="1372685"/>
+          <a:ext cx="534222" cy="833232"/>
+        </p:xfrm>
+        <a:graphic>
+          <a:graphicData uri="http://schemas.openxmlformats.org/drawingml/2006/table">
+            <a:tbl>
+              <a:tblPr firstRow="1" bandRow="1">
+                <a:tableStyleId>{5C22544A-7EE6-4342-B048-85BDC9FD1C3A}</a:tableStyleId>
+              </a:tblPr>
+              <a:tblGrid>
+                <a:gridCol w="534222">
+                  <a:extLst>
+                    <a:ext uri="{9D8B030D-6E8A-4147-A177-3AD203B41FA5}">
+                      <a16:colId xmlns:a16="http://schemas.microsoft.com/office/drawing/2014/main" val="1106292335"/>
+                    </a:ext>
+                  </a:extLst>
+                </a:gridCol>
+              </a:tblGrid>
+              <a:tr h="175005">
+                <a:tc>
+                  <a:txBody>
+                    <a:bodyPr/>
+                    <a:lstStyle/>
+                    <a:p>
+                      <a:r>
+                        <a:rPr lang="fr-FR" sz="800" dirty="0"/>
+                        <a:t>Chèque</a:t>
+                      </a:r>
+                    </a:p>
+                  </a:txBody>
+                  <a:tcPr marL="41792" marR="41792" marT="20896" marB="20896"/>
+                </a:tc>
+                <a:extLst>
+                  <a:ext uri="{0D108BD9-81ED-4DB2-BD59-A6C34878D82A}">
+                    <a16:rowId xmlns:a16="http://schemas.microsoft.com/office/drawing/2014/main" val="2248337773"/>
+                  </a:ext>
+                </a:extLst>
+              </a:tr>
+              <a:tr h="175005">
+                <a:tc>
+                  <a:txBody>
+                    <a:bodyPr/>
+                    <a:lstStyle/>
+                    <a:p>
+                      <a:r>
+                        <a:rPr lang="fr-FR" sz="800" b="1" u="sng" dirty="0" err="1"/>
+                        <a:t>NumCh</a:t>
+                      </a:r>
+                      <a:endParaRPr lang="fr-FR" sz="800" b="1" u="sng" dirty="0"/>
+                    </a:p>
+                  </a:txBody>
+                  <a:tcPr marL="41792" marR="41792" marT="20896" marB="20896"/>
+                </a:tc>
+                <a:extLst>
+                  <a:ext uri="{0D108BD9-81ED-4DB2-BD59-A6C34878D82A}">
+                    <a16:rowId xmlns:a16="http://schemas.microsoft.com/office/drawing/2014/main" val="1339608471"/>
+                  </a:ext>
+                </a:extLst>
+              </a:tr>
+              <a:tr h="308217">
+                <a:tc>
+                  <a:txBody>
+                    <a:bodyPr/>
+                    <a:lstStyle/>
+                    <a:p>
+                      <a:r>
+                        <a:rPr lang="fr-FR" sz="800" dirty="0" err="1"/>
+                        <a:t>BanqueCh</a:t>
+                      </a:r>
+                      <a:endParaRPr lang="fr-FR" sz="800" dirty="0"/>
+                    </a:p>
+                  </a:txBody>
+                  <a:tcPr marL="41792" marR="41792" marT="20896" marB="20896"/>
+                </a:tc>
+                <a:extLst>
+                  <a:ext uri="{0D108BD9-81ED-4DB2-BD59-A6C34878D82A}">
+                    <a16:rowId xmlns:a16="http://schemas.microsoft.com/office/drawing/2014/main" val="3536941682"/>
+                  </a:ext>
+                </a:extLst>
+              </a:tr>
+              <a:tr h="175005">
+                <a:tc>
+                  <a:txBody>
+                    <a:bodyPr/>
+                    <a:lstStyle/>
+                    <a:p>
+                      <a:r>
+                        <a:rPr lang="fr-FR" sz="800" dirty="0" err="1"/>
+                        <a:t>NumFac</a:t>
+                      </a:r>
+                      <a:endParaRPr lang="fr-FR" sz="800" dirty="0"/>
+                    </a:p>
+                  </a:txBody>
+                  <a:tcPr marL="41792" marR="41792" marT="20896" marB="20896"/>
+                </a:tc>
+                <a:extLst>
+                  <a:ext uri="{0D108BD9-81ED-4DB2-BD59-A6C34878D82A}">
+                    <a16:rowId xmlns:a16="http://schemas.microsoft.com/office/drawing/2014/main" val="1153549426"/>
+                  </a:ext>
+                </a:extLst>
+              </a:tr>
+            </a:tbl>
+          </a:graphicData>
+        </a:graphic>
+      </p:graphicFrame>
+      <p:graphicFrame>
+        <p:nvGraphicFramePr>
+          <p:cNvPr id="4" name="Tableau 3">
+            <a:extLst>
+              <a:ext uri="{FF2B5EF4-FFF2-40B4-BE49-F238E27FC236}">
+                <a16:creationId xmlns:a16="http://schemas.microsoft.com/office/drawing/2014/main" id="{C4847A3A-F750-770E-A093-59FA464166E4}"/>
+              </a:ext>
+            </a:extLst>
+          </p:cNvPr>
+          <p:cNvGraphicFramePr>
+            <a:graphicFrameLocks noGrp="1"/>
+          </p:cNvGraphicFramePr>
+          <p:nvPr>
+            <p:extLst>
+              <p:ext uri="{D42A27DB-BD31-4B8C-83A1-F6EECF244321}">
+                <p14:modId xmlns:p14="http://schemas.microsoft.com/office/powerpoint/2010/main" val="2838009727"/>
+              </p:ext>
+            </p:extLst>
+          </p:nvPr>
+        </p:nvGraphicFramePr>
+        <p:xfrm>
+          <a:off x="907754" y="1372684"/>
+          <a:ext cx="524061" cy="700020"/>
+        </p:xfrm>
+        <a:graphic>
+          <a:graphicData uri="http://schemas.openxmlformats.org/drawingml/2006/table">
+            <a:tbl>
+              <a:tblPr firstRow="1" bandRow="1">
+                <a:tableStyleId>{5C22544A-7EE6-4342-B048-85BDC9FD1C3A}</a:tableStyleId>
+              </a:tblPr>
+              <a:tblGrid>
+                <a:gridCol w="524061">
+                  <a:extLst>
+                    <a:ext uri="{9D8B030D-6E8A-4147-A177-3AD203B41FA5}">
+                      <a16:colId xmlns:a16="http://schemas.microsoft.com/office/drawing/2014/main" val="1106292335"/>
+                    </a:ext>
+                  </a:extLst>
+                </a:gridCol>
+              </a:tblGrid>
+              <a:tr h="175005">
+                <a:tc>
+                  <a:txBody>
+                    <a:bodyPr/>
+                    <a:lstStyle/>
+                    <a:p>
+                      <a:r>
+                        <a:rPr lang="fr-FR" sz="800" dirty="0"/>
+                        <a:t>Carte</a:t>
+                      </a:r>
+                    </a:p>
+                  </a:txBody>
+                  <a:tcPr marL="41792" marR="41792" marT="20896" marB="20896"/>
+                </a:tc>
+                <a:extLst>
+                  <a:ext uri="{0D108BD9-81ED-4DB2-BD59-A6C34878D82A}">
+                    <a16:rowId xmlns:a16="http://schemas.microsoft.com/office/drawing/2014/main" val="2248337773"/>
+                  </a:ext>
+                </a:extLst>
+              </a:tr>
+              <a:tr h="175005">
+                <a:tc>
+                  <a:txBody>
+                    <a:bodyPr/>
+                    <a:lstStyle/>
+                    <a:p>
+                      <a:r>
+                        <a:rPr lang="fr-FR" sz="800" b="1" u="sng" dirty="0" err="1"/>
+                        <a:t>NumC</a:t>
+                      </a:r>
+                      <a:endParaRPr lang="fr-FR" sz="800" b="1" u="sng" dirty="0"/>
+                    </a:p>
+                  </a:txBody>
+                  <a:tcPr marL="41792" marR="41792" marT="20896" marB="20896"/>
+                </a:tc>
+                <a:extLst>
+                  <a:ext uri="{0D108BD9-81ED-4DB2-BD59-A6C34878D82A}">
+                    <a16:rowId xmlns:a16="http://schemas.microsoft.com/office/drawing/2014/main" val="1339608471"/>
+                  </a:ext>
+                </a:extLst>
+              </a:tr>
+              <a:tr h="175005">
+                <a:tc>
+                  <a:txBody>
+                    <a:bodyPr/>
+                    <a:lstStyle/>
+                    <a:p>
+                      <a:r>
+                        <a:rPr lang="fr-FR" sz="800" dirty="0" err="1"/>
+                        <a:t>DateFinC</a:t>
+                      </a:r>
+                      <a:endParaRPr lang="fr-FR" sz="800" dirty="0"/>
+                    </a:p>
+                  </a:txBody>
+                  <a:tcPr marL="41792" marR="41792" marT="20896" marB="20896"/>
+                </a:tc>
+                <a:extLst>
+                  <a:ext uri="{0D108BD9-81ED-4DB2-BD59-A6C34878D82A}">
+                    <a16:rowId xmlns:a16="http://schemas.microsoft.com/office/drawing/2014/main" val="3536941682"/>
+                  </a:ext>
+                </a:extLst>
+              </a:tr>
+              <a:tr h="175005">
+                <a:tc>
+                  <a:txBody>
+                    <a:bodyPr/>
+                    <a:lstStyle/>
+                    <a:p>
+                      <a:r>
+                        <a:rPr lang="fr-FR" sz="800" dirty="0" err="1"/>
+                        <a:t>NumFac</a:t>
+                      </a:r>
+                      <a:endParaRPr lang="fr-FR" sz="800" dirty="0"/>
+                    </a:p>
+                  </a:txBody>
+                  <a:tcPr marL="41792" marR="41792" marT="20896" marB="20896"/>
+                </a:tc>
+                <a:extLst>
+                  <a:ext uri="{0D108BD9-81ED-4DB2-BD59-A6C34878D82A}">
+                    <a16:rowId xmlns:a16="http://schemas.microsoft.com/office/drawing/2014/main" val="1153549426"/>
+                  </a:ext>
+                </a:extLst>
+              </a:tr>
+            </a:tbl>
+          </a:graphicData>
+        </a:graphic>
+      </p:graphicFrame>
+      <p:graphicFrame>
+        <p:nvGraphicFramePr>
+          <p:cNvPr id="5" name="Tableau 2">
+            <a:extLst>
+              <a:ext uri="{FF2B5EF4-FFF2-40B4-BE49-F238E27FC236}">
+                <a16:creationId xmlns:a16="http://schemas.microsoft.com/office/drawing/2014/main" id="{686C0C6D-BE67-D3AF-895E-D687C31F63C4}"/>
+              </a:ext>
+            </a:extLst>
+          </p:cNvPr>
+          <p:cNvGraphicFramePr>
+            <a:graphicFrameLocks noGrp="1"/>
+          </p:cNvGraphicFramePr>
+          <p:nvPr>
+            <p:extLst>
+              <p:ext uri="{D42A27DB-BD31-4B8C-83A1-F6EECF244321}">
+                <p14:modId xmlns:p14="http://schemas.microsoft.com/office/powerpoint/2010/main" val="2618385878"/>
+              </p:ext>
+            </p:extLst>
+          </p:nvPr>
+        </p:nvGraphicFramePr>
+        <p:xfrm>
+          <a:off x="702127" y="3763801"/>
+          <a:ext cx="759854" cy="1700415"/>
+        </p:xfrm>
+        <a:graphic>
+          <a:graphicData uri="http://schemas.openxmlformats.org/drawingml/2006/table">
+            <a:tbl>
+              <a:tblPr firstRow="1" bandRow="1">
+                <a:tableStyleId>{5C22544A-7EE6-4342-B048-85BDC9FD1C3A}</a:tableStyleId>
+              </a:tblPr>
+              <a:tblGrid>
+                <a:gridCol w="759854">
+                  <a:extLst>
+                    <a:ext uri="{9D8B030D-6E8A-4147-A177-3AD203B41FA5}">
+                      <a16:colId xmlns:a16="http://schemas.microsoft.com/office/drawing/2014/main" val="1106292335"/>
+                    </a:ext>
+                  </a:extLst>
+                </a:gridCol>
+              </a:tblGrid>
+              <a:tr h="175005">
+                <a:tc>
+                  <a:txBody>
+                    <a:bodyPr/>
+                    <a:lstStyle/>
+                    <a:p>
+                      <a:r>
+                        <a:rPr lang="fr-FR" sz="800" dirty="0"/>
+                        <a:t>CLIENT</a:t>
+                      </a:r>
+                    </a:p>
+                  </a:txBody>
+                  <a:tcPr marL="41792" marR="41792" marT="20896" marB="20896"/>
+                </a:tc>
+                <a:extLst>
+                  <a:ext uri="{0D108BD9-81ED-4DB2-BD59-A6C34878D82A}">
+                    <a16:rowId xmlns:a16="http://schemas.microsoft.com/office/drawing/2014/main" val="2248337773"/>
+                  </a:ext>
+                </a:extLst>
+              </a:tr>
+              <a:tr h="169490">
+                <a:tc>
+                  <a:txBody>
+                    <a:bodyPr/>
+                    <a:lstStyle/>
+                    <a:p>
+                      <a:pPr algn="l" fontAlgn="b"/>
+                      <a:r>
+                        <a:rPr lang="fr-FR" sz="800" b="1" i="0" u="sng" strike="noStrike" dirty="0" err="1">
+                          <a:solidFill>
+                            <a:srgbClr val="000000"/>
+                          </a:solidFill>
+                          <a:effectLst/>
+                          <a:latin typeface="Calibri" panose="020F0502020204030204" pitchFamily="34" charset="0"/>
+                        </a:rPr>
+                        <a:t>NumCli</a:t>
+                      </a:r>
+                      <a:endParaRPr lang="fr-FR" sz="800" b="1" i="0" u="sng" strike="noStrike" dirty="0">
+                        <a:solidFill>
+                          <a:srgbClr val="000000"/>
+                        </a:solidFill>
+                        <a:effectLst/>
+                        <a:latin typeface="Calibri" panose="020F0502020204030204" pitchFamily="34" charset="0"/>
+                      </a:endParaRPr>
+                    </a:p>
+                  </a:txBody>
+                  <a:tcPr marL="3483" marR="3483" marT="3483" marB="0" anchor="b"/>
+                </a:tc>
+                <a:extLst>
+                  <a:ext uri="{0D108BD9-81ED-4DB2-BD59-A6C34878D82A}">
+                    <a16:rowId xmlns:a16="http://schemas.microsoft.com/office/drawing/2014/main" val="1339608471"/>
+                  </a:ext>
+                </a:extLst>
+              </a:tr>
+              <a:tr h="169490">
+                <a:tc>
+                  <a:txBody>
+                    <a:bodyPr/>
+                    <a:lstStyle/>
+                    <a:p>
+                      <a:pPr algn="l" fontAlgn="b"/>
+                      <a:r>
+                        <a:rPr lang="fr-FR" sz="800" b="0" i="0" u="none" strike="noStrike">
+                          <a:solidFill>
+                            <a:srgbClr val="000000"/>
+                          </a:solidFill>
+                          <a:effectLst/>
+                          <a:latin typeface="Calibri" panose="020F0502020204030204" pitchFamily="34" charset="0"/>
+                        </a:rPr>
+                        <a:t>NomCli</a:t>
+                      </a:r>
+                    </a:p>
+                  </a:txBody>
+                  <a:tcPr marL="3483" marR="3483" marT="3483" marB="0" anchor="b"/>
+                </a:tc>
+                <a:extLst>
+                  <a:ext uri="{0D108BD9-81ED-4DB2-BD59-A6C34878D82A}">
+                    <a16:rowId xmlns:a16="http://schemas.microsoft.com/office/drawing/2014/main" val="1158345435"/>
+                  </a:ext>
+                </a:extLst>
+              </a:tr>
+              <a:tr h="169490">
+                <a:tc>
+                  <a:txBody>
+                    <a:bodyPr/>
+                    <a:lstStyle/>
+                    <a:p>
+                      <a:pPr algn="l" fontAlgn="b"/>
+                      <a:r>
+                        <a:rPr lang="fr-FR" sz="800" b="0" i="0" u="none" strike="noStrike">
+                          <a:solidFill>
+                            <a:srgbClr val="000000"/>
+                          </a:solidFill>
+                          <a:effectLst/>
+                          <a:latin typeface="Calibri" panose="020F0502020204030204" pitchFamily="34" charset="0"/>
+                        </a:rPr>
+                        <a:t>PrénomCli</a:t>
+                      </a:r>
+                    </a:p>
+                  </a:txBody>
+                  <a:tcPr marL="3483" marR="3483" marT="3483" marB="0" anchor="b"/>
+                </a:tc>
+                <a:extLst>
+                  <a:ext uri="{0D108BD9-81ED-4DB2-BD59-A6C34878D82A}">
+                    <a16:rowId xmlns:a16="http://schemas.microsoft.com/office/drawing/2014/main" val="2622897265"/>
+                  </a:ext>
+                </a:extLst>
+              </a:tr>
+              <a:tr h="169490">
+                <a:tc>
+                  <a:txBody>
+                    <a:bodyPr/>
+                    <a:lstStyle/>
+                    <a:p>
+                      <a:pPr algn="l" fontAlgn="b"/>
+                      <a:r>
+                        <a:rPr lang="fr-FR" sz="800" b="0" i="0" u="none" strike="noStrike">
+                          <a:solidFill>
+                            <a:srgbClr val="000000"/>
+                          </a:solidFill>
+                          <a:effectLst/>
+                          <a:latin typeface="Calibri" panose="020F0502020204030204" pitchFamily="34" charset="0"/>
+                        </a:rPr>
+                        <a:t>MèlCli</a:t>
+                      </a:r>
+                    </a:p>
+                  </a:txBody>
+                  <a:tcPr marL="3483" marR="3483" marT="3483" marB="0" anchor="b"/>
+                </a:tc>
+                <a:extLst>
+                  <a:ext uri="{0D108BD9-81ED-4DB2-BD59-A6C34878D82A}">
+                    <a16:rowId xmlns:a16="http://schemas.microsoft.com/office/drawing/2014/main" val="2835273359"/>
+                  </a:ext>
+                </a:extLst>
+              </a:tr>
+              <a:tr h="169490">
+                <a:tc>
+                  <a:txBody>
+                    <a:bodyPr/>
+                    <a:lstStyle/>
+                    <a:p>
+                      <a:pPr algn="l" fontAlgn="b"/>
+                      <a:r>
+                        <a:rPr lang="fr-FR" sz="800" b="0" i="0" u="none" strike="noStrike">
+                          <a:solidFill>
+                            <a:srgbClr val="000000"/>
+                          </a:solidFill>
+                          <a:effectLst/>
+                          <a:latin typeface="Calibri" panose="020F0502020204030204" pitchFamily="34" charset="0"/>
+                        </a:rPr>
+                        <a:t>SexeCli</a:t>
+                      </a:r>
+                    </a:p>
+                  </a:txBody>
+                  <a:tcPr marL="3483" marR="3483" marT="3483" marB="0" anchor="b"/>
+                </a:tc>
+                <a:extLst>
+                  <a:ext uri="{0D108BD9-81ED-4DB2-BD59-A6C34878D82A}">
+                    <a16:rowId xmlns:a16="http://schemas.microsoft.com/office/drawing/2014/main" val="3536941682"/>
+                  </a:ext>
+                </a:extLst>
+              </a:tr>
+              <a:tr h="169490">
+                <a:tc>
+                  <a:txBody>
+                    <a:bodyPr/>
+                    <a:lstStyle/>
+                    <a:p>
+                      <a:pPr algn="l" fontAlgn="b"/>
+                      <a:r>
+                        <a:rPr lang="fr-FR" sz="800" b="0" i="0" u="none" strike="noStrike">
+                          <a:solidFill>
+                            <a:srgbClr val="000000"/>
+                          </a:solidFill>
+                          <a:effectLst/>
+                          <a:latin typeface="Calibri" panose="020F0502020204030204" pitchFamily="34" charset="0"/>
+                        </a:rPr>
+                        <a:t>VilleCli</a:t>
+                      </a:r>
+                    </a:p>
+                  </a:txBody>
+                  <a:tcPr marL="3483" marR="3483" marT="3483" marB="0" anchor="b"/>
+                </a:tc>
+                <a:extLst>
+                  <a:ext uri="{0D108BD9-81ED-4DB2-BD59-A6C34878D82A}">
+                    <a16:rowId xmlns:a16="http://schemas.microsoft.com/office/drawing/2014/main" val="3839858529"/>
+                  </a:ext>
+                </a:extLst>
+              </a:tr>
+              <a:tr h="169490">
+                <a:tc>
+                  <a:txBody>
+                    <a:bodyPr/>
+                    <a:lstStyle/>
+                    <a:p>
+                      <a:pPr algn="l" fontAlgn="b"/>
+                      <a:r>
+                        <a:rPr lang="fr-FR" sz="800" b="0" i="0" u="none" strike="noStrike">
+                          <a:solidFill>
+                            <a:srgbClr val="000000"/>
+                          </a:solidFill>
+                          <a:effectLst/>
+                          <a:latin typeface="Calibri" panose="020F0502020204030204" pitchFamily="34" charset="0"/>
+                        </a:rPr>
+                        <a:t>AdRueCli</a:t>
+                      </a:r>
+                    </a:p>
+                  </a:txBody>
+                  <a:tcPr marL="3483" marR="3483" marT="3483" marB="0" anchor="b"/>
+                </a:tc>
+                <a:extLst>
+                  <a:ext uri="{0D108BD9-81ED-4DB2-BD59-A6C34878D82A}">
+                    <a16:rowId xmlns:a16="http://schemas.microsoft.com/office/drawing/2014/main" val="2448540810"/>
+                  </a:ext>
+                </a:extLst>
+              </a:tr>
+              <a:tr h="169490">
+                <a:tc>
+                  <a:txBody>
+                    <a:bodyPr/>
+                    <a:lstStyle/>
+                    <a:p>
+                      <a:pPr algn="l" fontAlgn="b"/>
+                      <a:r>
+                        <a:rPr lang="fr-FR" sz="800" b="0" i="0" u="none" strike="noStrike" dirty="0" err="1">
+                          <a:solidFill>
+                            <a:srgbClr val="000000"/>
+                          </a:solidFill>
+                          <a:effectLst/>
+                          <a:latin typeface="Calibri" panose="020F0502020204030204" pitchFamily="34" charset="0"/>
+                        </a:rPr>
+                        <a:t>CPCli</a:t>
+                      </a:r>
+                      <a:endParaRPr lang="fr-FR" sz="800" b="0" i="0" u="none" strike="noStrike" dirty="0">
+                        <a:solidFill>
+                          <a:srgbClr val="000000"/>
+                        </a:solidFill>
+                        <a:effectLst/>
+                        <a:latin typeface="Calibri" panose="020F0502020204030204" pitchFamily="34" charset="0"/>
+                      </a:endParaRPr>
+                    </a:p>
+                  </a:txBody>
+                  <a:tcPr marL="3483" marR="3483" marT="3483" marB="0" anchor="b"/>
+                </a:tc>
+                <a:extLst>
+                  <a:ext uri="{0D108BD9-81ED-4DB2-BD59-A6C34878D82A}">
+                    <a16:rowId xmlns:a16="http://schemas.microsoft.com/office/drawing/2014/main" val="2354084572"/>
+                  </a:ext>
+                </a:extLst>
+              </a:tr>
+              <a:tr h="169490">
+                <a:tc>
+                  <a:txBody>
+                    <a:bodyPr/>
+                    <a:lstStyle/>
+                    <a:p>
+                      <a:pPr algn="l" fontAlgn="b"/>
+                      <a:r>
+                        <a:rPr lang="fr-FR" sz="800" b="0" i="0" u="none" strike="noStrike" dirty="0" err="1">
+                          <a:solidFill>
+                            <a:srgbClr val="000000"/>
+                          </a:solidFill>
+                          <a:effectLst/>
+                          <a:latin typeface="Calibri" panose="020F0502020204030204" pitchFamily="34" charset="0"/>
+                        </a:rPr>
+                        <a:t>PaysCli</a:t>
+                      </a:r>
+                      <a:endParaRPr lang="fr-FR" sz="800" b="0" i="0" u="none" strike="noStrike" dirty="0">
+                        <a:solidFill>
+                          <a:srgbClr val="000000"/>
+                        </a:solidFill>
+                        <a:effectLst/>
+                        <a:latin typeface="Calibri" panose="020F0502020204030204" pitchFamily="34" charset="0"/>
+                      </a:endParaRPr>
+                    </a:p>
+                  </a:txBody>
+                  <a:tcPr marL="3483" marR="3483" marT="3483" marB="0" anchor="b"/>
+                </a:tc>
+                <a:extLst>
+                  <a:ext uri="{0D108BD9-81ED-4DB2-BD59-A6C34878D82A}">
+                    <a16:rowId xmlns:a16="http://schemas.microsoft.com/office/drawing/2014/main" val="448537896"/>
+                  </a:ext>
+                </a:extLst>
+              </a:tr>
+            </a:tbl>
+          </a:graphicData>
+        </a:graphic>
+      </p:graphicFrame>
+      <p:graphicFrame>
+        <p:nvGraphicFramePr>
+          <p:cNvPr id="7" name="Tableau 6">
+            <a:extLst>
+              <a:ext uri="{FF2B5EF4-FFF2-40B4-BE49-F238E27FC236}">
+                <a16:creationId xmlns:a16="http://schemas.microsoft.com/office/drawing/2014/main" id="{EF9FEB29-1EB1-C64A-EEF4-D05BC637929F}"/>
+              </a:ext>
+            </a:extLst>
+          </p:cNvPr>
+          <p:cNvGraphicFramePr>
+            <a:graphicFrameLocks noGrp="1"/>
+          </p:cNvGraphicFramePr>
+          <p:nvPr>
+            <p:extLst>
+              <p:ext uri="{D42A27DB-BD31-4B8C-83A1-F6EECF244321}">
+                <p14:modId xmlns:p14="http://schemas.microsoft.com/office/powerpoint/2010/main" val="3217652968"/>
+              </p:ext>
+            </p:extLst>
+          </p:nvPr>
+        </p:nvGraphicFramePr>
+        <p:xfrm>
+          <a:off x="2741931" y="3646449"/>
+          <a:ext cx="759854" cy="1360564"/>
+        </p:xfrm>
+        <a:graphic>
+          <a:graphicData uri="http://schemas.openxmlformats.org/drawingml/2006/table">
+            <a:tbl>
+              <a:tblPr firstRow="1" bandRow="1">
+                <a:tableStyleId>{5C22544A-7EE6-4342-B048-85BDC9FD1C3A}</a:tableStyleId>
+              </a:tblPr>
+              <a:tblGrid>
+                <a:gridCol w="759854">
+                  <a:extLst>
+                    <a:ext uri="{9D8B030D-6E8A-4147-A177-3AD203B41FA5}">
+                      <a16:colId xmlns:a16="http://schemas.microsoft.com/office/drawing/2014/main" val="1106292335"/>
+                    </a:ext>
+                  </a:extLst>
+                </a:gridCol>
+              </a:tblGrid>
+              <a:tr h="174134">
+                <a:tc>
+                  <a:txBody>
+                    <a:bodyPr/>
+                    <a:lstStyle/>
+                    <a:p>
+                      <a:r>
+                        <a:rPr lang="fr-FR" sz="800" dirty="0"/>
+                        <a:t>RESERVATION</a:t>
+                      </a:r>
+                    </a:p>
+                  </a:txBody>
+                  <a:tcPr marL="41792" marR="41792" marT="20896" marB="20896"/>
+                </a:tc>
+                <a:extLst>
+                  <a:ext uri="{0D108BD9-81ED-4DB2-BD59-A6C34878D82A}">
+                    <a16:rowId xmlns:a16="http://schemas.microsoft.com/office/drawing/2014/main" val="2248337773"/>
+                  </a:ext>
+                </a:extLst>
+              </a:tr>
+              <a:tr h="169490">
+                <a:tc>
+                  <a:txBody>
+                    <a:bodyPr/>
+                    <a:lstStyle/>
+                    <a:p>
+                      <a:pPr algn="l" fontAlgn="b"/>
+                      <a:r>
+                        <a:rPr lang="fr-FR" sz="800" b="1" i="0" u="sng" strike="noStrike" dirty="0" err="1">
+                          <a:solidFill>
+                            <a:srgbClr val="000000"/>
+                          </a:solidFill>
+                          <a:effectLst/>
+                          <a:latin typeface="Calibri" panose="020F0502020204030204" pitchFamily="34" charset="0"/>
+                        </a:rPr>
+                        <a:t>NumRes</a:t>
+                      </a:r>
+                      <a:endParaRPr lang="fr-FR" sz="800" b="1" i="0" u="sng" strike="noStrike" dirty="0">
+                        <a:solidFill>
+                          <a:srgbClr val="000000"/>
+                        </a:solidFill>
+                        <a:effectLst/>
+                        <a:latin typeface="Calibri" panose="020F0502020204030204" pitchFamily="34" charset="0"/>
+                      </a:endParaRPr>
+                    </a:p>
+                  </a:txBody>
+                  <a:tcPr marL="3483" marR="3483" marT="3483" marB="0" anchor="b"/>
+                </a:tc>
+                <a:extLst>
+                  <a:ext uri="{0D108BD9-81ED-4DB2-BD59-A6C34878D82A}">
+                    <a16:rowId xmlns:a16="http://schemas.microsoft.com/office/drawing/2014/main" val="1339608471"/>
+                  </a:ext>
+                </a:extLst>
+              </a:tr>
+              <a:tr h="169490">
+                <a:tc>
+                  <a:txBody>
+                    <a:bodyPr/>
+                    <a:lstStyle/>
+                    <a:p>
+                      <a:pPr algn="l" fontAlgn="b"/>
+                      <a:r>
+                        <a:rPr lang="fr-FR" sz="800" b="0" i="0" u="none" strike="noStrike">
+                          <a:solidFill>
+                            <a:srgbClr val="000000"/>
+                          </a:solidFill>
+                          <a:effectLst/>
+                          <a:latin typeface="Calibri" panose="020F0502020204030204" pitchFamily="34" charset="0"/>
+                        </a:rPr>
+                        <a:t>NbChambreRes</a:t>
+                      </a:r>
+                    </a:p>
+                  </a:txBody>
+                  <a:tcPr marL="3483" marR="3483" marT="3483" marB="0" anchor="b"/>
+                </a:tc>
+                <a:extLst>
+                  <a:ext uri="{0D108BD9-81ED-4DB2-BD59-A6C34878D82A}">
+                    <a16:rowId xmlns:a16="http://schemas.microsoft.com/office/drawing/2014/main" val="3536941682"/>
+                  </a:ext>
+                </a:extLst>
+              </a:tr>
+              <a:tr h="169490">
+                <a:tc>
+                  <a:txBody>
+                    <a:bodyPr/>
+                    <a:lstStyle/>
+                    <a:p>
+                      <a:pPr algn="l" fontAlgn="b"/>
+                      <a:r>
+                        <a:rPr lang="fr-FR" sz="800" b="0" i="0" u="none" strike="noStrike">
+                          <a:solidFill>
+                            <a:srgbClr val="000000"/>
+                          </a:solidFill>
+                          <a:effectLst/>
+                          <a:latin typeface="Calibri" panose="020F0502020204030204" pitchFamily="34" charset="0"/>
+                        </a:rPr>
+                        <a:t>NbNuitRes</a:t>
+                      </a:r>
+                    </a:p>
+                  </a:txBody>
+                  <a:tcPr marL="3483" marR="3483" marT="3483" marB="0" anchor="b"/>
+                </a:tc>
+                <a:extLst>
+                  <a:ext uri="{0D108BD9-81ED-4DB2-BD59-A6C34878D82A}">
+                    <a16:rowId xmlns:a16="http://schemas.microsoft.com/office/drawing/2014/main" val="3839858529"/>
+                  </a:ext>
+                </a:extLst>
+              </a:tr>
+              <a:tr h="169490">
+                <a:tc>
+                  <a:txBody>
+                    <a:bodyPr/>
+                    <a:lstStyle/>
+                    <a:p>
+                      <a:pPr algn="l" fontAlgn="b"/>
+                      <a:r>
+                        <a:rPr lang="fr-FR" sz="800" b="0" i="0" u="none" strike="noStrike">
+                          <a:solidFill>
+                            <a:srgbClr val="000000"/>
+                          </a:solidFill>
+                          <a:effectLst/>
+                          <a:latin typeface="Calibri" panose="020F0502020204030204" pitchFamily="34" charset="0"/>
+                        </a:rPr>
+                        <a:t>DateDebRes</a:t>
+                      </a:r>
+                    </a:p>
+                  </a:txBody>
+                  <a:tcPr marL="3483" marR="3483" marT="3483" marB="0" anchor="b"/>
+                </a:tc>
+                <a:extLst>
+                  <a:ext uri="{0D108BD9-81ED-4DB2-BD59-A6C34878D82A}">
+                    <a16:rowId xmlns:a16="http://schemas.microsoft.com/office/drawing/2014/main" val="2458924225"/>
+                  </a:ext>
+                </a:extLst>
+              </a:tr>
+              <a:tr h="169490">
+                <a:tc>
+                  <a:txBody>
+                    <a:bodyPr/>
+                    <a:lstStyle/>
+                    <a:p>
+                      <a:pPr algn="l" fontAlgn="b"/>
+                      <a:r>
+                        <a:rPr lang="fr-FR" sz="800" b="0" i="0" u="none" strike="noStrike">
+                          <a:solidFill>
+                            <a:srgbClr val="000000"/>
+                          </a:solidFill>
+                          <a:effectLst/>
+                          <a:latin typeface="Calibri" panose="020F0502020204030204" pitchFamily="34" charset="0"/>
+                        </a:rPr>
+                        <a:t>DateFinRes</a:t>
+                      </a:r>
+                    </a:p>
+                  </a:txBody>
+                  <a:tcPr marL="3483" marR="3483" marT="3483" marB="0" anchor="b"/>
+                </a:tc>
+                <a:extLst>
+                  <a:ext uri="{0D108BD9-81ED-4DB2-BD59-A6C34878D82A}">
+                    <a16:rowId xmlns:a16="http://schemas.microsoft.com/office/drawing/2014/main" val="492899240"/>
+                  </a:ext>
+                </a:extLst>
+              </a:tr>
+              <a:tr h="169490">
+                <a:tc>
+                  <a:txBody>
+                    <a:bodyPr/>
+                    <a:lstStyle/>
+                    <a:p>
+                      <a:pPr algn="l" fontAlgn="b"/>
+                      <a:r>
+                        <a:rPr lang="fr-FR" sz="800" b="0" i="0" u="none" strike="noStrike" dirty="0" err="1">
+                          <a:solidFill>
+                            <a:srgbClr val="000000"/>
+                          </a:solidFill>
+                          <a:effectLst/>
+                          <a:latin typeface="Calibri" panose="020F0502020204030204" pitchFamily="34" charset="0"/>
+                        </a:rPr>
+                        <a:t>AnnuléRes</a:t>
+                      </a:r>
+                      <a:endParaRPr lang="fr-FR" sz="800" b="0" i="0" u="none" strike="noStrike" dirty="0">
+                        <a:solidFill>
+                          <a:srgbClr val="000000"/>
+                        </a:solidFill>
+                        <a:effectLst/>
+                        <a:latin typeface="Calibri" panose="020F0502020204030204" pitchFamily="34" charset="0"/>
+                      </a:endParaRPr>
+                    </a:p>
+                  </a:txBody>
+                  <a:tcPr marL="3483" marR="3483" marT="3483" marB="0" anchor="b"/>
+                </a:tc>
+                <a:extLst>
+                  <a:ext uri="{0D108BD9-81ED-4DB2-BD59-A6C34878D82A}">
+                    <a16:rowId xmlns:a16="http://schemas.microsoft.com/office/drawing/2014/main" val="496720118"/>
+                  </a:ext>
+                </a:extLst>
+              </a:tr>
+              <a:tr h="169490">
+                <a:tc>
+                  <a:txBody>
+                    <a:bodyPr/>
+                    <a:lstStyle/>
+                    <a:p>
+                      <a:pPr algn="l" fontAlgn="b"/>
+                      <a:r>
+                        <a:rPr lang="fr-FR" sz="800" b="0" i="0" u="none" strike="noStrike" dirty="0" err="1">
+                          <a:solidFill>
+                            <a:srgbClr val="000000"/>
+                          </a:solidFill>
+                          <a:effectLst/>
+                          <a:latin typeface="Calibri" panose="020F0502020204030204" pitchFamily="34" charset="0"/>
+                        </a:rPr>
+                        <a:t>NumCli</a:t>
+                      </a:r>
+                      <a:endParaRPr lang="fr-FR" sz="800" b="0" i="0" u="none" strike="noStrike" dirty="0">
+                        <a:solidFill>
+                          <a:srgbClr val="000000"/>
+                        </a:solidFill>
+                        <a:effectLst/>
+                        <a:latin typeface="Calibri" panose="020F0502020204030204" pitchFamily="34" charset="0"/>
+                      </a:endParaRPr>
+                    </a:p>
+                  </a:txBody>
+                  <a:tcPr marL="3483" marR="3483" marT="3483" marB="0" anchor="b"/>
+                </a:tc>
+                <a:extLst>
+                  <a:ext uri="{0D108BD9-81ED-4DB2-BD59-A6C34878D82A}">
+                    <a16:rowId xmlns:a16="http://schemas.microsoft.com/office/drawing/2014/main" val="3200710800"/>
+                  </a:ext>
+                </a:extLst>
+              </a:tr>
+            </a:tbl>
+          </a:graphicData>
+        </a:graphic>
+      </p:graphicFrame>
+      <p:graphicFrame>
+        <p:nvGraphicFramePr>
+          <p:cNvPr id="8" name="Tableau 7">
+            <a:extLst>
+              <a:ext uri="{FF2B5EF4-FFF2-40B4-BE49-F238E27FC236}">
+                <a16:creationId xmlns:a16="http://schemas.microsoft.com/office/drawing/2014/main" id="{E203C005-B7E3-275E-CB6E-C927298DBFEE}"/>
+              </a:ext>
+            </a:extLst>
+          </p:cNvPr>
+          <p:cNvGraphicFramePr>
+            <a:graphicFrameLocks noGrp="1"/>
+          </p:cNvGraphicFramePr>
+          <p:nvPr>
+            <p:extLst>
+              <p:ext uri="{D42A27DB-BD31-4B8C-83A1-F6EECF244321}">
+                <p14:modId xmlns:p14="http://schemas.microsoft.com/office/powerpoint/2010/main" val="3356199170"/>
+              </p:ext>
+            </p:extLst>
+          </p:nvPr>
+        </p:nvGraphicFramePr>
+        <p:xfrm>
+          <a:off x="4573611" y="1120635"/>
+          <a:ext cx="799960" cy="1869905"/>
+        </p:xfrm>
+        <a:graphic>
+          <a:graphicData uri="http://schemas.openxmlformats.org/drawingml/2006/table">
+            <a:tbl>
+              <a:tblPr firstRow="1" bandRow="1">
+                <a:tableStyleId>{5C22544A-7EE6-4342-B048-85BDC9FD1C3A}</a:tableStyleId>
+              </a:tblPr>
+              <a:tblGrid>
+                <a:gridCol w="799960">
+                  <a:extLst>
+                    <a:ext uri="{9D8B030D-6E8A-4147-A177-3AD203B41FA5}">
+                      <a16:colId xmlns:a16="http://schemas.microsoft.com/office/drawing/2014/main" val="1106292335"/>
+                    </a:ext>
+                  </a:extLst>
+                </a:gridCol>
+              </a:tblGrid>
+              <a:tr h="175005">
+                <a:tc>
+                  <a:txBody>
+                    <a:bodyPr/>
+                    <a:lstStyle/>
+                    <a:p>
+                      <a:r>
+                        <a:rPr lang="fr-FR" sz="800" dirty="0" err="1"/>
+                        <a:t>Hotel</a:t>
+                      </a:r>
+                      <a:endParaRPr lang="fr-FR" sz="800" dirty="0"/>
+                    </a:p>
+                  </a:txBody>
+                  <a:tcPr marL="41792" marR="41792" marT="20896" marB="20896"/>
+                </a:tc>
+                <a:extLst>
+                  <a:ext uri="{0D108BD9-81ED-4DB2-BD59-A6C34878D82A}">
+                    <a16:rowId xmlns:a16="http://schemas.microsoft.com/office/drawing/2014/main" val="2248337773"/>
+                  </a:ext>
+                </a:extLst>
+              </a:tr>
+              <a:tr h="169490">
+                <a:tc>
+                  <a:txBody>
+                    <a:bodyPr/>
+                    <a:lstStyle/>
+                    <a:p>
+                      <a:pPr algn="l" fontAlgn="b"/>
+                      <a:r>
+                        <a:rPr lang="fr-FR" sz="800" b="1" i="0" u="sng" strike="noStrike" dirty="0" err="1">
+                          <a:solidFill>
+                            <a:srgbClr val="000000"/>
+                          </a:solidFill>
+                          <a:effectLst/>
+                          <a:latin typeface="Calibri" panose="020F0502020204030204" pitchFamily="34" charset="0"/>
+                        </a:rPr>
+                        <a:t>NumHotel</a:t>
+                      </a:r>
+                      <a:endParaRPr lang="fr-FR" sz="800" b="1" i="0" u="sng" strike="noStrike" dirty="0">
+                        <a:solidFill>
+                          <a:srgbClr val="000000"/>
+                        </a:solidFill>
+                        <a:effectLst/>
+                        <a:latin typeface="Calibri" panose="020F0502020204030204" pitchFamily="34" charset="0"/>
+                      </a:endParaRPr>
+                    </a:p>
+                  </a:txBody>
+                  <a:tcPr marL="3483" marR="3483" marT="3483" marB="0" anchor="b"/>
+                </a:tc>
+                <a:extLst>
+                  <a:ext uri="{0D108BD9-81ED-4DB2-BD59-A6C34878D82A}">
+                    <a16:rowId xmlns:a16="http://schemas.microsoft.com/office/drawing/2014/main" val="1339608471"/>
+                  </a:ext>
+                </a:extLst>
+              </a:tr>
+              <a:tr h="169490">
+                <a:tc>
+                  <a:txBody>
+                    <a:bodyPr/>
+                    <a:lstStyle/>
+                    <a:p>
+                      <a:pPr algn="l" fontAlgn="b"/>
+                      <a:r>
+                        <a:rPr lang="fr-FR" sz="800" b="0" i="0" u="none" strike="noStrike">
+                          <a:solidFill>
+                            <a:srgbClr val="000000"/>
+                          </a:solidFill>
+                          <a:effectLst/>
+                          <a:latin typeface="Calibri" panose="020F0502020204030204" pitchFamily="34" charset="0"/>
+                        </a:rPr>
+                        <a:t>NomHotel</a:t>
+                      </a:r>
+                    </a:p>
+                  </a:txBody>
+                  <a:tcPr marL="3483" marR="3483" marT="3483" marB="0" anchor="b"/>
+                </a:tc>
+                <a:extLst>
+                  <a:ext uri="{0D108BD9-81ED-4DB2-BD59-A6C34878D82A}">
+                    <a16:rowId xmlns:a16="http://schemas.microsoft.com/office/drawing/2014/main" val="3992328301"/>
+                  </a:ext>
+                </a:extLst>
+              </a:tr>
+              <a:tr h="169490">
+                <a:tc>
+                  <a:txBody>
+                    <a:bodyPr/>
+                    <a:lstStyle/>
+                    <a:p>
+                      <a:pPr algn="l" fontAlgn="b"/>
+                      <a:r>
+                        <a:rPr lang="fr-FR" sz="800" b="0" i="0" u="none" strike="noStrike">
+                          <a:solidFill>
+                            <a:srgbClr val="000000"/>
+                          </a:solidFill>
+                          <a:effectLst/>
+                          <a:latin typeface="Calibri" panose="020F0502020204030204" pitchFamily="34" charset="0"/>
+                        </a:rPr>
+                        <a:t>DateCréation</a:t>
+                      </a:r>
+                    </a:p>
+                  </a:txBody>
+                  <a:tcPr marL="3483" marR="3483" marT="3483" marB="0" anchor="b"/>
+                </a:tc>
+                <a:extLst>
+                  <a:ext uri="{0D108BD9-81ED-4DB2-BD59-A6C34878D82A}">
+                    <a16:rowId xmlns:a16="http://schemas.microsoft.com/office/drawing/2014/main" val="2748143403"/>
+                  </a:ext>
+                </a:extLst>
+              </a:tr>
+              <a:tr h="169490">
+                <a:tc>
+                  <a:txBody>
+                    <a:bodyPr/>
+                    <a:lstStyle/>
+                    <a:p>
+                      <a:pPr algn="l" fontAlgn="b"/>
+                      <a:r>
+                        <a:rPr lang="fr-FR" sz="800" b="0" i="0" u="none" strike="noStrike">
+                          <a:solidFill>
+                            <a:srgbClr val="000000"/>
+                          </a:solidFill>
+                          <a:effectLst/>
+                          <a:latin typeface="Calibri" panose="020F0502020204030204" pitchFamily="34" charset="0"/>
+                        </a:rPr>
+                        <a:t>AdRueHotel</a:t>
+                      </a:r>
+                    </a:p>
+                  </a:txBody>
+                  <a:tcPr marL="3483" marR="3483" marT="3483" marB="0" anchor="b"/>
+                </a:tc>
+                <a:extLst>
+                  <a:ext uri="{0D108BD9-81ED-4DB2-BD59-A6C34878D82A}">
+                    <a16:rowId xmlns:a16="http://schemas.microsoft.com/office/drawing/2014/main" val="2431192399"/>
+                  </a:ext>
+                </a:extLst>
+              </a:tr>
+              <a:tr h="169490">
+                <a:tc>
+                  <a:txBody>
+                    <a:bodyPr/>
+                    <a:lstStyle/>
+                    <a:p>
+                      <a:pPr algn="l" fontAlgn="b"/>
+                      <a:r>
+                        <a:rPr lang="fr-FR" sz="800" b="0" i="0" u="none" strike="noStrike" dirty="0" err="1">
+                          <a:solidFill>
+                            <a:srgbClr val="000000"/>
+                          </a:solidFill>
+                          <a:effectLst/>
+                          <a:latin typeface="Calibri" panose="020F0502020204030204" pitchFamily="34" charset="0"/>
+                        </a:rPr>
+                        <a:t>CPHotel</a:t>
+                      </a:r>
+                      <a:endParaRPr lang="fr-FR" sz="800" b="0" i="0" u="none" strike="noStrike" dirty="0">
+                        <a:solidFill>
+                          <a:srgbClr val="000000"/>
+                        </a:solidFill>
+                        <a:effectLst/>
+                        <a:latin typeface="Calibri" panose="020F0502020204030204" pitchFamily="34" charset="0"/>
+                      </a:endParaRPr>
+                    </a:p>
+                  </a:txBody>
+                  <a:tcPr marL="3483" marR="3483" marT="3483" marB="0" anchor="b"/>
+                </a:tc>
+                <a:extLst>
+                  <a:ext uri="{0D108BD9-81ED-4DB2-BD59-A6C34878D82A}">
+                    <a16:rowId xmlns:a16="http://schemas.microsoft.com/office/drawing/2014/main" val="1145206824"/>
+                  </a:ext>
+                </a:extLst>
+              </a:tr>
+              <a:tr h="169490">
+                <a:tc>
+                  <a:txBody>
+                    <a:bodyPr/>
+                    <a:lstStyle/>
+                    <a:p>
+                      <a:pPr algn="l" fontAlgn="b"/>
+                      <a:r>
+                        <a:rPr lang="fr-FR" sz="800" b="0" i="0" u="none" strike="noStrike">
+                          <a:solidFill>
+                            <a:srgbClr val="000000"/>
+                          </a:solidFill>
+                          <a:effectLst/>
+                          <a:latin typeface="Calibri" panose="020F0502020204030204" pitchFamily="34" charset="0"/>
+                        </a:rPr>
+                        <a:t>VilleHotel</a:t>
+                      </a:r>
+                    </a:p>
+                  </a:txBody>
+                  <a:tcPr marL="3483" marR="3483" marT="3483" marB="0" anchor="b"/>
+                </a:tc>
+                <a:extLst>
+                  <a:ext uri="{0D108BD9-81ED-4DB2-BD59-A6C34878D82A}">
+                    <a16:rowId xmlns:a16="http://schemas.microsoft.com/office/drawing/2014/main" val="1453215201"/>
+                  </a:ext>
+                </a:extLst>
+              </a:tr>
+              <a:tr h="169490">
+                <a:tc>
+                  <a:txBody>
+                    <a:bodyPr/>
+                    <a:lstStyle/>
+                    <a:p>
+                      <a:pPr algn="l" fontAlgn="b"/>
+                      <a:r>
+                        <a:rPr lang="fr-FR" sz="800" b="0" i="0" u="none" strike="noStrike">
+                          <a:solidFill>
+                            <a:srgbClr val="000000"/>
+                          </a:solidFill>
+                          <a:effectLst/>
+                          <a:latin typeface="Calibri" panose="020F0502020204030204" pitchFamily="34" charset="0"/>
+                        </a:rPr>
+                        <a:t>TelHotel</a:t>
+                      </a:r>
+                    </a:p>
+                  </a:txBody>
+                  <a:tcPr marL="3483" marR="3483" marT="3483" marB="0" anchor="b"/>
+                </a:tc>
+                <a:extLst>
+                  <a:ext uri="{0D108BD9-81ED-4DB2-BD59-A6C34878D82A}">
+                    <a16:rowId xmlns:a16="http://schemas.microsoft.com/office/drawing/2014/main" val="3536941682"/>
+                  </a:ext>
+                </a:extLst>
+              </a:tr>
+              <a:tr h="169490">
+                <a:tc>
+                  <a:txBody>
+                    <a:bodyPr/>
+                    <a:lstStyle/>
+                    <a:p>
+                      <a:pPr algn="l" fontAlgn="b"/>
+                      <a:r>
+                        <a:rPr lang="fr-FR" sz="800" b="0" i="0" u="none" strike="noStrike">
+                          <a:solidFill>
+                            <a:srgbClr val="000000"/>
+                          </a:solidFill>
+                          <a:effectLst/>
+                          <a:latin typeface="Calibri" panose="020F0502020204030204" pitchFamily="34" charset="0"/>
+                        </a:rPr>
+                        <a:t>NomRespHotel</a:t>
+                      </a:r>
+                    </a:p>
+                  </a:txBody>
+                  <a:tcPr marL="3483" marR="3483" marT="3483" marB="0" anchor="b"/>
+                </a:tc>
+                <a:extLst>
+                  <a:ext uri="{0D108BD9-81ED-4DB2-BD59-A6C34878D82A}">
+                    <a16:rowId xmlns:a16="http://schemas.microsoft.com/office/drawing/2014/main" val="3839858529"/>
+                  </a:ext>
+                </a:extLst>
+              </a:tr>
+              <a:tr h="169490">
+                <a:tc>
+                  <a:txBody>
+                    <a:bodyPr/>
+                    <a:lstStyle/>
+                    <a:p>
+                      <a:pPr algn="l" fontAlgn="b"/>
+                      <a:r>
+                        <a:rPr lang="fr-FR" sz="800" b="0" i="0" u="none" strike="noStrike">
+                          <a:solidFill>
+                            <a:srgbClr val="000000"/>
+                          </a:solidFill>
+                          <a:effectLst/>
+                          <a:latin typeface="Calibri" panose="020F0502020204030204" pitchFamily="34" charset="0"/>
+                        </a:rPr>
+                        <a:t>CategorieHotel</a:t>
+                      </a:r>
+                    </a:p>
+                  </a:txBody>
+                  <a:tcPr marL="3483" marR="3483" marT="3483" marB="0" anchor="b"/>
+                </a:tc>
+                <a:extLst>
+                  <a:ext uri="{0D108BD9-81ED-4DB2-BD59-A6C34878D82A}">
+                    <a16:rowId xmlns:a16="http://schemas.microsoft.com/office/drawing/2014/main" val="1039450494"/>
+                  </a:ext>
+                </a:extLst>
+              </a:tr>
+              <a:tr h="169490">
+                <a:tc>
+                  <a:txBody>
+                    <a:bodyPr/>
+                    <a:lstStyle/>
+                    <a:p>
+                      <a:pPr algn="l" fontAlgn="b"/>
+                      <a:r>
+                        <a:rPr lang="fr-FR" sz="800" b="0" i="0" u="none" strike="noStrike" dirty="0" err="1">
+                          <a:solidFill>
+                            <a:srgbClr val="000000"/>
+                          </a:solidFill>
+                          <a:effectLst/>
+                          <a:latin typeface="Calibri" panose="020F0502020204030204" pitchFamily="34" charset="0"/>
+                        </a:rPr>
+                        <a:t>NbCh</a:t>
+                      </a:r>
+                      <a:endParaRPr lang="fr-FR" sz="800" b="0" i="0" u="none" strike="noStrike" dirty="0">
+                        <a:solidFill>
+                          <a:srgbClr val="000000"/>
+                        </a:solidFill>
+                        <a:effectLst/>
+                        <a:latin typeface="Calibri" panose="020F0502020204030204" pitchFamily="34" charset="0"/>
+                      </a:endParaRPr>
+                    </a:p>
+                  </a:txBody>
+                  <a:tcPr marL="3483" marR="3483" marT="3483" marB="0" anchor="b"/>
+                </a:tc>
+                <a:extLst>
+                  <a:ext uri="{0D108BD9-81ED-4DB2-BD59-A6C34878D82A}">
+                    <a16:rowId xmlns:a16="http://schemas.microsoft.com/office/drawing/2014/main" val="2877747483"/>
+                  </a:ext>
+                </a:extLst>
+              </a:tr>
+            </a:tbl>
+          </a:graphicData>
+        </a:graphic>
+      </p:graphicFrame>
+      <p:graphicFrame>
+        <p:nvGraphicFramePr>
+          <p:cNvPr id="9" name="Tableau 8">
+            <a:extLst>
+              <a:ext uri="{FF2B5EF4-FFF2-40B4-BE49-F238E27FC236}">
+                <a16:creationId xmlns:a16="http://schemas.microsoft.com/office/drawing/2014/main" id="{1895A2D2-2B08-C14F-A7D4-1A680B79EEDB}"/>
+              </a:ext>
+            </a:extLst>
+          </p:cNvPr>
+          <p:cNvGraphicFramePr>
+            <a:graphicFrameLocks noGrp="1"/>
+          </p:cNvGraphicFramePr>
+          <p:nvPr>
+            <p:extLst>
+              <p:ext uri="{D42A27DB-BD31-4B8C-83A1-F6EECF244321}">
+                <p14:modId xmlns:p14="http://schemas.microsoft.com/office/powerpoint/2010/main" val="713274678"/>
+              </p:ext>
+            </p:extLst>
+          </p:nvPr>
+        </p:nvGraphicFramePr>
+        <p:xfrm>
+          <a:off x="6559370" y="1350166"/>
+          <a:ext cx="884802" cy="852965"/>
+        </p:xfrm>
+        <a:graphic>
+          <a:graphicData uri="http://schemas.openxmlformats.org/drawingml/2006/table">
+            <a:tbl>
+              <a:tblPr firstRow="1" bandRow="1">
+                <a:tableStyleId>{5C22544A-7EE6-4342-B048-85BDC9FD1C3A}</a:tableStyleId>
+              </a:tblPr>
+              <a:tblGrid>
+                <a:gridCol w="884802">
+                  <a:extLst>
+                    <a:ext uri="{9D8B030D-6E8A-4147-A177-3AD203B41FA5}">
+                      <a16:colId xmlns:a16="http://schemas.microsoft.com/office/drawing/2014/main" val="1106292335"/>
+                    </a:ext>
+                  </a:extLst>
+                </a:gridCol>
+              </a:tblGrid>
+              <a:tr h="175005">
+                <a:tc>
+                  <a:txBody>
+                    <a:bodyPr/>
+                    <a:lstStyle/>
+                    <a:p>
+                      <a:r>
+                        <a:rPr lang="fr-FR" sz="800" dirty="0"/>
+                        <a:t>Tarif</a:t>
+                      </a:r>
+                    </a:p>
+                  </a:txBody>
+                  <a:tcPr marL="41792" marR="41792" marT="20896" marB="20896"/>
+                </a:tc>
+                <a:extLst>
+                  <a:ext uri="{0D108BD9-81ED-4DB2-BD59-A6C34878D82A}">
+                    <a16:rowId xmlns:a16="http://schemas.microsoft.com/office/drawing/2014/main" val="2248337773"/>
+                  </a:ext>
+                </a:extLst>
+              </a:tr>
+              <a:tr h="169490">
+                <a:tc>
+                  <a:txBody>
+                    <a:bodyPr/>
+                    <a:lstStyle/>
+                    <a:p>
+                      <a:pPr algn="l" fontAlgn="b"/>
+                      <a:r>
+                        <a:rPr lang="fr-FR" sz="800" b="0" i="0" u="none" strike="noStrike" dirty="0" err="1">
+                          <a:solidFill>
+                            <a:srgbClr val="000000"/>
+                          </a:solidFill>
+                          <a:effectLst/>
+                          <a:latin typeface="Calibri" panose="020F0502020204030204" pitchFamily="34" charset="0"/>
+                        </a:rPr>
+                        <a:t>PrixHT</a:t>
+                      </a:r>
+                      <a:endParaRPr lang="fr-FR" sz="800" b="0" i="0" u="none" strike="noStrike" dirty="0">
+                        <a:solidFill>
+                          <a:srgbClr val="000000"/>
+                        </a:solidFill>
+                        <a:effectLst/>
+                        <a:latin typeface="Calibri" panose="020F0502020204030204" pitchFamily="34" charset="0"/>
+                      </a:endParaRPr>
+                    </a:p>
+                  </a:txBody>
+                  <a:tcPr marL="3483" marR="3483" marT="3483" marB="0" anchor="b"/>
+                </a:tc>
+                <a:extLst>
+                  <a:ext uri="{0D108BD9-81ED-4DB2-BD59-A6C34878D82A}">
+                    <a16:rowId xmlns:a16="http://schemas.microsoft.com/office/drawing/2014/main" val="1339608471"/>
+                  </a:ext>
+                </a:extLst>
+              </a:tr>
+              <a:tr h="169490">
+                <a:tc>
+                  <a:txBody>
+                    <a:bodyPr/>
+                    <a:lstStyle/>
+                    <a:p>
+                      <a:pPr algn="l" fontAlgn="b"/>
+                      <a:r>
+                        <a:rPr lang="fr-FR" sz="800" b="0" i="0" u="none" strike="noStrike">
+                          <a:solidFill>
+                            <a:srgbClr val="000000"/>
+                          </a:solidFill>
+                          <a:effectLst/>
+                          <a:latin typeface="Calibri" panose="020F0502020204030204" pitchFamily="34" charset="0"/>
+                        </a:rPr>
+                        <a:t>NbChambreTyp</a:t>
+                      </a:r>
+                    </a:p>
+                  </a:txBody>
+                  <a:tcPr marL="3483" marR="3483" marT="3483" marB="0" anchor="b"/>
+                </a:tc>
+                <a:extLst>
+                  <a:ext uri="{0D108BD9-81ED-4DB2-BD59-A6C34878D82A}">
+                    <a16:rowId xmlns:a16="http://schemas.microsoft.com/office/drawing/2014/main" val="470607224"/>
+                  </a:ext>
+                </a:extLst>
+              </a:tr>
+              <a:tr h="169490">
+                <a:tc>
+                  <a:txBody>
+                    <a:bodyPr/>
+                    <a:lstStyle/>
+                    <a:p>
+                      <a:pPr algn="l" fontAlgn="b"/>
+                      <a:r>
+                        <a:rPr lang="fr-FR" sz="800" b="0" i="0" u="none" strike="noStrike">
+                          <a:solidFill>
+                            <a:srgbClr val="000000"/>
+                          </a:solidFill>
+                          <a:effectLst/>
+                          <a:latin typeface="Calibri" panose="020F0502020204030204" pitchFamily="34" charset="0"/>
+                        </a:rPr>
+                        <a:t>NumHotel</a:t>
+                      </a:r>
+                    </a:p>
+                  </a:txBody>
+                  <a:tcPr marL="3483" marR="3483" marT="3483" marB="0" anchor="b"/>
+                </a:tc>
+                <a:extLst>
+                  <a:ext uri="{0D108BD9-81ED-4DB2-BD59-A6C34878D82A}">
+                    <a16:rowId xmlns:a16="http://schemas.microsoft.com/office/drawing/2014/main" val="3536941682"/>
+                  </a:ext>
+                </a:extLst>
+              </a:tr>
+              <a:tr h="169490">
+                <a:tc>
+                  <a:txBody>
+                    <a:bodyPr/>
+                    <a:lstStyle/>
+                    <a:p>
+                      <a:pPr algn="l" fontAlgn="b"/>
+                      <a:r>
+                        <a:rPr lang="fr-FR" sz="800" b="0" i="0" u="none" strike="noStrike" dirty="0" err="1">
+                          <a:solidFill>
+                            <a:srgbClr val="000000"/>
+                          </a:solidFill>
+                          <a:effectLst/>
+                          <a:latin typeface="Calibri" panose="020F0502020204030204" pitchFamily="34" charset="0"/>
+                        </a:rPr>
+                        <a:t>NumTyp</a:t>
+                      </a:r>
+                      <a:endParaRPr lang="fr-FR" sz="800" b="0" i="0" u="none" strike="noStrike" dirty="0">
+                        <a:solidFill>
+                          <a:srgbClr val="000000"/>
+                        </a:solidFill>
+                        <a:effectLst/>
+                        <a:latin typeface="Calibri" panose="020F0502020204030204" pitchFamily="34" charset="0"/>
+                      </a:endParaRPr>
+                    </a:p>
+                  </a:txBody>
+                  <a:tcPr marL="3483" marR="3483" marT="3483" marB="0" anchor="b"/>
+                </a:tc>
+                <a:extLst>
+                  <a:ext uri="{0D108BD9-81ED-4DB2-BD59-A6C34878D82A}">
+                    <a16:rowId xmlns:a16="http://schemas.microsoft.com/office/drawing/2014/main" val="1153549426"/>
+                  </a:ext>
+                </a:extLst>
+              </a:tr>
+            </a:tbl>
+          </a:graphicData>
+        </a:graphic>
+      </p:graphicFrame>
+      <p:graphicFrame>
+        <p:nvGraphicFramePr>
+          <p:cNvPr id="11" name="Tableau 10">
+            <a:extLst>
+              <a:ext uri="{FF2B5EF4-FFF2-40B4-BE49-F238E27FC236}">
+                <a16:creationId xmlns:a16="http://schemas.microsoft.com/office/drawing/2014/main" id="{25A00E7C-4778-D9B8-36B7-33EEE00541C7}"/>
+              </a:ext>
+            </a:extLst>
+          </p:cNvPr>
+          <p:cNvGraphicFramePr>
+            <a:graphicFrameLocks noGrp="1"/>
+          </p:cNvGraphicFramePr>
+          <p:nvPr>
+            <p:extLst>
+              <p:ext uri="{D42A27DB-BD31-4B8C-83A1-F6EECF244321}">
+                <p14:modId xmlns:p14="http://schemas.microsoft.com/office/powerpoint/2010/main" val="4068135543"/>
+              </p:ext>
+            </p:extLst>
+          </p:nvPr>
+        </p:nvGraphicFramePr>
+        <p:xfrm>
+          <a:off x="8156556" y="2246762"/>
+          <a:ext cx="759854" cy="700020"/>
+        </p:xfrm>
+        <a:graphic>
+          <a:graphicData uri="http://schemas.openxmlformats.org/drawingml/2006/table">
+            <a:tbl>
+              <a:tblPr firstRow="1" bandRow="1">
+                <a:tableStyleId>{5C22544A-7EE6-4342-B048-85BDC9FD1C3A}</a:tableStyleId>
+              </a:tblPr>
+              <a:tblGrid>
+                <a:gridCol w="759854">
+                  <a:extLst>
+                    <a:ext uri="{9D8B030D-6E8A-4147-A177-3AD203B41FA5}">
+                      <a16:colId xmlns:a16="http://schemas.microsoft.com/office/drawing/2014/main" val="1106292335"/>
+                    </a:ext>
+                  </a:extLst>
+                </a:gridCol>
+              </a:tblGrid>
+              <a:tr h="175005">
+                <a:tc>
+                  <a:txBody>
+                    <a:bodyPr/>
+                    <a:lstStyle/>
+                    <a:p>
+                      <a:r>
+                        <a:rPr lang="fr-FR" sz="800" dirty="0" err="1"/>
+                        <a:t>TypeChambre</a:t>
+                      </a:r>
+                      <a:endParaRPr lang="fr-FR" sz="800" dirty="0"/>
+                    </a:p>
+                  </a:txBody>
+                  <a:tcPr marL="41792" marR="41792" marT="20896" marB="20896"/>
+                </a:tc>
+                <a:extLst>
+                  <a:ext uri="{0D108BD9-81ED-4DB2-BD59-A6C34878D82A}">
+                    <a16:rowId xmlns:a16="http://schemas.microsoft.com/office/drawing/2014/main" val="2248337773"/>
+                  </a:ext>
+                </a:extLst>
+              </a:tr>
+              <a:tr h="175005">
+                <a:tc>
+                  <a:txBody>
+                    <a:bodyPr/>
+                    <a:lstStyle/>
+                    <a:p>
+                      <a:r>
+                        <a:rPr lang="fr-FR" sz="800" u="sng" dirty="0" err="1"/>
+                        <a:t>NumType</a:t>
+                      </a:r>
+                      <a:endParaRPr lang="fr-FR" sz="800" u="sng" dirty="0"/>
+                    </a:p>
+                  </a:txBody>
+                  <a:tcPr marL="41792" marR="41792" marT="20896" marB="20896"/>
+                </a:tc>
+                <a:extLst>
+                  <a:ext uri="{0D108BD9-81ED-4DB2-BD59-A6C34878D82A}">
+                    <a16:rowId xmlns:a16="http://schemas.microsoft.com/office/drawing/2014/main" val="1339608471"/>
+                  </a:ext>
+                </a:extLst>
+              </a:tr>
+              <a:tr h="175005">
+                <a:tc>
+                  <a:txBody>
+                    <a:bodyPr/>
+                    <a:lstStyle/>
+                    <a:p>
+                      <a:r>
+                        <a:rPr lang="fr-FR" sz="800" dirty="0" err="1"/>
+                        <a:t>LibelléType</a:t>
+                      </a:r>
+                      <a:endParaRPr lang="fr-FR" sz="800" dirty="0"/>
+                    </a:p>
+                  </a:txBody>
+                  <a:tcPr marL="41792" marR="41792" marT="20896" marB="20896"/>
+                </a:tc>
+                <a:extLst>
+                  <a:ext uri="{0D108BD9-81ED-4DB2-BD59-A6C34878D82A}">
+                    <a16:rowId xmlns:a16="http://schemas.microsoft.com/office/drawing/2014/main" val="3536941682"/>
+                  </a:ext>
+                </a:extLst>
+              </a:tr>
+              <a:tr h="175005">
+                <a:tc>
+                  <a:txBody>
+                    <a:bodyPr/>
+                    <a:lstStyle/>
+                    <a:p>
+                      <a:r>
+                        <a:rPr lang="fr-FR" sz="800" dirty="0"/>
+                        <a:t>Fumeur</a:t>
+                      </a:r>
+                    </a:p>
+                  </a:txBody>
+                  <a:tcPr marL="41792" marR="41792" marT="20896" marB="20896"/>
+                </a:tc>
+                <a:extLst>
+                  <a:ext uri="{0D108BD9-81ED-4DB2-BD59-A6C34878D82A}">
+                    <a16:rowId xmlns:a16="http://schemas.microsoft.com/office/drawing/2014/main" val="1153549426"/>
+                  </a:ext>
+                </a:extLst>
+              </a:tr>
+            </a:tbl>
+          </a:graphicData>
+        </a:graphic>
+      </p:graphicFrame>
+      <p:graphicFrame>
+        <p:nvGraphicFramePr>
+          <p:cNvPr id="12" name="Tableau 11">
+            <a:extLst>
+              <a:ext uri="{FF2B5EF4-FFF2-40B4-BE49-F238E27FC236}">
+                <a16:creationId xmlns:a16="http://schemas.microsoft.com/office/drawing/2014/main" id="{DF317EFB-319B-8A27-358C-A0876CA19F12}"/>
+              </a:ext>
+            </a:extLst>
+          </p:cNvPr>
+          <p:cNvGraphicFramePr>
+            <a:graphicFrameLocks noGrp="1"/>
+          </p:cNvGraphicFramePr>
+          <p:nvPr>
+            <p:extLst>
+              <p:ext uri="{D42A27DB-BD31-4B8C-83A1-F6EECF244321}">
+                <p14:modId xmlns:p14="http://schemas.microsoft.com/office/powerpoint/2010/main" val="2845964486"/>
+              </p:ext>
+            </p:extLst>
+          </p:nvPr>
+        </p:nvGraphicFramePr>
+        <p:xfrm>
+          <a:off x="8161988" y="3280975"/>
+          <a:ext cx="759854" cy="700020"/>
+        </p:xfrm>
+        <a:graphic>
+          <a:graphicData uri="http://schemas.openxmlformats.org/drawingml/2006/table">
+            <a:tbl>
+              <a:tblPr firstRow="1" bandRow="1">
+                <a:tableStyleId>{5C22544A-7EE6-4342-B048-85BDC9FD1C3A}</a:tableStyleId>
+              </a:tblPr>
+              <a:tblGrid>
+                <a:gridCol w="759854">
+                  <a:extLst>
+                    <a:ext uri="{9D8B030D-6E8A-4147-A177-3AD203B41FA5}">
+                      <a16:colId xmlns:a16="http://schemas.microsoft.com/office/drawing/2014/main" val="1106292335"/>
+                    </a:ext>
+                  </a:extLst>
+                </a:gridCol>
+              </a:tblGrid>
+              <a:tr h="175005">
+                <a:tc>
+                  <a:txBody>
+                    <a:bodyPr/>
+                    <a:lstStyle/>
+                    <a:p>
+                      <a:r>
+                        <a:rPr lang="fr-FR" sz="800" dirty="0"/>
+                        <a:t>Réduction</a:t>
+                      </a:r>
+                    </a:p>
+                  </a:txBody>
+                  <a:tcPr marL="41792" marR="41792" marT="20896" marB="20896"/>
+                </a:tc>
+                <a:extLst>
+                  <a:ext uri="{0D108BD9-81ED-4DB2-BD59-A6C34878D82A}">
+                    <a16:rowId xmlns:a16="http://schemas.microsoft.com/office/drawing/2014/main" val="2248337773"/>
+                  </a:ext>
+                </a:extLst>
+              </a:tr>
+              <a:tr h="175005">
+                <a:tc>
+                  <a:txBody>
+                    <a:bodyPr/>
+                    <a:lstStyle/>
+                    <a:p>
+                      <a:r>
+                        <a:rPr lang="fr-FR" sz="800" u="sng" dirty="0" err="1"/>
+                        <a:t>TxRéduction</a:t>
+                      </a:r>
+                      <a:endParaRPr lang="fr-FR" sz="800" u="sng" dirty="0"/>
+                    </a:p>
+                  </a:txBody>
+                  <a:tcPr marL="41792" marR="41792" marT="20896" marB="20896"/>
+                </a:tc>
+                <a:extLst>
+                  <a:ext uri="{0D108BD9-81ED-4DB2-BD59-A6C34878D82A}">
+                    <a16:rowId xmlns:a16="http://schemas.microsoft.com/office/drawing/2014/main" val="1339608471"/>
+                  </a:ext>
+                </a:extLst>
+              </a:tr>
+              <a:tr h="175005">
+                <a:tc>
+                  <a:txBody>
+                    <a:bodyPr/>
+                    <a:lstStyle/>
+                    <a:p>
+                      <a:r>
+                        <a:rPr lang="fr-FR" sz="800" dirty="0" err="1"/>
+                        <a:t>NumType</a:t>
+                      </a:r>
+                      <a:endParaRPr lang="fr-FR" sz="800" dirty="0"/>
+                    </a:p>
+                  </a:txBody>
+                  <a:tcPr marL="41792" marR="41792" marT="20896" marB="20896"/>
+                </a:tc>
+                <a:extLst>
+                  <a:ext uri="{0D108BD9-81ED-4DB2-BD59-A6C34878D82A}">
+                    <a16:rowId xmlns:a16="http://schemas.microsoft.com/office/drawing/2014/main" val="3536941682"/>
+                  </a:ext>
+                </a:extLst>
+              </a:tr>
+              <a:tr h="175005">
+                <a:tc>
+                  <a:txBody>
+                    <a:bodyPr/>
+                    <a:lstStyle/>
+                    <a:p>
+                      <a:r>
+                        <a:rPr lang="fr-FR" sz="800" dirty="0"/>
+                        <a:t>Période</a:t>
+                      </a:r>
+                    </a:p>
+                  </a:txBody>
+                  <a:tcPr marL="41792" marR="41792" marT="20896" marB="20896"/>
+                </a:tc>
+                <a:extLst>
+                  <a:ext uri="{0D108BD9-81ED-4DB2-BD59-A6C34878D82A}">
+                    <a16:rowId xmlns:a16="http://schemas.microsoft.com/office/drawing/2014/main" val="1153549426"/>
+                  </a:ext>
+                </a:extLst>
+              </a:tr>
+            </a:tbl>
+          </a:graphicData>
+        </a:graphic>
+      </p:graphicFrame>
+      <p:graphicFrame>
+        <p:nvGraphicFramePr>
+          <p:cNvPr id="13" name="Tableau 12">
+            <a:extLst>
+              <a:ext uri="{FF2B5EF4-FFF2-40B4-BE49-F238E27FC236}">
+                <a16:creationId xmlns:a16="http://schemas.microsoft.com/office/drawing/2014/main" id="{90721EF7-6921-32DA-5D7A-3DC5D3E23C7D}"/>
+              </a:ext>
+            </a:extLst>
+          </p:cNvPr>
+          <p:cNvGraphicFramePr>
+            <a:graphicFrameLocks noGrp="1"/>
+          </p:cNvGraphicFramePr>
+          <p:nvPr>
+            <p:extLst>
+              <p:ext uri="{D42A27DB-BD31-4B8C-83A1-F6EECF244321}">
+                <p14:modId xmlns:p14="http://schemas.microsoft.com/office/powerpoint/2010/main" val="3239552724"/>
+              </p:ext>
+            </p:extLst>
+          </p:nvPr>
+        </p:nvGraphicFramePr>
+        <p:xfrm>
+          <a:off x="4391210" y="3470896"/>
+          <a:ext cx="922424" cy="1022455"/>
+        </p:xfrm>
+        <a:graphic>
+          <a:graphicData uri="http://schemas.openxmlformats.org/drawingml/2006/table">
+            <a:tbl>
+              <a:tblPr firstRow="1" bandRow="1">
+                <a:tableStyleId>{5C22544A-7EE6-4342-B048-85BDC9FD1C3A}</a:tableStyleId>
+              </a:tblPr>
+              <a:tblGrid>
+                <a:gridCol w="922424">
+                  <a:extLst>
+                    <a:ext uri="{9D8B030D-6E8A-4147-A177-3AD203B41FA5}">
+                      <a16:colId xmlns:a16="http://schemas.microsoft.com/office/drawing/2014/main" val="1106292335"/>
+                    </a:ext>
+                  </a:extLst>
+                </a:gridCol>
+              </a:tblGrid>
+              <a:tr h="175005">
+                <a:tc>
+                  <a:txBody>
+                    <a:bodyPr/>
+                    <a:lstStyle/>
+                    <a:p>
+                      <a:r>
+                        <a:rPr lang="fr-FR" sz="800" dirty="0"/>
+                        <a:t>Planning</a:t>
+                      </a:r>
+                    </a:p>
+                  </a:txBody>
+                  <a:tcPr marL="41792" marR="41792" marT="20896" marB="20896"/>
+                </a:tc>
+                <a:extLst>
+                  <a:ext uri="{0D108BD9-81ED-4DB2-BD59-A6C34878D82A}">
+                    <a16:rowId xmlns:a16="http://schemas.microsoft.com/office/drawing/2014/main" val="2248337773"/>
+                  </a:ext>
+                </a:extLst>
+              </a:tr>
+              <a:tr h="169490">
+                <a:tc>
+                  <a:txBody>
+                    <a:bodyPr/>
+                    <a:lstStyle/>
+                    <a:p>
+                      <a:pPr algn="l" fontAlgn="b"/>
+                      <a:r>
+                        <a:rPr lang="fr-FR" sz="800" b="1" i="0" u="sng" strike="noStrike">
+                          <a:solidFill>
+                            <a:srgbClr val="000000"/>
+                          </a:solidFill>
+                          <a:effectLst/>
+                          <a:latin typeface="Calibri" panose="020F0502020204030204" pitchFamily="34" charset="0"/>
+                        </a:rPr>
+                        <a:t>NumHotel</a:t>
+                      </a:r>
+                    </a:p>
+                  </a:txBody>
+                  <a:tcPr marL="3483" marR="3483" marT="3483" marB="0" anchor="b"/>
+                </a:tc>
+                <a:extLst>
+                  <a:ext uri="{0D108BD9-81ED-4DB2-BD59-A6C34878D82A}">
+                    <a16:rowId xmlns:a16="http://schemas.microsoft.com/office/drawing/2014/main" val="1339608471"/>
+                  </a:ext>
+                </a:extLst>
+              </a:tr>
+              <a:tr h="169490">
+                <a:tc>
+                  <a:txBody>
+                    <a:bodyPr/>
+                    <a:lstStyle/>
+                    <a:p>
+                      <a:pPr algn="l" fontAlgn="b"/>
+                      <a:r>
+                        <a:rPr lang="fr-FR" sz="800" b="1" i="0" u="sng" strike="noStrike" dirty="0">
+                          <a:solidFill>
+                            <a:srgbClr val="000000"/>
+                          </a:solidFill>
+                          <a:effectLst/>
+                          <a:latin typeface="Calibri" panose="020F0502020204030204" pitchFamily="34" charset="0"/>
+                        </a:rPr>
+                        <a:t>Date</a:t>
+                      </a:r>
+                    </a:p>
+                  </a:txBody>
+                  <a:tcPr marL="3483" marR="3483" marT="3483" marB="0" anchor="b"/>
+                </a:tc>
+                <a:extLst>
+                  <a:ext uri="{0D108BD9-81ED-4DB2-BD59-A6C34878D82A}">
+                    <a16:rowId xmlns:a16="http://schemas.microsoft.com/office/drawing/2014/main" val="3536941682"/>
+                  </a:ext>
+                </a:extLst>
+              </a:tr>
+              <a:tr h="169490">
+                <a:tc>
+                  <a:txBody>
+                    <a:bodyPr/>
+                    <a:lstStyle/>
+                    <a:p>
+                      <a:pPr algn="l" fontAlgn="b"/>
+                      <a:r>
+                        <a:rPr lang="fr-FR" sz="800" b="1" i="0" u="sng" strike="noStrike" dirty="0" err="1">
+                          <a:solidFill>
+                            <a:srgbClr val="000000"/>
+                          </a:solidFill>
+                          <a:effectLst/>
+                          <a:latin typeface="Calibri" panose="020F0502020204030204" pitchFamily="34" charset="0"/>
+                        </a:rPr>
+                        <a:t>NumChambre</a:t>
+                      </a:r>
+                      <a:endParaRPr lang="fr-FR" sz="800" b="1" i="0" u="sng" strike="noStrike" dirty="0">
+                        <a:solidFill>
+                          <a:srgbClr val="000000"/>
+                        </a:solidFill>
+                        <a:effectLst/>
+                        <a:latin typeface="Calibri" panose="020F0502020204030204" pitchFamily="34" charset="0"/>
+                      </a:endParaRPr>
+                    </a:p>
+                  </a:txBody>
+                  <a:tcPr marL="3483" marR="3483" marT="3483" marB="0" anchor="b"/>
+                </a:tc>
+                <a:extLst>
+                  <a:ext uri="{0D108BD9-81ED-4DB2-BD59-A6C34878D82A}">
+                    <a16:rowId xmlns:a16="http://schemas.microsoft.com/office/drawing/2014/main" val="1617277950"/>
+                  </a:ext>
+                </a:extLst>
+              </a:tr>
+              <a:tr h="169490">
+                <a:tc>
+                  <a:txBody>
+                    <a:bodyPr/>
+                    <a:lstStyle/>
+                    <a:p>
+                      <a:pPr algn="l" fontAlgn="b"/>
+                      <a:r>
+                        <a:rPr lang="fr-FR" sz="800" b="0" i="0" u="none" strike="noStrike">
+                          <a:solidFill>
+                            <a:srgbClr val="000000"/>
+                          </a:solidFill>
+                          <a:effectLst/>
+                          <a:latin typeface="Calibri" panose="020F0502020204030204" pitchFamily="34" charset="0"/>
+                        </a:rPr>
+                        <a:t>NbPersonne</a:t>
+                      </a:r>
+                    </a:p>
+                  </a:txBody>
+                  <a:tcPr marL="3483" marR="3483" marT="3483" marB="0" anchor="b"/>
+                </a:tc>
+                <a:extLst>
+                  <a:ext uri="{0D108BD9-81ED-4DB2-BD59-A6C34878D82A}">
+                    <a16:rowId xmlns:a16="http://schemas.microsoft.com/office/drawing/2014/main" val="3526477212"/>
+                  </a:ext>
+                </a:extLst>
+              </a:tr>
+              <a:tr h="169490">
+                <a:tc>
+                  <a:txBody>
+                    <a:bodyPr/>
+                    <a:lstStyle/>
+                    <a:p>
+                      <a:pPr algn="l" fontAlgn="b"/>
+                      <a:r>
+                        <a:rPr lang="fr-FR" sz="800" b="0" i="0" u="none" strike="noStrike" dirty="0" err="1">
+                          <a:solidFill>
+                            <a:srgbClr val="000000"/>
+                          </a:solidFill>
+                          <a:effectLst/>
+                          <a:latin typeface="Calibri" panose="020F0502020204030204" pitchFamily="34" charset="0"/>
+                        </a:rPr>
+                        <a:t>NumRes</a:t>
+                      </a:r>
+                      <a:endParaRPr lang="fr-FR" sz="800" b="0" i="0" u="none" strike="noStrike" dirty="0">
+                        <a:solidFill>
+                          <a:srgbClr val="000000"/>
+                        </a:solidFill>
+                        <a:effectLst/>
+                        <a:latin typeface="Calibri" panose="020F0502020204030204" pitchFamily="34" charset="0"/>
+                      </a:endParaRPr>
+                    </a:p>
+                  </a:txBody>
+                  <a:tcPr marL="3483" marR="3483" marT="3483" marB="0" anchor="b"/>
+                </a:tc>
+                <a:extLst>
+                  <a:ext uri="{0D108BD9-81ED-4DB2-BD59-A6C34878D82A}">
+                    <a16:rowId xmlns:a16="http://schemas.microsoft.com/office/drawing/2014/main" val="3394005403"/>
+                  </a:ext>
+                </a:extLst>
+              </a:tr>
+            </a:tbl>
+          </a:graphicData>
+        </a:graphic>
+      </p:graphicFrame>
+      <p:graphicFrame>
+        <p:nvGraphicFramePr>
+          <p:cNvPr id="14" name="Tableau 2">
+            <a:extLst>
+              <a:ext uri="{FF2B5EF4-FFF2-40B4-BE49-F238E27FC236}">
+                <a16:creationId xmlns:a16="http://schemas.microsoft.com/office/drawing/2014/main" id="{7F5D4DF9-9AB7-250C-B261-49C0AB0D5BEA}"/>
+              </a:ext>
+            </a:extLst>
+          </p:cNvPr>
+          <p:cNvGraphicFramePr>
+            <a:graphicFrameLocks noGrp="1"/>
+          </p:cNvGraphicFramePr>
+          <p:nvPr>
+            <p:extLst>
+              <p:ext uri="{D42A27DB-BD31-4B8C-83A1-F6EECF244321}">
+                <p14:modId xmlns:p14="http://schemas.microsoft.com/office/powerpoint/2010/main" val="3216660054"/>
+              </p:ext>
+            </p:extLst>
+          </p:nvPr>
+        </p:nvGraphicFramePr>
+        <p:xfrm>
+          <a:off x="6252099" y="3172076"/>
+          <a:ext cx="759854" cy="1697223"/>
+        </p:xfrm>
+        <a:graphic>
+          <a:graphicData uri="http://schemas.openxmlformats.org/drawingml/2006/table">
+            <a:tbl>
+              <a:tblPr firstRow="1" bandRow="1">
+                <a:tableStyleId>{5C22544A-7EE6-4342-B048-85BDC9FD1C3A}</a:tableStyleId>
+              </a:tblPr>
+              <a:tblGrid>
+                <a:gridCol w="759854">
+                  <a:extLst>
+                    <a:ext uri="{9D8B030D-6E8A-4147-A177-3AD203B41FA5}">
+                      <a16:colId xmlns:a16="http://schemas.microsoft.com/office/drawing/2014/main" val="1106292335"/>
+                    </a:ext>
+                  </a:extLst>
+                </a:gridCol>
+              </a:tblGrid>
+              <a:tr h="171813">
+                <a:tc>
+                  <a:txBody>
+                    <a:bodyPr/>
+                    <a:lstStyle/>
+                    <a:p>
+                      <a:r>
+                        <a:rPr lang="fr-FR" sz="700" dirty="0"/>
+                        <a:t>Chambre</a:t>
+                      </a:r>
+                    </a:p>
+                  </a:txBody>
+                  <a:tcPr marL="41792" marR="41792" marT="20896" marB="20896"/>
+                </a:tc>
+                <a:extLst>
+                  <a:ext uri="{0D108BD9-81ED-4DB2-BD59-A6C34878D82A}">
+                    <a16:rowId xmlns:a16="http://schemas.microsoft.com/office/drawing/2014/main" val="2248337773"/>
+                  </a:ext>
+                </a:extLst>
+              </a:tr>
+              <a:tr h="169490">
+                <a:tc>
+                  <a:txBody>
+                    <a:bodyPr/>
+                    <a:lstStyle/>
+                    <a:p>
+                      <a:pPr algn="l" fontAlgn="b"/>
+                      <a:r>
+                        <a:rPr lang="fr-FR" sz="800" b="1" i="0" u="sng" strike="noStrike" dirty="0" err="1">
+                          <a:solidFill>
+                            <a:srgbClr val="000000"/>
+                          </a:solidFill>
+                          <a:effectLst/>
+                          <a:latin typeface="Calibri" panose="020F0502020204030204" pitchFamily="34" charset="0"/>
+                        </a:rPr>
+                        <a:t>NumChambre</a:t>
+                      </a:r>
+                      <a:endParaRPr lang="fr-FR" sz="800" b="1" i="0" u="sng" strike="noStrike" dirty="0">
+                        <a:solidFill>
+                          <a:srgbClr val="000000"/>
+                        </a:solidFill>
+                        <a:effectLst/>
+                        <a:latin typeface="Calibri" panose="020F0502020204030204" pitchFamily="34" charset="0"/>
+                      </a:endParaRPr>
+                    </a:p>
+                  </a:txBody>
+                  <a:tcPr marL="3483" marR="3483" marT="3483" marB="0" anchor="b"/>
+                </a:tc>
+                <a:extLst>
+                  <a:ext uri="{0D108BD9-81ED-4DB2-BD59-A6C34878D82A}">
+                    <a16:rowId xmlns:a16="http://schemas.microsoft.com/office/drawing/2014/main" val="1339608471"/>
+                  </a:ext>
+                </a:extLst>
+              </a:tr>
+              <a:tr h="169490">
+                <a:tc>
+                  <a:txBody>
+                    <a:bodyPr/>
+                    <a:lstStyle/>
+                    <a:p>
+                      <a:pPr algn="l" fontAlgn="b"/>
+                      <a:r>
+                        <a:rPr lang="fr-FR" sz="800" b="0" i="0" u="none" strike="noStrike">
+                          <a:solidFill>
+                            <a:srgbClr val="000000"/>
+                          </a:solidFill>
+                          <a:effectLst/>
+                          <a:latin typeface="Calibri" panose="020F0502020204030204" pitchFamily="34" charset="0"/>
+                        </a:rPr>
+                        <a:t>NomChambre</a:t>
+                      </a:r>
+                    </a:p>
+                  </a:txBody>
+                  <a:tcPr marL="3483" marR="3483" marT="3483" marB="0" anchor="b"/>
+                </a:tc>
+                <a:extLst>
+                  <a:ext uri="{0D108BD9-81ED-4DB2-BD59-A6C34878D82A}">
+                    <a16:rowId xmlns:a16="http://schemas.microsoft.com/office/drawing/2014/main" val="1158345435"/>
+                  </a:ext>
+                </a:extLst>
+              </a:tr>
+              <a:tr h="169490">
+                <a:tc>
+                  <a:txBody>
+                    <a:bodyPr/>
+                    <a:lstStyle/>
+                    <a:p>
+                      <a:pPr algn="l" fontAlgn="b"/>
+                      <a:r>
+                        <a:rPr lang="fr-FR" sz="800" b="0" i="0" u="none" strike="noStrike" dirty="0" err="1">
+                          <a:solidFill>
+                            <a:srgbClr val="000000"/>
+                          </a:solidFill>
+                          <a:effectLst/>
+                          <a:latin typeface="Calibri" panose="020F0502020204030204" pitchFamily="34" charset="0"/>
+                        </a:rPr>
+                        <a:t>ChBain</a:t>
+                      </a:r>
+                      <a:endParaRPr lang="fr-FR" sz="800" b="0" i="0" u="none" strike="noStrike" dirty="0">
+                        <a:solidFill>
+                          <a:srgbClr val="000000"/>
+                        </a:solidFill>
+                        <a:effectLst/>
+                        <a:latin typeface="Calibri" panose="020F0502020204030204" pitchFamily="34" charset="0"/>
+                      </a:endParaRPr>
+                    </a:p>
+                  </a:txBody>
+                  <a:tcPr marL="3483" marR="3483" marT="3483" marB="0" anchor="b"/>
+                </a:tc>
+                <a:extLst>
+                  <a:ext uri="{0D108BD9-81ED-4DB2-BD59-A6C34878D82A}">
+                    <a16:rowId xmlns:a16="http://schemas.microsoft.com/office/drawing/2014/main" val="2622897265"/>
+                  </a:ext>
+                </a:extLst>
+              </a:tr>
+              <a:tr h="169490">
+                <a:tc>
+                  <a:txBody>
+                    <a:bodyPr/>
+                    <a:lstStyle/>
+                    <a:p>
+                      <a:pPr algn="l" fontAlgn="b"/>
+                      <a:r>
+                        <a:rPr lang="fr-FR" sz="800" b="0" i="0" u="none" strike="noStrike">
+                          <a:solidFill>
+                            <a:srgbClr val="000000"/>
+                          </a:solidFill>
+                          <a:effectLst/>
+                          <a:latin typeface="Calibri" panose="020F0502020204030204" pitchFamily="34" charset="0"/>
+                        </a:rPr>
+                        <a:t>ChDouche</a:t>
+                      </a:r>
+                    </a:p>
+                  </a:txBody>
+                  <a:tcPr marL="3483" marR="3483" marT="3483" marB="0" anchor="b"/>
+                </a:tc>
+                <a:extLst>
+                  <a:ext uri="{0D108BD9-81ED-4DB2-BD59-A6C34878D82A}">
+                    <a16:rowId xmlns:a16="http://schemas.microsoft.com/office/drawing/2014/main" val="2835273359"/>
+                  </a:ext>
+                </a:extLst>
+              </a:tr>
+              <a:tr h="169490">
+                <a:tc>
+                  <a:txBody>
+                    <a:bodyPr/>
+                    <a:lstStyle/>
+                    <a:p>
+                      <a:pPr algn="l" fontAlgn="b"/>
+                      <a:r>
+                        <a:rPr lang="fr-FR" sz="800" b="0" i="0" u="none" strike="noStrike" dirty="0" err="1">
+                          <a:solidFill>
+                            <a:srgbClr val="000000"/>
+                          </a:solidFill>
+                          <a:effectLst/>
+                          <a:latin typeface="Calibri" panose="020F0502020204030204" pitchFamily="34" charset="0"/>
+                        </a:rPr>
+                        <a:t>ChWC</a:t>
+                      </a:r>
+                      <a:endParaRPr lang="fr-FR" sz="800" b="0" i="0" u="none" strike="noStrike" dirty="0">
+                        <a:solidFill>
+                          <a:srgbClr val="000000"/>
+                        </a:solidFill>
+                        <a:effectLst/>
+                        <a:latin typeface="Calibri" panose="020F0502020204030204" pitchFamily="34" charset="0"/>
+                      </a:endParaRPr>
+                    </a:p>
+                  </a:txBody>
+                  <a:tcPr marL="3483" marR="3483" marT="3483" marB="0" anchor="b"/>
+                </a:tc>
+                <a:extLst>
+                  <a:ext uri="{0D108BD9-81ED-4DB2-BD59-A6C34878D82A}">
+                    <a16:rowId xmlns:a16="http://schemas.microsoft.com/office/drawing/2014/main" val="3536941682"/>
+                  </a:ext>
+                </a:extLst>
+              </a:tr>
+              <a:tr h="169490">
+                <a:tc>
+                  <a:txBody>
+                    <a:bodyPr/>
+                    <a:lstStyle/>
+                    <a:p>
+                      <a:pPr algn="l" fontAlgn="b"/>
+                      <a:r>
+                        <a:rPr lang="fr-FR" sz="800" b="0" i="0" u="none" strike="noStrike">
+                          <a:solidFill>
+                            <a:srgbClr val="000000"/>
+                          </a:solidFill>
+                          <a:effectLst/>
+                          <a:latin typeface="Calibri" panose="020F0502020204030204" pitchFamily="34" charset="0"/>
+                        </a:rPr>
+                        <a:t>ChCouchage</a:t>
+                      </a:r>
+                    </a:p>
+                  </a:txBody>
+                  <a:tcPr marL="3483" marR="3483" marT="3483" marB="0" anchor="b"/>
+                </a:tc>
+                <a:extLst>
+                  <a:ext uri="{0D108BD9-81ED-4DB2-BD59-A6C34878D82A}">
+                    <a16:rowId xmlns:a16="http://schemas.microsoft.com/office/drawing/2014/main" val="3839858529"/>
+                  </a:ext>
+                </a:extLst>
+              </a:tr>
+              <a:tr h="169490">
+                <a:tc>
+                  <a:txBody>
+                    <a:bodyPr/>
+                    <a:lstStyle/>
+                    <a:p>
+                      <a:pPr algn="l" fontAlgn="b"/>
+                      <a:r>
+                        <a:rPr lang="fr-FR" sz="800" b="0" i="0" u="none" strike="noStrike">
+                          <a:solidFill>
+                            <a:srgbClr val="000000"/>
+                          </a:solidFill>
+                          <a:effectLst/>
+                          <a:latin typeface="Calibri" panose="020F0502020204030204" pitchFamily="34" charset="0"/>
+                        </a:rPr>
+                        <a:t>ChTel</a:t>
+                      </a:r>
+                    </a:p>
+                  </a:txBody>
+                  <a:tcPr marL="3483" marR="3483" marT="3483" marB="0" anchor="b"/>
+                </a:tc>
+                <a:extLst>
+                  <a:ext uri="{0D108BD9-81ED-4DB2-BD59-A6C34878D82A}">
+                    <a16:rowId xmlns:a16="http://schemas.microsoft.com/office/drawing/2014/main" val="2448540810"/>
+                  </a:ext>
+                </a:extLst>
+              </a:tr>
+              <a:tr h="169490">
+                <a:tc>
+                  <a:txBody>
+                    <a:bodyPr/>
+                    <a:lstStyle/>
+                    <a:p>
+                      <a:pPr algn="l" fontAlgn="b"/>
+                      <a:r>
+                        <a:rPr lang="fr-FR" sz="800" b="0" i="0" u="none" strike="noStrike">
+                          <a:solidFill>
+                            <a:srgbClr val="000000"/>
+                          </a:solidFill>
+                          <a:effectLst/>
+                          <a:latin typeface="Calibri" panose="020F0502020204030204" pitchFamily="34" charset="0"/>
+                        </a:rPr>
+                        <a:t>NumHotel</a:t>
+                      </a:r>
+                    </a:p>
+                  </a:txBody>
+                  <a:tcPr marL="3483" marR="3483" marT="3483" marB="0" anchor="b"/>
+                </a:tc>
+                <a:extLst>
+                  <a:ext uri="{0D108BD9-81ED-4DB2-BD59-A6C34878D82A}">
+                    <a16:rowId xmlns:a16="http://schemas.microsoft.com/office/drawing/2014/main" val="2354084572"/>
+                  </a:ext>
+                </a:extLst>
+              </a:tr>
+              <a:tr h="169490">
+                <a:tc>
+                  <a:txBody>
+                    <a:bodyPr/>
+                    <a:lstStyle/>
+                    <a:p>
+                      <a:pPr algn="l" fontAlgn="b"/>
+                      <a:r>
+                        <a:rPr lang="fr-FR" sz="800" b="0" i="0" u="none" strike="noStrike" dirty="0" err="1">
+                          <a:solidFill>
+                            <a:srgbClr val="000000"/>
+                          </a:solidFill>
+                          <a:effectLst/>
+                          <a:latin typeface="Calibri" panose="020F0502020204030204" pitchFamily="34" charset="0"/>
+                        </a:rPr>
+                        <a:t>NumTyp</a:t>
+                      </a:r>
+                      <a:endParaRPr lang="fr-FR" sz="800" b="0" i="0" u="none" strike="noStrike" dirty="0">
+                        <a:solidFill>
+                          <a:srgbClr val="000000"/>
+                        </a:solidFill>
+                        <a:effectLst/>
+                        <a:latin typeface="Calibri" panose="020F0502020204030204" pitchFamily="34" charset="0"/>
+                      </a:endParaRPr>
+                    </a:p>
+                  </a:txBody>
+                  <a:tcPr marL="3483" marR="3483" marT="3483" marB="0" anchor="b"/>
+                </a:tc>
+                <a:extLst>
+                  <a:ext uri="{0D108BD9-81ED-4DB2-BD59-A6C34878D82A}">
+                    <a16:rowId xmlns:a16="http://schemas.microsoft.com/office/drawing/2014/main" val="448537896"/>
+                  </a:ext>
+                </a:extLst>
+              </a:tr>
+            </a:tbl>
+          </a:graphicData>
+        </a:graphic>
+      </p:graphicFrame>
+      <p:sp>
+        <p:nvSpPr>
+          <p:cNvPr id="17" name="Ellipse 16">
+            <a:extLst>
+              <a:ext uri="{FF2B5EF4-FFF2-40B4-BE49-F238E27FC236}">
+                <a16:creationId xmlns:a16="http://schemas.microsoft.com/office/drawing/2014/main" id="{EF53D8B5-A48B-13FD-8012-7A0E57187985}"/>
+              </a:ext>
+            </a:extLst>
+          </p:cNvPr>
+          <p:cNvSpPr/>
+          <p:nvPr/>
+        </p:nvSpPr>
+        <p:spPr>
+          <a:xfrm>
+            <a:off x="2318085" y="3280543"/>
+            <a:ext cx="82268" cy="82268"/>
+          </a:xfrm>
+          <a:prstGeom prst="ellipse">
+            <a:avLst/>
+          </a:prstGeom>
+          <a:solidFill>
+            <a:schemeClr val="bg1"/>
+          </a:solidFill>
+          <a:ln>
+            <a:noFill/>
+          </a:ln>
+        </p:spPr>
+        <p:style>
+          <a:lnRef idx="2">
+            <a:schemeClr val="accent1">
+              <a:shade val="50000"/>
+            </a:schemeClr>
+          </a:lnRef>
+          <a:fillRef idx="1">
+            <a:schemeClr val="accent1"/>
+          </a:fillRef>
+          <a:effectRef idx="0">
+            <a:schemeClr val="accent1"/>
+          </a:effectRef>
+          <a:fontRef idx="minor">
+            <a:schemeClr val="lt1"/>
+          </a:fontRef>
+        </p:style>
+        <p:txBody>
+          <a:bodyPr rtlCol="0" anchor="ctr"/>
+          <a:lstStyle/>
+          <a:p>
+            <a:pPr algn="ctr"/>
+            <a:endParaRPr lang="fr-FR" sz="1600"/>
+          </a:p>
+        </p:txBody>
+      </p:sp>
+      <p:sp>
+        <p:nvSpPr>
+          <p:cNvPr id="23" name="Ellipse 22">
+            <a:extLst>
+              <a:ext uri="{FF2B5EF4-FFF2-40B4-BE49-F238E27FC236}">
+                <a16:creationId xmlns:a16="http://schemas.microsoft.com/office/drawing/2014/main" id="{0C917A68-1D19-324F-464D-61A27B267625}"/>
+              </a:ext>
+            </a:extLst>
+          </p:cNvPr>
+          <p:cNvSpPr/>
+          <p:nvPr/>
+        </p:nvSpPr>
+        <p:spPr>
+          <a:xfrm>
+            <a:off x="6192956" y="3383465"/>
+            <a:ext cx="82268" cy="82268"/>
+          </a:xfrm>
+          <a:prstGeom prst="ellipse">
+            <a:avLst/>
+          </a:prstGeom>
+          <a:solidFill>
+            <a:schemeClr val="bg1"/>
+          </a:solidFill>
+          <a:ln>
+            <a:noFill/>
+          </a:ln>
+        </p:spPr>
+        <p:style>
+          <a:lnRef idx="2">
+            <a:schemeClr val="accent1">
+              <a:shade val="50000"/>
+            </a:schemeClr>
+          </a:lnRef>
+          <a:fillRef idx="1">
+            <a:schemeClr val="accent1"/>
+          </a:fillRef>
+          <a:effectRef idx="0">
+            <a:schemeClr val="accent1"/>
+          </a:effectRef>
+          <a:fontRef idx="minor">
+            <a:schemeClr val="lt1"/>
+          </a:fontRef>
+        </p:style>
+        <p:txBody>
+          <a:bodyPr rtlCol="0" anchor="ctr"/>
+          <a:lstStyle/>
+          <a:p>
+            <a:pPr algn="ctr"/>
+            <a:endParaRPr lang="fr-FR" sz="1600"/>
+          </a:p>
+        </p:txBody>
+      </p:sp>
+      <p:sp>
+        <p:nvSpPr>
+          <p:cNvPr id="25" name="Ellipse 24">
+            <a:extLst>
+              <a:ext uri="{FF2B5EF4-FFF2-40B4-BE49-F238E27FC236}">
+                <a16:creationId xmlns:a16="http://schemas.microsoft.com/office/drawing/2014/main" id="{94289562-5A83-C6A9-60D6-AC52E47C4D27}"/>
+              </a:ext>
+            </a:extLst>
+          </p:cNvPr>
+          <p:cNvSpPr/>
+          <p:nvPr/>
+        </p:nvSpPr>
+        <p:spPr>
+          <a:xfrm>
+            <a:off x="7550281" y="2130297"/>
+            <a:ext cx="82268" cy="82268"/>
+          </a:xfrm>
+          <a:prstGeom prst="ellipse">
+            <a:avLst/>
+          </a:prstGeom>
+          <a:solidFill>
+            <a:schemeClr val="bg1"/>
+          </a:solidFill>
+          <a:ln>
+            <a:noFill/>
+          </a:ln>
+        </p:spPr>
+        <p:style>
+          <a:lnRef idx="2">
+            <a:schemeClr val="accent1">
+              <a:shade val="50000"/>
+            </a:schemeClr>
+          </a:lnRef>
+          <a:fillRef idx="1">
+            <a:schemeClr val="accent1"/>
+          </a:fillRef>
+          <a:effectRef idx="0">
+            <a:schemeClr val="accent1"/>
+          </a:effectRef>
+          <a:fontRef idx="minor">
+            <a:schemeClr val="lt1"/>
+          </a:fontRef>
+        </p:style>
+        <p:txBody>
+          <a:bodyPr rtlCol="0" anchor="ctr"/>
+          <a:lstStyle/>
+          <a:p>
+            <a:pPr algn="ctr"/>
+            <a:endParaRPr lang="fr-FR" sz="1600"/>
+          </a:p>
+        </p:txBody>
+      </p:sp>
+      <p:sp>
+        <p:nvSpPr>
+          <p:cNvPr id="28" name="Ellipse 27">
+            <a:extLst>
+              <a:ext uri="{FF2B5EF4-FFF2-40B4-BE49-F238E27FC236}">
+                <a16:creationId xmlns:a16="http://schemas.microsoft.com/office/drawing/2014/main" id="{E11F28F7-CDB6-BABB-E724-4A491E5DBCEE}"/>
+              </a:ext>
+            </a:extLst>
+          </p:cNvPr>
+          <p:cNvSpPr/>
+          <p:nvPr/>
+        </p:nvSpPr>
+        <p:spPr>
+          <a:xfrm>
+            <a:off x="12135317" y="4508534"/>
+            <a:ext cx="82268" cy="82268"/>
+          </a:xfrm>
+          <a:prstGeom prst="ellipse">
+            <a:avLst/>
+          </a:prstGeom>
+          <a:solidFill>
+            <a:schemeClr val="bg1"/>
+          </a:solidFill>
+          <a:ln>
+            <a:noFill/>
+          </a:ln>
+        </p:spPr>
+        <p:style>
+          <a:lnRef idx="2">
+            <a:schemeClr val="accent1">
+              <a:shade val="50000"/>
+            </a:schemeClr>
+          </a:lnRef>
+          <a:fillRef idx="1">
+            <a:schemeClr val="accent1"/>
+          </a:fillRef>
+          <a:effectRef idx="0">
+            <a:schemeClr val="accent1"/>
+          </a:effectRef>
+          <a:fontRef idx="minor">
+            <a:schemeClr val="lt1"/>
+          </a:fontRef>
+        </p:style>
+        <p:txBody>
+          <a:bodyPr rtlCol="0" anchor="ctr"/>
+          <a:lstStyle/>
+          <a:p>
+            <a:pPr algn="ctr"/>
+            <a:endParaRPr lang="fr-FR" sz="1000"/>
+          </a:p>
+        </p:txBody>
+      </p:sp>
+      <p:cxnSp>
+        <p:nvCxnSpPr>
+          <p:cNvPr id="30" name="Connecteur : en angle 29">
+            <a:extLst>
+              <a:ext uri="{FF2B5EF4-FFF2-40B4-BE49-F238E27FC236}">
+                <a16:creationId xmlns:a16="http://schemas.microsoft.com/office/drawing/2014/main" id="{28258687-C83D-695B-122C-59147A6AF7E1}"/>
+              </a:ext>
+            </a:extLst>
+          </p:cNvPr>
+          <p:cNvCxnSpPr>
+            <a:cxnSpLocks/>
+            <a:stCxn id="15" idx="6"/>
+            <a:endCxn id="32" idx="2"/>
+          </p:cNvCxnSpPr>
+          <p:nvPr/>
+        </p:nvCxnSpPr>
+        <p:spPr>
+          <a:xfrm>
+            <a:off x="1471950" y="1617142"/>
+            <a:ext cx="133979" cy="1184241"/>
+          </a:xfrm>
+          <a:prstGeom prst="bentConnector3">
+            <a:avLst>
+              <a:gd name="adj1" fmla="val 50000"/>
+            </a:avLst>
+          </a:prstGeom>
+          <a:ln w="28575">
+            <a:tailEnd type="triangle"/>
+          </a:ln>
+        </p:spPr>
+        <p:style>
+          <a:lnRef idx="1">
+            <a:schemeClr val="accent1"/>
+          </a:lnRef>
+          <a:fillRef idx="0">
+            <a:schemeClr val="accent1"/>
+          </a:fillRef>
+          <a:effectRef idx="0">
+            <a:schemeClr val="accent1"/>
+          </a:effectRef>
+          <a:fontRef idx="minor">
+            <a:schemeClr val="tx1"/>
+          </a:fontRef>
+        </p:style>
+      </p:cxnSp>
+      <p:cxnSp>
+        <p:nvCxnSpPr>
+          <p:cNvPr id="37" name="Connecteur : en angle 36">
+            <a:extLst>
+              <a:ext uri="{FF2B5EF4-FFF2-40B4-BE49-F238E27FC236}">
+                <a16:creationId xmlns:a16="http://schemas.microsoft.com/office/drawing/2014/main" id="{730651BF-DD81-C5A5-AA32-470F4BF7A218}"/>
+              </a:ext>
+            </a:extLst>
+          </p:cNvPr>
+          <p:cNvCxnSpPr>
+            <a:cxnSpLocks/>
+            <a:stCxn id="16" idx="2"/>
+            <a:endCxn id="39" idx="6"/>
+          </p:cNvCxnSpPr>
+          <p:nvPr/>
+        </p:nvCxnSpPr>
+        <p:spPr>
+          <a:xfrm rot="10800000" flipV="1">
+            <a:off x="2395136" y="1627997"/>
+            <a:ext cx="234166" cy="1191672"/>
+          </a:xfrm>
+          <a:prstGeom prst="bentConnector3">
+            <a:avLst>
+              <a:gd name="adj1" fmla="val 50000"/>
+            </a:avLst>
+          </a:prstGeom>
+          <a:ln w="28575">
+            <a:tailEnd type="triangle"/>
+          </a:ln>
+        </p:spPr>
+        <p:style>
+          <a:lnRef idx="1">
+            <a:schemeClr val="accent1"/>
+          </a:lnRef>
+          <a:fillRef idx="0">
+            <a:schemeClr val="accent1"/>
+          </a:fillRef>
+          <a:effectRef idx="0">
+            <a:schemeClr val="accent1"/>
+          </a:effectRef>
+          <a:fontRef idx="minor">
+            <a:schemeClr val="tx1"/>
+          </a:fontRef>
+        </p:style>
+      </p:cxnSp>
+      <p:cxnSp>
+        <p:nvCxnSpPr>
+          <p:cNvPr id="42" name="Connecteur : en angle 41">
+            <a:extLst>
+              <a:ext uri="{FF2B5EF4-FFF2-40B4-BE49-F238E27FC236}">
+                <a16:creationId xmlns:a16="http://schemas.microsoft.com/office/drawing/2014/main" id="{DB9B3451-E0FB-B6C4-6817-86A95BD93967}"/>
+              </a:ext>
+            </a:extLst>
+          </p:cNvPr>
+          <p:cNvCxnSpPr>
+            <a:cxnSpLocks/>
+            <a:stCxn id="17" idx="6"/>
+            <a:endCxn id="78" idx="2"/>
+          </p:cNvCxnSpPr>
+          <p:nvPr/>
+        </p:nvCxnSpPr>
+        <p:spPr>
+          <a:xfrm>
+            <a:off x="2400353" y="3321677"/>
+            <a:ext cx="326456" cy="571819"/>
+          </a:xfrm>
+          <a:prstGeom prst="bentConnector3">
+            <a:avLst>
+              <a:gd name="adj1" fmla="val 50000"/>
+            </a:avLst>
+          </a:prstGeom>
+          <a:ln w="28575">
+            <a:tailEnd type="triangle"/>
+          </a:ln>
+        </p:spPr>
+        <p:style>
+          <a:lnRef idx="1">
+            <a:schemeClr val="accent1"/>
+          </a:lnRef>
+          <a:fillRef idx="0">
+            <a:schemeClr val="accent1"/>
+          </a:fillRef>
+          <a:effectRef idx="0">
+            <a:schemeClr val="accent1"/>
+          </a:effectRef>
+          <a:fontRef idx="minor">
+            <a:schemeClr val="tx1"/>
+          </a:fontRef>
+        </p:style>
+      </p:cxnSp>
+      <p:cxnSp>
+        <p:nvCxnSpPr>
+          <p:cNvPr id="45" name="Connecteur : en angle 44">
+            <a:extLst>
+              <a:ext uri="{FF2B5EF4-FFF2-40B4-BE49-F238E27FC236}">
+                <a16:creationId xmlns:a16="http://schemas.microsoft.com/office/drawing/2014/main" id="{EC3990BD-09B9-4689-F9A7-FB7B92171EB4}"/>
+              </a:ext>
+            </a:extLst>
+          </p:cNvPr>
+          <p:cNvCxnSpPr>
+            <a:cxnSpLocks/>
+            <a:stCxn id="19" idx="2"/>
+            <a:endCxn id="18" idx="6"/>
+          </p:cNvCxnSpPr>
+          <p:nvPr/>
+        </p:nvCxnSpPr>
+        <p:spPr>
+          <a:xfrm rot="10800000">
+            <a:off x="3504263" y="3920383"/>
+            <a:ext cx="874305" cy="496003"/>
+          </a:xfrm>
+          <a:prstGeom prst="bentConnector3">
+            <a:avLst>
+              <a:gd name="adj1" fmla="val 50000"/>
+            </a:avLst>
+          </a:prstGeom>
+          <a:ln w="28575">
+            <a:tailEnd type="triangle"/>
+          </a:ln>
+        </p:spPr>
+        <p:style>
+          <a:lnRef idx="1">
+            <a:schemeClr val="accent1"/>
+          </a:lnRef>
+          <a:fillRef idx="0">
+            <a:schemeClr val="accent1"/>
+          </a:fillRef>
+          <a:effectRef idx="0">
+            <a:schemeClr val="accent1"/>
+          </a:effectRef>
+          <a:fontRef idx="minor">
+            <a:schemeClr val="tx1"/>
+          </a:fontRef>
+        </p:style>
+      </p:cxnSp>
+      <p:cxnSp>
+        <p:nvCxnSpPr>
+          <p:cNvPr id="50" name="Connecteur : en angle 49">
+            <a:extLst>
+              <a:ext uri="{FF2B5EF4-FFF2-40B4-BE49-F238E27FC236}">
+                <a16:creationId xmlns:a16="http://schemas.microsoft.com/office/drawing/2014/main" id="{3426DF17-2132-30ED-EBBE-8B38E75893E9}"/>
+              </a:ext>
+            </a:extLst>
+          </p:cNvPr>
+          <p:cNvCxnSpPr>
+            <a:cxnSpLocks/>
+            <a:stCxn id="20" idx="2"/>
+            <a:endCxn id="73" idx="2"/>
+          </p:cNvCxnSpPr>
+          <p:nvPr/>
+        </p:nvCxnSpPr>
+        <p:spPr>
+          <a:xfrm rot="10800000" flipH="1">
+            <a:off x="4385906" y="1366670"/>
+            <a:ext cx="171731" cy="2364626"/>
+          </a:xfrm>
+          <a:prstGeom prst="bentConnector3">
+            <a:avLst>
+              <a:gd name="adj1" fmla="val -175259"/>
+            </a:avLst>
+          </a:prstGeom>
+          <a:ln w="28575">
+            <a:tailEnd type="triangle"/>
+          </a:ln>
+        </p:spPr>
+        <p:style>
+          <a:lnRef idx="1">
+            <a:schemeClr val="accent1"/>
+          </a:lnRef>
+          <a:fillRef idx="0">
+            <a:schemeClr val="accent1"/>
+          </a:fillRef>
+          <a:effectRef idx="0">
+            <a:schemeClr val="accent1"/>
+          </a:effectRef>
+          <a:fontRef idx="minor">
+            <a:schemeClr val="tx1"/>
+          </a:fontRef>
+        </p:style>
+      </p:cxnSp>
+      <p:cxnSp>
+        <p:nvCxnSpPr>
+          <p:cNvPr id="55" name="Connecteur : en angle 54">
+            <a:extLst>
+              <a:ext uri="{FF2B5EF4-FFF2-40B4-BE49-F238E27FC236}">
+                <a16:creationId xmlns:a16="http://schemas.microsoft.com/office/drawing/2014/main" id="{62F93645-CBF9-7AD5-0438-8EB8C6BD2949}"/>
+              </a:ext>
+            </a:extLst>
+          </p:cNvPr>
+          <p:cNvCxnSpPr>
+            <a:cxnSpLocks/>
+            <a:stCxn id="57" idx="2"/>
+            <a:endCxn id="54" idx="6"/>
+          </p:cNvCxnSpPr>
+          <p:nvPr/>
+        </p:nvCxnSpPr>
+        <p:spPr>
+          <a:xfrm rot="10800000">
+            <a:off x="1481764" y="4013586"/>
+            <a:ext cx="1248336" cy="925338"/>
+          </a:xfrm>
+          <a:prstGeom prst="bentConnector3">
+            <a:avLst>
+              <a:gd name="adj1" fmla="val 50000"/>
+            </a:avLst>
+          </a:prstGeom>
+          <a:ln w="28575">
+            <a:tailEnd type="triangle"/>
+          </a:ln>
+        </p:spPr>
+        <p:style>
+          <a:lnRef idx="1">
+            <a:schemeClr val="accent1"/>
+          </a:lnRef>
+          <a:fillRef idx="0">
+            <a:schemeClr val="accent1"/>
+          </a:fillRef>
+          <a:effectRef idx="0">
+            <a:schemeClr val="accent1"/>
+          </a:effectRef>
+          <a:fontRef idx="minor">
+            <a:schemeClr val="tx1"/>
+          </a:fontRef>
+        </p:style>
+      </p:cxnSp>
+      <p:cxnSp>
+        <p:nvCxnSpPr>
+          <p:cNvPr id="60" name="Connecteur : en angle 59">
+            <a:extLst>
+              <a:ext uri="{FF2B5EF4-FFF2-40B4-BE49-F238E27FC236}">
+                <a16:creationId xmlns:a16="http://schemas.microsoft.com/office/drawing/2014/main" id="{E529D6F5-8D55-E672-9EC6-E1C830B61CED}"/>
+              </a:ext>
+            </a:extLst>
+          </p:cNvPr>
+          <p:cNvCxnSpPr>
+            <a:cxnSpLocks/>
+            <a:stCxn id="21" idx="2"/>
+            <a:endCxn id="51" idx="6"/>
+          </p:cNvCxnSpPr>
+          <p:nvPr/>
+        </p:nvCxnSpPr>
+        <p:spPr>
+          <a:xfrm rot="10800000">
+            <a:off x="5402471" y="1387237"/>
+            <a:ext cx="838239" cy="3252290"/>
+          </a:xfrm>
+          <a:prstGeom prst="bentConnector3">
+            <a:avLst>
+              <a:gd name="adj1" fmla="val 50000"/>
+            </a:avLst>
+          </a:prstGeom>
+          <a:ln w="28575">
+            <a:tailEnd type="triangle"/>
+          </a:ln>
+        </p:spPr>
+        <p:style>
+          <a:lnRef idx="1">
+            <a:schemeClr val="accent1"/>
+          </a:lnRef>
+          <a:fillRef idx="0">
+            <a:schemeClr val="accent1"/>
+          </a:fillRef>
+          <a:effectRef idx="0">
+            <a:schemeClr val="accent1"/>
+          </a:effectRef>
+          <a:fontRef idx="minor">
+            <a:schemeClr val="tx1"/>
+          </a:fontRef>
+        </p:style>
+      </p:cxnSp>
+      <p:cxnSp>
+        <p:nvCxnSpPr>
+          <p:cNvPr id="63" name="Connecteur : en angle 62">
+            <a:extLst>
+              <a:ext uri="{FF2B5EF4-FFF2-40B4-BE49-F238E27FC236}">
+                <a16:creationId xmlns:a16="http://schemas.microsoft.com/office/drawing/2014/main" id="{23EA32F2-5677-41B4-6A83-F6BC10233F12}"/>
+              </a:ext>
+            </a:extLst>
+          </p:cNvPr>
+          <p:cNvCxnSpPr>
+            <a:cxnSpLocks/>
+            <a:stCxn id="66" idx="2"/>
+            <a:endCxn id="51" idx="6"/>
+          </p:cNvCxnSpPr>
+          <p:nvPr/>
+        </p:nvCxnSpPr>
+        <p:spPr>
+          <a:xfrm rot="10800000">
+            <a:off x="5402471" y="1387237"/>
+            <a:ext cx="1133952" cy="579808"/>
+          </a:xfrm>
+          <a:prstGeom prst="bentConnector3">
+            <a:avLst>
+              <a:gd name="adj1" fmla="val 50000"/>
+            </a:avLst>
+          </a:prstGeom>
+          <a:ln w="28575">
             <a:tailEnd type="triangle"/>
           </a:ln>
         </p:spPr>
@@ -6921,15 +11022,15 @@
         </p:nvCxnSpPr>
         <p:spPr>
           <a:xfrm flipH="1" flipV="1">
-            <a:off x="34725126" y="7113373"/>
-            <a:ext cx="99722" cy="4885556"/>
+            <a:off x="8927356" y="2471688"/>
+            <a:ext cx="25637" cy="1256010"/>
           </a:xfrm>
           <a:prstGeom prst="bentConnector3">
             <a:avLst>
               <a:gd name="adj1" fmla="val -673819"/>
             </a:avLst>
           </a:prstGeom>
-          <a:ln w="57150">
+          <a:ln w="28575">
             <a:tailEnd type="triangle"/>
           </a:ln>
         </p:spPr>
@@ -6966,15 +11067,15 @@
         </p:nvCxnSpPr>
         <p:spPr>
           <a:xfrm>
-            <a:off x="28986447" y="5710065"/>
-            <a:ext cx="2538235" cy="1610531"/>
+            <a:off x="7452020" y="2110917"/>
+            <a:ext cx="652546" cy="414046"/>
           </a:xfrm>
           <a:prstGeom prst="bentConnector3">
             <a:avLst>
               <a:gd name="adj1" fmla="val 50000"/>
             </a:avLst>
           </a:prstGeom>
-          <a:ln w="57150">
+          <a:ln w="28575">
             <a:tailEnd type="triangle"/>
           </a:ln>
         </p:spPr>
@@ -7011,15 +11112,15 @@
         </p:nvCxnSpPr>
         <p:spPr>
           <a:xfrm flipV="1">
-            <a:off x="27323853" y="7320596"/>
-            <a:ext cx="4200829" cy="8834722"/>
+            <a:off x="7024590" y="2524963"/>
+            <a:ext cx="1079976" cy="2271286"/>
           </a:xfrm>
           <a:prstGeom prst="bentConnector3">
             <a:avLst>
               <a:gd name="adj1" fmla="val 50000"/>
             </a:avLst>
           </a:prstGeom>
-          <a:ln w="57150">
+          <a:ln w="28575">
             <a:tailEnd type="triangle"/>
           </a:ln>
         </p:spPr>
